--- a/microservices/illus.pptx
+++ b/microservices/illus.pptx
@@ -8,9 +8,6 @@
     <p:sldId id="266" r:id="rId2"/>
     <p:sldId id="270" r:id="rId3"/>
     <p:sldId id="271" r:id="rId4"/>
-    <p:sldId id="269" r:id="rId5"/>
-    <p:sldId id="267" r:id="rId6"/>
-    <p:sldId id="268" r:id="rId7"/>
   </p:sldIdLst>
   <p:sldSz cx="9144000" cy="6858000" type="screen4x3"/>
   <p:notesSz cx="6858000" cy="9144000"/>
@@ -12083,8 +12080,8 @@
         </p:nvSpPr>
         <p:spPr>
           <a:xfrm>
-            <a:off x="1763688" y="1556792"/>
-            <a:ext cx="3544139" cy="3040690"/>
+            <a:off x="1123156" y="1521765"/>
+            <a:ext cx="3205314" cy="2919195"/>
           </a:xfrm>
           <a:prstGeom prst="roundRect">
             <a:avLst/>
@@ -12146,7 +12143,7 @@
         </p:blipFill>
         <p:spPr>
           <a:xfrm>
-            <a:off x="1973715" y="2380574"/>
+            <a:off x="1197066" y="2345547"/>
             <a:ext cx="227331" cy="240020"/>
           </a:xfrm>
           <a:prstGeom prst="rect">
@@ -12162,8 +12159,8 @@
         </p:nvSpPr>
         <p:spPr>
           <a:xfrm>
-            <a:off x="5561951" y="1570183"/>
-            <a:ext cx="3548302" cy="3059999"/>
+            <a:off x="4423480" y="1535157"/>
+            <a:ext cx="3188034" cy="2905804"/>
           </a:xfrm>
           <a:prstGeom prst="roundRect">
             <a:avLst/>
@@ -12239,7 +12236,7 @@
         </p:blipFill>
         <p:spPr>
           <a:xfrm>
-            <a:off x="2206118" y="2110279"/>
+            <a:off x="1429469" y="2075252"/>
             <a:ext cx="298419" cy="510315"/>
           </a:xfrm>
           <a:prstGeom prst="rect">
@@ -12269,7 +12266,7 @@
         </p:blipFill>
         <p:spPr>
           <a:xfrm>
-            <a:off x="3605425" y="2996329"/>
+            <a:off x="2828776" y="2961302"/>
             <a:ext cx="298419" cy="510315"/>
           </a:xfrm>
           <a:prstGeom prst="rect">
@@ -12299,7 +12296,7 @@
         </p:blipFill>
         <p:spPr>
           <a:xfrm>
-            <a:off x="2582173" y="3730292"/>
+            <a:off x="1805524" y="3695265"/>
             <a:ext cx="298419" cy="510315"/>
           </a:xfrm>
           <a:prstGeom prst="rect">
@@ -12329,7 +12326,7 @@
         </p:blipFill>
         <p:spPr>
           <a:xfrm>
-            <a:off x="4052263" y="3885258"/>
+            <a:off x="3275614" y="3850231"/>
             <a:ext cx="298419" cy="510315"/>
           </a:xfrm>
           <a:prstGeom prst="rect">
@@ -12359,7 +12356,7 @@
         </p:blipFill>
         <p:spPr>
           <a:xfrm>
-            <a:off x="4487341" y="2110716"/>
+            <a:off x="3710692" y="2075689"/>
             <a:ext cx="298419" cy="510315"/>
           </a:xfrm>
           <a:prstGeom prst="rect">
@@ -12378,7 +12375,7 @@
         </p:nvCxnSpPr>
         <p:spPr bwMode="auto">
           <a:xfrm flipH="1" flipV="1">
-            <a:off x="2355328" y="2620594"/>
+            <a:off x="1578679" y="2585567"/>
             <a:ext cx="1250097" cy="630893"/>
           </a:xfrm>
           <a:prstGeom prst="straightConnector1">
@@ -12415,7 +12412,7 @@
         </p:nvCxnSpPr>
         <p:spPr bwMode="auto">
           <a:xfrm flipH="1">
-            <a:off x="2880592" y="3506644"/>
+            <a:off x="2103943" y="3471617"/>
             <a:ext cx="874043" cy="478806"/>
           </a:xfrm>
           <a:prstGeom prst="straightConnector1">
@@ -12452,7 +12449,7 @@
         </p:nvCxnSpPr>
         <p:spPr bwMode="auto">
           <a:xfrm flipH="1" flipV="1">
-            <a:off x="2504537" y="2365437"/>
+            <a:off x="1727888" y="2330410"/>
             <a:ext cx="1982804" cy="437"/>
           </a:xfrm>
           <a:prstGeom prst="straightConnector1">
@@ -12489,7 +12486,7 @@
         </p:nvCxnSpPr>
         <p:spPr bwMode="auto">
           <a:xfrm flipH="1" flipV="1">
-            <a:off x="2355328" y="2620594"/>
+            <a:off x="1578679" y="2585567"/>
             <a:ext cx="376055" cy="1109698"/>
           </a:xfrm>
           <a:prstGeom prst="straightConnector1">
@@ -12525,7 +12522,7 @@
         </p:nvCxnSpPr>
         <p:spPr bwMode="auto">
           <a:xfrm flipH="1" flipV="1">
-            <a:off x="3754635" y="3506644"/>
+            <a:off x="2977986" y="3471617"/>
             <a:ext cx="446838" cy="378614"/>
           </a:xfrm>
           <a:prstGeom prst="straightConnector1">
@@ -12559,7 +12556,7 @@
         </p:nvCxnSpPr>
         <p:spPr bwMode="auto">
           <a:xfrm flipV="1">
-            <a:off x="3754635" y="2361387"/>
+            <a:off x="2977986" y="2326360"/>
             <a:ext cx="732706" cy="634942"/>
           </a:xfrm>
           <a:prstGeom prst="straightConnector1">
@@ -12607,7 +12604,7 @@
         </p:blipFill>
         <p:spPr>
           <a:xfrm>
-            <a:off x="6562785" y="2203884"/>
+            <a:off x="5198616" y="2168857"/>
             <a:ext cx="126309" cy="215996"/>
           </a:xfrm>
           <a:prstGeom prst="rect">
@@ -12637,7 +12634,7 @@
         </p:blipFill>
         <p:spPr>
           <a:xfrm>
-            <a:off x="7138517" y="2455880"/>
+            <a:off x="5774348" y="2420853"/>
             <a:ext cx="126309" cy="215996"/>
           </a:xfrm>
           <a:prstGeom prst="rect">
@@ -12667,7 +12664,7 @@
         </p:blipFill>
         <p:spPr>
           <a:xfrm>
-            <a:off x="6019590" y="3138880"/>
+            <a:off x="4655421" y="3103853"/>
             <a:ext cx="126309" cy="215996"/>
           </a:xfrm>
           <a:prstGeom prst="rect">
@@ -12697,7 +12694,7 @@
         </p:blipFill>
         <p:spPr>
           <a:xfrm>
-            <a:off x="7494427" y="3613013"/>
+            <a:off x="6130258" y="3577986"/>
             <a:ext cx="126309" cy="215996"/>
           </a:xfrm>
           <a:prstGeom prst="rect">
@@ -12727,7 +12724,7 @@
         </p:blipFill>
         <p:spPr>
           <a:xfrm>
-            <a:off x="7789149" y="2374776"/>
+            <a:off x="6424980" y="2339749"/>
             <a:ext cx="126309" cy="215996"/>
           </a:xfrm>
           <a:prstGeom prst="rect">
@@ -12746,7 +12743,7 @@
         </p:nvCxnSpPr>
         <p:spPr bwMode="auto">
           <a:xfrm flipH="1" flipV="1">
-            <a:off x="6625940" y="2419880"/>
+            <a:off x="5261771" y="2384853"/>
             <a:ext cx="512577" cy="143998"/>
           </a:xfrm>
           <a:prstGeom prst="straightConnector1">
@@ -12783,7 +12780,7 @@
         </p:nvCxnSpPr>
         <p:spPr bwMode="auto">
           <a:xfrm flipH="1">
-            <a:off x="6145899" y="2671876"/>
+            <a:off x="4781730" y="2636849"/>
             <a:ext cx="1055773" cy="575002"/>
           </a:xfrm>
           <a:prstGeom prst="straightConnector1">
@@ -12820,7 +12817,7 @@
         </p:nvCxnSpPr>
         <p:spPr bwMode="auto">
           <a:xfrm flipH="1" flipV="1">
-            <a:off x="6689094" y="2311882"/>
+            <a:off x="5324925" y="2276855"/>
             <a:ext cx="1100055" cy="170892"/>
           </a:xfrm>
           <a:prstGeom prst="straightConnector1">
@@ -12857,7 +12854,7 @@
         </p:nvCxnSpPr>
         <p:spPr bwMode="auto">
           <a:xfrm flipV="1">
-            <a:off x="6082745" y="2419880"/>
+            <a:off x="4718576" y="2384853"/>
             <a:ext cx="543195" cy="719000"/>
           </a:xfrm>
           <a:prstGeom prst="straightConnector1">
@@ -12894,7 +12891,7 @@
         </p:nvCxnSpPr>
         <p:spPr bwMode="auto">
           <a:xfrm flipV="1">
-            <a:off x="7557582" y="3155478"/>
+            <a:off x="6193413" y="3120451"/>
             <a:ext cx="147361" cy="457535"/>
           </a:xfrm>
           <a:prstGeom prst="straightConnector1">
@@ -12931,7 +12928,7 @@
         </p:nvCxnSpPr>
         <p:spPr bwMode="auto">
           <a:xfrm flipV="1">
-            <a:off x="7264826" y="2482774"/>
+            <a:off x="5900657" y="2447747"/>
             <a:ext cx="524323" cy="81104"/>
           </a:xfrm>
           <a:prstGeom prst="straightConnector1">
@@ -12979,7 +12976,7 @@
         </p:blipFill>
         <p:spPr>
           <a:xfrm>
-            <a:off x="6788865" y="3505188"/>
+            <a:off x="5424696" y="3470161"/>
             <a:ext cx="126309" cy="215996"/>
           </a:xfrm>
           <a:prstGeom prst="rect">
@@ -13009,7 +13006,7 @@
         </p:blipFill>
         <p:spPr>
           <a:xfrm>
-            <a:off x="7093665" y="3108639"/>
+            <a:off x="5729496" y="3073612"/>
             <a:ext cx="126309" cy="215996"/>
           </a:xfrm>
           <a:prstGeom prst="rect">
@@ -13039,7 +13036,7 @@
         </p:blipFill>
         <p:spPr>
           <a:xfrm>
-            <a:off x="6166951" y="3734428"/>
+            <a:off x="4802782" y="3699401"/>
             <a:ext cx="126309" cy="215996"/>
           </a:xfrm>
           <a:prstGeom prst="rect">
@@ -13069,7 +13066,7 @@
         </p:blipFill>
         <p:spPr>
           <a:xfrm>
-            <a:off x="7641788" y="2939482"/>
+            <a:off x="6277619" y="2904455"/>
             <a:ext cx="126309" cy="215996"/>
           </a:xfrm>
           <a:prstGeom prst="rect">
@@ -13099,7 +13096,7 @@
         </p:blipFill>
         <p:spPr>
           <a:xfrm>
-            <a:off x="7093665" y="3997051"/>
+            <a:off x="5729496" y="3962024"/>
             <a:ext cx="126309" cy="215996"/>
           </a:xfrm>
           <a:prstGeom prst="rect">
@@ -13129,7 +13126,7 @@
         </p:blipFill>
         <p:spPr>
           <a:xfrm>
-            <a:off x="8121875" y="3087566"/>
+            <a:off x="6757706" y="3052539"/>
             <a:ext cx="126309" cy="215996"/>
           </a:xfrm>
           <a:prstGeom prst="rect">
@@ -13148,7 +13145,7 @@
         </p:nvCxnSpPr>
         <p:spPr bwMode="auto">
           <a:xfrm flipH="1" flipV="1">
-            <a:off x="6082745" y="3354876"/>
+            <a:off x="4718576" y="3319849"/>
             <a:ext cx="147361" cy="379552"/>
           </a:xfrm>
           <a:prstGeom prst="straightConnector1">
@@ -13185,7 +13182,7 @@
         </p:nvCxnSpPr>
         <p:spPr bwMode="auto">
           <a:xfrm flipH="1">
-            <a:off x="6293260" y="3613186"/>
+            <a:off x="4929091" y="3578159"/>
             <a:ext cx="495605" cy="229240"/>
           </a:xfrm>
           <a:prstGeom prst="straightConnector1">
@@ -13222,7 +13219,7 @@
         </p:nvCxnSpPr>
         <p:spPr bwMode="auto">
           <a:xfrm flipH="1" flipV="1">
-            <a:off x="6852020" y="3721184"/>
+            <a:off x="5487851" y="3686157"/>
             <a:ext cx="304800" cy="275867"/>
           </a:xfrm>
           <a:prstGeom prst="straightConnector1">
@@ -13258,7 +13255,7 @@
         </p:nvCxnSpPr>
         <p:spPr bwMode="auto">
           <a:xfrm flipH="1">
-            <a:off x="6862547" y="3216637"/>
+            <a:off x="5498378" y="3181610"/>
             <a:ext cx="231118" cy="288551"/>
           </a:xfrm>
           <a:prstGeom prst="straightConnector1">
@@ -13295,7 +13292,7 @@
         </p:nvCxnSpPr>
         <p:spPr bwMode="auto">
           <a:xfrm flipV="1">
-            <a:off x="7156820" y="3324635"/>
+            <a:off x="5792651" y="3289608"/>
             <a:ext cx="0" cy="672416"/>
           </a:xfrm>
           <a:prstGeom prst="straightConnector1">
@@ -13332,7 +13329,7 @@
         </p:nvCxnSpPr>
         <p:spPr bwMode="auto">
           <a:xfrm flipH="1">
-            <a:off x="7219974" y="3047480"/>
+            <a:off x="5855805" y="3012453"/>
             <a:ext cx="421814" cy="169157"/>
           </a:xfrm>
           <a:prstGeom prst="straightConnector1">
@@ -13369,7 +13366,7 @@
         </p:nvCxnSpPr>
         <p:spPr bwMode="auto">
           <a:xfrm flipV="1">
-            <a:off x="7768097" y="2590772"/>
+            <a:off x="6403928" y="2555745"/>
             <a:ext cx="84207" cy="456708"/>
           </a:xfrm>
           <a:prstGeom prst="straightConnector1">
@@ -13406,7 +13403,7 @@
         </p:nvCxnSpPr>
         <p:spPr bwMode="auto">
           <a:xfrm flipH="1" flipV="1">
-            <a:off x="7915458" y="2482774"/>
+            <a:off x="6551289" y="2447747"/>
             <a:ext cx="269572" cy="604792"/>
           </a:xfrm>
           <a:prstGeom prst="straightConnector1">
@@ -13443,7 +13440,7 @@
         </p:nvCxnSpPr>
         <p:spPr bwMode="auto">
           <a:xfrm flipV="1">
-            <a:off x="7620736" y="3303562"/>
+            <a:off x="6256567" y="3268535"/>
             <a:ext cx="564294" cy="417449"/>
           </a:xfrm>
           <a:prstGeom prst="straightConnector1">
@@ -13480,7 +13477,7 @@
         </p:nvCxnSpPr>
         <p:spPr bwMode="auto">
           <a:xfrm flipV="1">
-            <a:off x="7219974" y="3829009"/>
+            <a:off x="5855805" y="3793982"/>
             <a:ext cx="337608" cy="276040"/>
           </a:xfrm>
           <a:prstGeom prst="straightConnector1">
@@ -13528,7 +13525,7 @@
         </p:blipFill>
         <p:spPr>
           <a:xfrm>
-            <a:off x="7687785" y="4106916"/>
+            <a:off x="6323616" y="4071889"/>
             <a:ext cx="126309" cy="215996"/>
           </a:xfrm>
           <a:prstGeom prst="rect">
@@ -13558,7 +13555,7 @@
         </p:blipFill>
         <p:spPr>
           <a:xfrm>
-            <a:off x="8248184" y="3669870"/>
+            <a:off x="6884015" y="3634843"/>
             <a:ext cx="126309" cy="215996"/>
           </a:xfrm>
           <a:prstGeom prst="rect">
@@ -13588,7 +13585,7 @@
         </p:blipFill>
         <p:spPr>
           <a:xfrm>
-            <a:off x="8613567" y="3424552"/>
+            <a:off x="7249398" y="3389525"/>
             <a:ext cx="126309" cy="215996"/>
           </a:xfrm>
           <a:prstGeom prst="rect">
@@ -13607,7 +13604,7 @@
         </p:nvCxnSpPr>
         <p:spPr bwMode="auto">
           <a:xfrm flipH="1" flipV="1">
-            <a:off x="7219974" y="4105049"/>
+            <a:off x="5855805" y="4070022"/>
             <a:ext cx="467811" cy="109865"/>
           </a:xfrm>
           <a:prstGeom prst="straightConnector1">
@@ -13644,7 +13641,7 @@
         </p:nvCxnSpPr>
         <p:spPr bwMode="auto">
           <a:xfrm flipH="1" flipV="1">
-            <a:off x="8185030" y="3303562"/>
+            <a:off x="6820861" y="3268535"/>
             <a:ext cx="126309" cy="366308"/>
           </a:xfrm>
           <a:prstGeom prst="straightConnector1">
@@ -13681,7 +13678,7 @@
         </p:nvCxnSpPr>
         <p:spPr bwMode="auto">
           <a:xfrm flipH="1">
-            <a:off x="7814094" y="3777868"/>
+            <a:off x="6449925" y="3742841"/>
             <a:ext cx="434090" cy="437046"/>
           </a:xfrm>
           <a:prstGeom prst="straightConnector1">
@@ -13718,7 +13715,7 @@
         </p:nvCxnSpPr>
         <p:spPr bwMode="auto">
           <a:xfrm flipH="1">
-            <a:off x="8374493" y="3532550"/>
+            <a:off x="7010324" y="3497523"/>
             <a:ext cx="239074" cy="245318"/>
           </a:xfrm>
           <a:prstGeom prst="straightConnector1">
@@ -13755,7 +13752,7 @@
         </p:nvCxnSpPr>
         <p:spPr bwMode="auto">
           <a:xfrm flipH="1" flipV="1">
-            <a:off x="8248184" y="3195564"/>
+            <a:off x="6884015" y="3160537"/>
             <a:ext cx="428538" cy="228988"/>
           </a:xfrm>
           <a:prstGeom prst="straightConnector1">
@@ -13797,7 +13794,7 @@
         </p:blipFill>
         <p:spPr>
           <a:xfrm>
-            <a:off x="2352440" y="4000587"/>
+            <a:off x="1575791" y="3965560"/>
             <a:ext cx="227331" cy="240020"/>
           </a:xfrm>
           <a:prstGeom prst="rect">
@@ -13821,7 +13818,7 @@
         </p:blipFill>
         <p:spPr>
           <a:xfrm>
-            <a:off x="4785760" y="2381011"/>
+            <a:off x="4009111" y="2345984"/>
             <a:ext cx="227331" cy="240020"/>
           </a:xfrm>
           <a:prstGeom prst="rect">
@@ -13845,7 +13842,7 @@
         </p:blipFill>
         <p:spPr>
           <a:xfrm>
-            <a:off x="3898772" y="3266624"/>
+            <a:off x="3122123" y="3231597"/>
             <a:ext cx="227331" cy="240020"/>
           </a:xfrm>
           <a:prstGeom prst="rect">
@@ -13869,7 +13866,7 @@
         </p:blipFill>
         <p:spPr>
           <a:xfrm>
-            <a:off x="4350682" y="4155553"/>
+            <a:off x="3574033" y="4120526"/>
             <a:ext cx="227331" cy="240020"/>
           </a:xfrm>
           <a:prstGeom prst="rect">
@@ -13893,7 +13890,7 @@
         </p:blipFill>
         <p:spPr>
           <a:xfrm>
-            <a:off x="5922388" y="3252248"/>
+            <a:off x="4558219" y="3217221"/>
             <a:ext cx="97202" cy="102628"/>
           </a:xfrm>
           <a:prstGeom prst="rect">
@@ -13917,7 +13914,7 @@
         </p:blipFill>
         <p:spPr>
           <a:xfrm>
-            <a:off x="6064368" y="3847796"/>
+            <a:off x="4700199" y="3812769"/>
             <a:ext cx="97202" cy="102628"/>
           </a:xfrm>
           <a:prstGeom prst="rect">
@@ -13941,7 +13938,7 @@
         </p:blipFill>
         <p:spPr>
           <a:xfrm>
-            <a:off x="6465583" y="2317252"/>
+            <a:off x="5101414" y="2282225"/>
             <a:ext cx="97202" cy="102628"/>
           </a:xfrm>
           <a:prstGeom prst="rect">
@@ -13965,7 +13962,7 @@
         </p:blipFill>
         <p:spPr>
           <a:xfrm>
-            <a:off x="6992767" y="4110419"/>
+            <a:off x="5628598" y="4075392"/>
             <a:ext cx="97202" cy="102628"/>
           </a:xfrm>
           <a:prstGeom prst="rect">
@@ -13989,7 +13986,7 @@
         </p:blipFill>
         <p:spPr>
           <a:xfrm>
-            <a:off x="7270207" y="2572280"/>
+            <a:off x="5906038" y="2537253"/>
             <a:ext cx="97202" cy="102628"/>
           </a:xfrm>
           <a:prstGeom prst="rect">
@@ -14013,7 +14010,7 @@
         </p:blipFill>
         <p:spPr>
           <a:xfrm>
-            <a:off x="7920839" y="2374776"/>
+            <a:off x="6556670" y="2339749"/>
             <a:ext cx="97202" cy="102628"/>
           </a:xfrm>
           <a:prstGeom prst="rect">
@@ -14037,7 +14034,7 @@
         </p:blipFill>
         <p:spPr>
           <a:xfrm>
-            <a:off x="7222180" y="3222744"/>
+            <a:off x="5858011" y="3187717"/>
             <a:ext cx="97202" cy="102628"/>
           </a:xfrm>
           <a:prstGeom prst="rect">
@@ -14061,7 +14058,7 @@
         </p:blipFill>
         <p:spPr>
           <a:xfrm>
-            <a:off x="6920555" y="3618556"/>
+            <a:off x="5556386" y="3583529"/>
             <a:ext cx="97202" cy="102628"/>
           </a:xfrm>
           <a:prstGeom prst="rect">
@@ -14085,7 +14082,7 @@
         </p:blipFill>
         <p:spPr>
           <a:xfrm>
-            <a:off x="7541411" y="2939482"/>
+            <a:off x="6177242" y="2904455"/>
             <a:ext cx="97202" cy="102628"/>
           </a:xfrm>
           <a:prstGeom prst="rect">
@@ -14109,7 +14106,7 @@
         </p:blipFill>
         <p:spPr>
           <a:xfrm>
-            <a:off x="7397225" y="3726381"/>
+            <a:off x="6033056" y="3691354"/>
             <a:ext cx="97202" cy="102628"/>
           </a:xfrm>
           <a:prstGeom prst="rect">
@@ -14133,7 +14130,7 @@
         </p:blipFill>
         <p:spPr>
           <a:xfrm>
-            <a:off x="8021216" y="3087566"/>
+            <a:off x="6657047" y="3052539"/>
             <a:ext cx="97202" cy="102628"/>
           </a:xfrm>
           <a:prstGeom prst="rect">
@@ -14157,7 +14154,7 @@
         </p:blipFill>
         <p:spPr>
           <a:xfrm>
-            <a:off x="7586883" y="4220284"/>
+            <a:off x="6222714" y="4185257"/>
             <a:ext cx="97202" cy="102628"/>
           </a:xfrm>
           <a:prstGeom prst="rect">
@@ -14181,7 +14178,7 @@
         </p:blipFill>
         <p:spPr>
           <a:xfrm>
-            <a:off x="8148681" y="3669870"/>
+            <a:off x="6784512" y="3634843"/>
             <a:ext cx="97202" cy="102628"/>
           </a:xfrm>
           <a:prstGeom prst="rect">
@@ -14205,7 +14202,7 @@
         </p:blipFill>
         <p:spPr>
           <a:xfrm>
-            <a:off x="8739876" y="3537920"/>
+            <a:off x="7375707" y="3502893"/>
             <a:ext cx="97202" cy="102628"/>
           </a:xfrm>
           <a:prstGeom prst="rect">
@@ -14258,8 +14255,8 @@
         </p:nvSpPr>
         <p:spPr>
           <a:xfrm>
-            <a:off x="4862876" y="954425"/>
-            <a:ext cx="3065003" cy="3315565"/>
+            <a:off x="4975197" y="1170431"/>
+            <a:ext cx="2951997" cy="2951989"/>
           </a:xfrm>
           <a:prstGeom prst="roundRect">
             <a:avLst/>
@@ -14295,18 +14292,7 @@
                   <a:schemeClr val="accent1"/>
                 </a:solidFill>
               </a:rPr>
-              <a:t>Groupes d’applications = </a:t>
-            </a:r>
-          </a:p>
-          <a:p>
-            <a:pPr algn="ctr"/>
-            <a:r>
-              <a:rPr lang="fr-FR" sz="1400" b="1" dirty="0" smtClean="0">
-                <a:solidFill>
-                  <a:schemeClr val="accent1"/>
-                </a:solidFill>
-              </a:rPr>
-              <a:t>Couplage plus faible</a:t>
+              <a:t>Groupes d’applications</a:t>
             </a:r>
             <a:endParaRPr lang="fr-FR" sz="1400" b="1" dirty="0">
               <a:solidFill>
@@ -15361,8 +15347,8 @@
         </p:nvSpPr>
         <p:spPr>
           <a:xfrm>
-            <a:off x="1651702" y="954425"/>
-            <a:ext cx="3097330" cy="3315566"/>
+            <a:off x="1867704" y="1170431"/>
+            <a:ext cx="2951997" cy="2951989"/>
           </a:xfrm>
           <a:prstGeom prst="roundRect">
             <a:avLst/>
@@ -15398,18 +15384,7 @@
                   <a:schemeClr val="accent1"/>
                 </a:solidFill>
               </a:rPr>
-              <a:t>Pur point à point = </a:t>
-            </a:r>
-          </a:p>
-          <a:p>
-            <a:pPr algn="ctr"/>
-            <a:r>
-              <a:rPr lang="fr-FR" sz="1400" b="1" dirty="0" smtClean="0">
-                <a:solidFill>
-                  <a:schemeClr val="accent1"/>
-                </a:solidFill>
-              </a:rPr>
-              <a:t>couplage fort</a:t>
+              <a:t>Pur point à point</a:t>
             </a:r>
             <a:endParaRPr lang="fr-FR" sz="1400" b="1" dirty="0">
               <a:solidFill>
@@ -15441,7 +15416,7 @@
         </p:blipFill>
         <p:spPr>
           <a:xfrm>
-            <a:off x="2652536" y="1779778"/>
+            <a:off x="2764856" y="1779778"/>
             <a:ext cx="147361" cy="251996"/>
           </a:xfrm>
           <a:prstGeom prst="rect">
@@ -15471,7 +15446,7 @@
         </p:blipFill>
         <p:spPr>
           <a:xfrm>
-            <a:off x="3076026" y="2148149"/>
+            <a:off x="3188346" y="2148149"/>
             <a:ext cx="147361" cy="251996"/>
           </a:xfrm>
           <a:prstGeom prst="rect">
@@ -15501,7 +15476,7 @@
         </p:blipFill>
         <p:spPr>
           <a:xfrm>
-            <a:off x="2431236" y="2070938"/>
+            <a:off x="2543556" y="2070938"/>
             <a:ext cx="147361" cy="251996"/>
           </a:xfrm>
           <a:prstGeom prst="rect">
@@ -15531,7 +15506,7 @@
         </p:blipFill>
         <p:spPr>
           <a:xfrm>
-            <a:off x="3584178" y="3246764"/>
+            <a:off x="3696498" y="3246764"/>
             <a:ext cx="147361" cy="251996"/>
           </a:xfrm>
           <a:prstGeom prst="rect">
@@ -15561,7 +15536,7 @@
         </p:blipFill>
         <p:spPr>
           <a:xfrm>
-            <a:off x="3436818" y="1762588"/>
+            <a:off x="3549138" y="1762588"/>
             <a:ext cx="147361" cy="251996"/>
           </a:xfrm>
           <a:prstGeom prst="rect">
@@ -15580,7 +15555,7 @@
         </p:nvCxnSpPr>
         <p:spPr bwMode="auto">
           <a:xfrm flipH="1" flipV="1">
-            <a:off x="2726217" y="2031774"/>
+            <a:off x="2838537" y="2031774"/>
             <a:ext cx="349809" cy="242373"/>
           </a:xfrm>
           <a:prstGeom prst="straightConnector1">
@@ -15617,7 +15592,7 @@
         </p:nvCxnSpPr>
         <p:spPr bwMode="auto">
           <a:xfrm flipH="1" flipV="1">
-            <a:off x="2578597" y="2196936"/>
+            <a:off x="2690917" y="2196936"/>
             <a:ext cx="571110" cy="203209"/>
           </a:xfrm>
           <a:prstGeom prst="straightConnector1">
@@ -15654,7 +15629,7 @@
         </p:nvCxnSpPr>
         <p:spPr bwMode="auto">
           <a:xfrm flipH="1">
-            <a:off x="2799897" y="1888586"/>
+            <a:off x="2912217" y="1888586"/>
             <a:ext cx="636921" cy="17190"/>
           </a:xfrm>
           <a:prstGeom prst="straightConnector1">
@@ -15691,7 +15666,7 @@
         </p:nvCxnSpPr>
         <p:spPr bwMode="auto">
           <a:xfrm flipV="1">
-            <a:off x="2504917" y="1905776"/>
+            <a:off x="2617237" y="1905776"/>
             <a:ext cx="147619" cy="165162"/>
           </a:xfrm>
           <a:prstGeom prst="straightConnector1">
@@ -15728,7 +15703,7 @@
         </p:nvCxnSpPr>
         <p:spPr bwMode="auto">
           <a:xfrm flipH="1" flipV="1">
-            <a:off x="3584179" y="3083282"/>
+            <a:off x="3696499" y="3083282"/>
             <a:ext cx="73680" cy="163482"/>
           </a:xfrm>
           <a:prstGeom prst="straightConnector1">
@@ -15765,7 +15740,7 @@
         </p:nvCxnSpPr>
         <p:spPr bwMode="auto">
           <a:xfrm flipV="1">
-            <a:off x="3223387" y="1888586"/>
+            <a:off x="3335707" y="1888586"/>
             <a:ext cx="213431" cy="385561"/>
           </a:xfrm>
           <a:prstGeom prst="straightConnector1">
@@ -15813,7 +15788,7 @@
         </p:blipFill>
         <p:spPr>
           <a:xfrm>
-            <a:off x="2878616" y="3144996"/>
+            <a:off x="2990936" y="3144996"/>
             <a:ext cx="147361" cy="251996"/>
           </a:xfrm>
           <a:prstGeom prst="rect">
@@ -15843,7 +15818,7 @@
         </p:blipFill>
         <p:spPr>
           <a:xfrm>
-            <a:off x="3183416" y="2748447"/>
+            <a:off x="3295736" y="2748447"/>
             <a:ext cx="147361" cy="251996"/>
           </a:xfrm>
           <a:prstGeom prst="rect">
@@ -15873,7 +15848,7 @@
         </p:blipFill>
         <p:spPr>
           <a:xfrm>
-            <a:off x="1933429" y="3372762"/>
+            <a:off x="2045749" y="3372762"/>
             <a:ext cx="147361" cy="251996"/>
           </a:xfrm>
           <a:prstGeom prst="rect">
@@ -15903,7 +15878,7 @@
         </p:blipFill>
         <p:spPr>
           <a:xfrm>
-            <a:off x="3510498" y="2831286"/>
+            <a:off x="3622818" y="2831286"/>
             <a:ext cx="147361" cy="251996"/>
           </a:xfrm>
           <a:prstGeom prst="rect">
@@ -15933,7 +15908,7 @@
         </p:blipFill>
         <p:spPr>
           <a:xfrm>
-            <a:off x="3183416" y="3636859"/>
+            <a:off x="3295736" y="3636859"/>
             <a:ext cx="147361" cy="251996"/>
           </a:xfrm>
           <a:prstGeom prst="rect">
@@ -15963,7 +15938,7 @@
         </p:blipFill>
         <p:spPr>
           <a:xfrm>
-            <a:off x="4464244" y="2579290"/>
+            <a:off x="4576564" y="2579290"/>
             <a:ext cx="147361" cy="251996"/>
           </a:xfrm>
           <a:prstGeom prst="rect">
@@ -15982,7 +15957,7 @@
         </p:nvCxnSpPr>
         <p:spPr bwMode="auto">
           <a:xfrm flipV="1">
-            <a:off x="2007110" y="2322934"/>
+            <a:off x="2119430" y="2322934"/>
             <a:ext cx="497807" cy="1049828"/>
           </a:xfrm>
           <a:prstGeom prst="straightConnector1">
@@ -16019,7 +15994,7 @@
         </p:nvCxnSpPr>
         <p:spPr bwMode="auto">
           <a:xfrm flipH="1">
-            <a:off x="2080790" y="3270994"/>
+            <a:off x="2193110" y="3270994"/>
             <a:ext cx="797826" cy="227766"/>
           </a:xfrm>
           <a:prstGeom prst="straightConnector1">
@@ -16056,7 +16031,7 @@
         </p:nvCxnSpPr>
         <p:spPr bwMode="auto">
           <a:xfrm flipH="1" flipV="1">
-            <a:off x="2952297" y="3396992"/>
+            <a:off x="3064617" y="3396992"/>
             <a:ext cx="304800" cy="239867"/>
           </a:xfrm>
           <a:prstGeom prst="straightConnector1">
@@ -16092,7 +16067,7 @@
         </p:nvCxnSpPr>
         <p:spPr bwMode="auto">
           <a:xfrm flipH="1">
-            <a:off x="2952298" y="2874445"/>
+            <a:off x="3064618" y="2874445"/>
             <a:ext cx="231118" cy="270551"/>
           </a:xfrm>
           <a:prstGeom prst="straightConnector1">
@@ -16129,7 +16104,7 @@
         </p:nvCxnSpPr>
         <p:spPr bwMode="auto">
           <a:xfrm flipV="1">
-            <a:off x="3257097" y="3000443"/>
+            <a:off x="3369417" y="3000443"/>
             <a:ext cx="0" cy="636416"/>
           </a:xfrm>
           <a:prstGeom prst="straightConnector1">
@@ -16166,7 +16141,7 @@
         </p:nvCxnSpPr>
         <p:spPr bwMode="auto">
           <a:xfrm flipH="1" flipV="1">
-            <a:off x="3330777" y="2874445"/>
+            <a:off x="3443097" y="2874445"/>
             <a:ext cx="179721" cy="82839"/>
           </a:xfrm>
           <a:prstGeom prst="straightConnector1">
@@ -16203,7 +16178,7 @@
         </p:nvCxnSpPr>
         <p:spPr bwMode="auto">
           <a:xfrm flipH="1" flipV="1">
-            <a:off x="3510499" y="2014584"/>
+            <a:off x="3622819" y="2014584"/>
             <a:ext cx="73680" cy="816702"/>
           </a:xfrm>
           <a:prstGeom prst="straightConnector1">
@@ -16240,7 +16215,7 @@
         </p:nvCxnSpPr>
         <p:spPr bwMode="auto">
           <a:xfrm flipH="1" flipV="1">
-            <a:off x="3584179" y="1888586"/>
+            <a:off x="3696499" y="1888586"/>
             <a:ext cx="953746" cy="690704"/>
           </a:xfrm>
           <a:prstGeom prst="straightConnector1">
@@ -16277,7 +16252,7 @@
         </p:nvCxnSpPr>
         <p:spPr bwMode="auto">
           <a:xfrm flipV="1">
-            <a:off x="3731539" y="2831286"/>
+            <a:off x="3843859" y="2831286"/>
             <a:ext cx="806386" cy="541476"/>
           </a:xfrm>
           <a:prstGeom prst="straightConnector1">
@@ -16314,7 +16289,7 @@
         </p:nvCxnSpPr>
         <p:spPr bwMode="auto">
           <a:xfrm flipV="1">
-            <a:off x="3330777" y="3498760"/>
+            <a:off x="3443097" y="3498760"/>
             <a:ext cx="327082" cy="264097"/>
           </a:xfrm>
           <a:prstGeom prst="straightConnector1">
@@ -16350,7 +16325,7 @@
         </p:nvCxnSpPr>
         <p:spPr bwMode="auto">
           <a:xfrm flipV="1">
-            <a:off x="3330777" y="3083282"/>
+            <a:off x="3443097" y="3083282"/>
             <a:ext cx="253402" cy="679575"/>
           </a:xfrm>
           <a:prstGeom prst="straightConnector1">
@@ -16386,7 +16361,7 @@
         </p:nvCxnSpPr>
         <p:spPr bwMode="auto">
           <a:xfrm flipH="1" flipV="1">
-            <a:off x="3149707" y="2400145"/>
+            <a:off x="3262027" y="2400145"/>
             <a:ext cx="107390" cy="348302"/>
           </a:xfrm>
           <a:prstGeom prst="straightConnector1">
@@ -16423,7 +16398,7 @@
         </p:nvCxnSpPr>
         <p:spPr bwMode="auto">
           <a:xfrm flipH="1" flipV="1">
-            <a:off x="2504917" y="2322934"/>
+            <a:off x="2617237" y="2322934"/>
             <a:ext cx="447380" cy="822062"/>
           </a:xfrm>
           <a:prstGeom prst="straightConnector1">
@@ -16460,7 +16435,7 @@
         </p:nvCxnSpPr>
         <p:spPr bwMode="auto">
           <a:xfrm flipH="1">
-            <a:off x="3657859" y="2705288"/>
+            <a:off x="3770179" y="2705288"/>
             <a:ext cx="806385" cy="251996"/>
           </a:xfrm>
           <a:prstGeom prst="straightConnector1">
@@ -16497,7 +16472,7 @@
         </p:nvCxnSpPr>
         <p:spPr bwMode="auto">
           <a:xfrm flipH="1" flipV="1">
-            <a:off x="2007110" y="3624758"/>
+            <a:off x="2119430" y="3624758"/>
             <a:ext cx="1176306" cy="138099"/>
           </a:xfrm>
           <a:prstGeom prst="straightConnector1">
@@ -16605,7 +16580,7 @@
                   <a:schemeClr val="accent1"/>
                 </a:solidFill>
               </a:rPr>
-              <a:t>Monolithe en découpage</a:t>
+              <a:t>Monolithe découpé</a:t>
             </a:r>
             <a:endParaRPr lang="fr-FR" sz="1400" b="1" dirty="0">
               <a:solidFill>
@@ -17861,2400 +17836,6 @@
     <p:extLst>
       <p:ext uri="{BB962C8B-B14F-4D97-AF65-F5344CB8AC3E}">
         <p14:creationId xmlns:p14="http://schemas.microsoft.com/office/powerpoint/2010/main" val="1046076631"/>
-      </p:ext>
-    </p:extLst>
-  </p:cSld>
-  <p:clrMapOvr>
-    <a:masterClrMapping/>
-  </p:clrMapOvr>
-  <p:timing>
-    <p:tnLst>
-      <p:par>
-        <p:cTn xmlns:p14="http://schemas.microsoft.com/office/powerpoint/2010/main" id="1" dur="indefinite" restart="never" nodeType="tmRoot"/>
-      </p:par>
-    </p:tnLst>
-  </p:timing>
-</p:sld>
-</file>
-
-<file path=ppt/slides/slide4.xml><?xml version="1.0" encoding="utf-8"?>
-<p:sld xmlns:a="http://schemas.openxmlformats.org/drawingml/2006/main" xmlns:r="http://schemas.openxmlformats.org/officeDocument/2006/relationships" xmlns:p="http://schemas.openxmlformats.org/presentationml/2006/main">
-  <p:cSld>
-    <p:spTree>
-      <p:nvGrpSpPr>
-        <p:cNvPr id="1" name=""/>
-        <p:cNvGrpSpPr/>
-        <p:nvPr/>
-      </p:nvGrpSpPr>
-      <p:grpSpPr>
-        <a:xfrm>
-          <a:off x="0" y="0"/>
-          <a:ext cx="0" cy="0"/>
-          <a:chOff x="0" y="0"/>
-          <a:chExt cx="0" cy="0"/>
-        </a:xfrm>
-      </p:grpSpPr>
-      <p:sp>
-        <p:nvSpPr>
-          <p:cNvPr id="43" name="Rectangle à coins arrondis 42"/>
-          <p:cNvSpPr/>
-          <p:nvPr/>
-        </p:nvSpPr>
-        <p:spPr>
-          <a:xfrm>
-            <a:off x="112873" y="1789840"/>
-            <a:ext cx="3544139" cy="2821032"/>
-          </a:xfrm>
-          <a:prstGeom prst="roundRect">
-            <a:avLst/>
-          </a:prstGeom>
-          <a:ln>
-            <a:solidFill>
-              <a:schemeClr val="accent1"/>
-            </a:solidFill>
-          </a:ln>
-        </p:spPr>
-        <p:style>
-          <a:lnRef idx="2">
-            <a:schemeClr val="accent6"/>
-          </a:lnRef>
-          <a:fillRef idx="1">
-            <a:schemeClr val="lt1"/>
-          </a:fillRef>
-          <a:effectRef idx="0">
-            <a:schemeClr val="accent6"/>
-          </a:effectRef>
-          <a:fontRef idx="minor">
-            <a:schemeClr val="dk1"/>
-          </a:fontRef>
-        </p:style>
-        <p:txBody>
-          <a:bodyPr anchor="t" anchorCtr="0"/>
-          <a:lstStyle/>
-          <a:p>
-            <a:pPr algn="ctr"/>
-            <a:r>
-              <a:rPr lang="fr-FR" sz="1400" b="1" dirty="0" smtClean="0">
-                <a:solidFill>
-                  <a:srgbClr val="00A2D8"/>
-                </a:solidFill>
-              </a:rPr>
-              <a:t>Royaume</a:t>
-            </a:r>
-            <a:endParaRPr lang="fr-FR" sz="1400" b="1" dirty="0">
-              <a:solidFill>
-                <a:srgbClr val="00A2D8"/>
-              </a:solidFill>
-            </a:endParaRPr>
-          </a:p>
-        </p:txBody>
-      </p:sp>
-      <p:sp>
-        <p:nvSpPr>
-          <p:cNvPr id="44" name="Rectangle à coins arrondis 43"/>
-          <p:cNvSpPr/>
-          <p:nvPr/>
-        </p:nvSpPr>
-        <p:spPr>
-          <a:xfrm>
-            <a:off x="5561951" y="1789840"/>
-            <a:ext cx="3548302" cy="2821032"/>
-          </a:xfrm>
-          <a:prstGeom prst="roundRect">
-            <a:avLst/>
-          </a:prstGeom>
-          <a:ln>
-            <a:solidFill>
-              <a:schemeClr val="accent1"/>
-            </a:solidFill>
-          </a:ln>
-        </p:spPr>
-        <p:style>
-          <a:lnRef idx="2">
-            <a:schemeClr val="accent6"/>
-          </a:lnRef>
-          <a:fillRef idx="1">
-            <a:schemeClr val="lt1"/>
-          </a:fillRef>
-          <a:effectRef idx="0">
-            <a:schemeClr val="accent6"/>
-          </a:effectRef>
-          <a:fontRef idx="minor">
-            <a:schemeClr val="dk1"/>
-          </a:fontRef>
-        </p:style>
-        <p:txBody>
-          <a:bodyPr anchor="t" anchorCtr="0"/>
-          <a:lstStyle/>
-          <a:p>
-            <a:pPr algn="ctr"/>
-            <a:r>
-              <a:rPr lang="fr-FR" sz="1400" b="1" dirty="0" smtClean="0">
-                <a:solidFill>
-                  <a:schemeClr val="accent1"/>
-                </a:solidFill>
-              </a:rPr>
-              <a:t>Royaume</a:t>
-            </a:r>
-            <a:endParaRPr lang="fr-FR" sz="1400" b="1" dirty="0">
-              <a:solidFill>
-                <a:schemeClr val="accent1"/>
-              </a:solidFill>
-            </a:endParaRPr>
-          </a:p>
-        </p:txBody>
-      </p:sp>
-      <p:sp>
-        <p:nvSpPr>
-          <p:cNvPr id="45" name="Rectangle à coins arrondis 44"/>
-          <p:cNvSpPr/>
-          <p:nvPr/>
-        </p:nvSpPr>
-        <p:spPr>
-          <a:xfrm>
-            <a:off x="3748199" y="1873819"/>
-            <a:ext cx="1726728" cy="2737053"/>
-          </a:xfrm>
-          <a:prstGeom prst="roundRect">
-            <a:avLst/>
-          </a:prstGeom>
-          <a:ln>
-            <a:solidFill>
-              <a:schemeClr val="tx2"/>
-            </a:solidFill>
-          </a:ln>
-        </p:spPr>
-        <p:style>
-          <a:lnRef idx="2">
-            <a:schemeClr val="accent4"/>
-          </a:lnRef>
-          <a:fillRef idx="1">
-            <a:schemeClr val="lt1"/>
-          </a:fillRef>
-          <a:effectRef idx="0">
-            <a:schemeClr val="accent4"/>
-          </a:effectRef>
-          <a:fontRef idx="minor">
-            <a:schemeClr val="dk1"/>
-          </a:fontRef>
-        </p:style>
-        <p:txBody>
-          <a:bodyPr anchor="t" anchorCtr="0"/>
-          <a:lstStyle/>
-          <a:p>
-            <a:pPr algn="ctr"/>
-            <a:r>
-              <a:rPr lang="fr-FR" sz="1400" b="1" dirty="0" smtClean="0">
-                <a:solidFill>
-                  <a:schemeClr val="tx2"/>
-                </a:solidFill>
-              </a:rPr>
-              <a:t>Emissaire</a:t>
-            </a:r>
-            <a:endParaRPr lang="fr-FR" sz="1400" b="1" dirty="0">
-              <a:solidFill>
-                <a:schemeClr val="tx2"/>
-              </a:solidFill>
-            </a:endParaRPr>
-          </a:p>
-        </p:txBody>
-      </p:sp>
-      <p:pic>
-        <p:nvPicPr>
-          <p:cNvPr id="47" name="Image 46" descr="UC-S2_Pos.png"/>
-          <p:cNvPicPr>
-            <a:picLocks noChangeAspect="1"/>
-          </p:cNvPicPr>
-          <p:nvPr/>
-        </p:nvPicPr>
-        <p:blipFill>
-          <a:blip r:embed="rId2">
-            <a:extLst>
-              <a:ext uri="{28A0092B-C50C-407E-A947-70E740481C1C}">
-                <a14:useLocalDpi xmlns:a14="http://schemas.microsoft.com/office/drawing/2010/main" val="0"/>
-              </a:ext>
-            </a:extLst>
-          </a:blip>
-          <a:stretch>
-            <a:fillRect/>
-          </a:stretch>
-        </p:blipFill>
-        <p:spPr>
-          <a:xfrm>
-            <a:off x="555303" y="2119619"/>
-            <a:ext cx="298419" cy="510315"/>
-          </a:xfrm>
-          <a:prstGeom prst="rect">
-            <a:avLst/>
-          </a:prstGeom>
-        </p:spPr>
-      </p:pic>
-      <p:pic>
-        <p:nvPicPr>
-          <p:cNvPr id="53" name="Image 52" descr="UC-S2_Pos.png"/>
-          <p:cNvPicPr>
-            <a:picLocks noChangeAspect="1"/>
-          </p:cNvPicPr>
-          <p:nvPr/>
-        </p:nvPicPr>
-        <p:blipFill>
-          <a:blip r:embed="rId2">
-            <a:extLst>
-              <a:ext uri="{28A0092B-C50C-407E-A947-70E740481C1C}">
-                <a14:useLocalDpi xmlns:a14="http://schemas.microsoft.com/office/drawing/2010/main" val="0"/>
-              </a:ext>
-            </a:extLst>
-          </a:blip>
-          <a:stretch>
-            <a:fillRect/>
-          </a:stretch>
-        </p:blipFill>
-        <p:spPr>
-          <a:xfrm>
-            <a:off x="1954610" y="3009720"/>
-            <a:ext cx="298419" cy="510315"/>
-          </a:xfrm>
-          <a:prstGeom prst="rect">
-            <a:avLst/>
-          </a:prstGeom>
-        </p:spPr>
-      </p:pic>
-      <p:pic>
-        <p:nvPicPr>
-          <p:cNvPr id="57" name="Image 56" descr="UC-S2_Pos.png"/>
-          <p:cNvPicPr>
-            <a:picLocks noChangeAspect="1"/>
-          </p:cNvPicPr>
-          <p:nvPr/>
-        </p:nvPicPr>
-        <p:blipFill>
-          <a:blip r:embed="rId2">
-            <a:extLst>
-              <a:ext uri="{28A0092B-C50C-407E-A947-70E740481C1C}">
-                <a14:useLocalDpi xmlns:a14="http://schemas.microsoft.com/office/drawing/2010/main" val="0"/>
-              </a:ext>
-            </a:extLst>
-          </a:blip>
-          <a:stretch>
-            <a:fillRect/>
-          </a:stretch>
-        </p:blipFill>
-        <p:spPr>
-          <a:xfrm>
-            <a:off x="931358" y="3738732"/>
-            <a:ext cx="298419" cy="510315"/>
-          </a:xfrm>
-          <a:prstGeom prst="rect">
-            <a:avLst/>
-          </a:prstGeom>
-        </p:spPr>
-      </p:pic>
-      <p:pic>
-        <p:nvPicPr>
-          <p:cNvPr id="58" name="Image 57" descr="UC-S2_Pos.png"/>
-          <p:cNvPicPr>
-            <a:picLocks noChangeAspect="1"/>
-          </p:cNvPicPr>
-          <p:nvPr/>
-        </p:nvPicPr>
-        <p:blipFill>
-          <a:blip r:embed="rId2">
-            <a:extLst>
-              <a:ext uri="{28A0092B-C50C-407E-A947-70E740481C1C}">
-                <a14:useLocalDpi xmlns:a14="http://schemas.microsoft.com/office/drawing/2010/main" val="0"/>
-              </a:ext>
-            </a:extLst>
-          </a:blip>
-          <a:stretch>
-            <a:fillRect/>
-          </a:stretch>
-        </p:blipFill>
-        <p:spPr>
-          <a:xfrm>
-            <a:off x="2401448" y="3895113"/>
-            <a:ext cx="298419" cy="510315"/>
-          </a:xfrm>
-          <a:prstGeom prst="rect">
-            <a:avLst/>
-          </a:prstGeom>
-        </p:spPr>
-      </p:pic>
-      <p:pic>
-        <p:nvPicPr>
-          <p:cNvPr id="59" name="Image 58" descr="UC-S2_Pos.png"/>
-          <p:cNvPicPr>
-            <a:picLocks noChangeAspect="1"/>
-          </p:cNvPicPr>
-          <p:nvPr/>
-        </p:nvPicPr>
-        <p:blipFill>
-          <a:blip r:embed="rId2">
-            <a:extLst>
-              <a:ext uri="{28A0092B-C50C-407E-A947-70E740481C1C}">
-                <a14:useLocalDpi xmlns:a14="http://schemas.microsoft.com/office/drawing/2010/main" val="0"/>
-              </a:ext>
-            </a:extLst>
-          </a:blip>
-          <a:stretch>
-            <a:fillRect/>
-          </a:stretch>
-        </p:blipFill>
-        <p:spPr>
-          <a:xfrm>
-            <a:off x="2836526" y="2119618"/>
-            <a:ext cx="298419" cy="510315"/>
-          </a:xfrm>
-          <a:prstGeom prst="rect">
-            <a:avLst/>
-          </a:prstGeom>
-        </p:spPr>
-      </p:pic>
-      <p:pic>
-        <p:nvPicPr>
-          <p:cNvPr id="2" name="Image 1"/>
-          <p:cNvPicPr>
-            <a:picLocks noChangeAspect="1"/>
-          </p:cNvPicPr>
-          <p:nvPr/>
-        </p:nvPicPr>
-        <p:blipFill>
-          <a:blip r:embed="rId3"/>
-          <a:stretch>
-            <a:fillRect/>
-          </a:stretch>
-        </p:blipFill>
-        <p:spPr>
-          <a:xfrm>
-            <a:off x="4310183" y="3802616"/>
-            <a:ext cx="523634" cy="719999"/>
-          </a:xfrm>
-          <a:prstGeom prst="rect">
-            <a:avLst/>
-          </a:prstGeom>
-        </p:spPr>
-      </p:pic>
-      <p:cxnSp>
-        <p:nvCxnSpPr>
-          <p:cNvPr id="9" name="Connecteur droit avec flèche 8"/>
-          <p:cNvCxnSpPr>
-            <a:stCxn id="53" idx="1"/>
-            <a:endCxn id="47" idx="2"/>
-          </p:cNvCxnSpPr>
-          <p:nvPr/>
-        </p:nvCxnSpPr>
-        <p:spPr bwMode="auto">
-          <a:xfrm flipH="1" flipV="1">
-            <a:off x="704513" y="2629934"/>
-            <a:ext cx="1250097" cy="634944"/>
-          </a:xfrm>
-          <a:prstGeom prst="straightConnector1">
-            <a:avLst/>
-          </a:prstGeom>
-          <a:ln w="28575" cmpd="sng">
-            <a:headEnd type="none" w="med" len="med"/>
-            <a:tailEnd type="arrow"/>
-          </a:ln>
-        </p:spPr>
-        <p:style>
-          <a:lnRef idx="1">
-            <a:schemeClr val="accent1"/>
-          </a:lnRef>
-          <a:fillRef idx="0">
-            <a:schemeClr val="accent1"/>
-          </a:fillRef>
-          <a:effectRef idx="0">
-            <a:schemeClr val="accent1"/>
-          </a:effectRef>
-          <a:fontRef idx="minor">
-            <a:schemeClr val="tx1"/>
-          </a:fontRef>
-        </p:style>
-      </p:cxnSp>
-      <p:cxnSp>
-        <p:nvCxnSpPr>
-          <p:cNvPr id="63" name="Connecteur droit avec flèche 62"/>
-          <p:cNvCxnSpPr>
-            <a:stCxn id="53" idx="2"/>
-            <a:endCxn id="57" idx="3"/>
-          </p:cNvCxnSpPr>
-          <p:nvPr/>
-        </p:nvCxnSpPr>
-        <p:spPr bwMode="auto">
-          <a:xfrm flipH="1">
-            <a:off x="1229777" y="3520035"/>
-            <a:ext cx="874043" cy="473855"/>
-          </a:xfrm>
-          <a:prstGeom prst="straightConnector1">
-            <a:avLst/>
-          </a:prstGeom>
-          <a:ln w="28575" cmpd="sng">
-            <a:headEnd type="none" w="med" len="med"/>
-            <a:tailEnd type="arrow"/>
-          </a:ln>
-        </p:spPr>
-        <p:style>
-          <a:lnRef idx="1">
-            <a:schemeClr val="accent1"/>
-          </a:lnRef>
-          <a:fillRef idx="0">
-            <a:schemeClr val="accent1"/>
-          </a:fillRef>
-          <a:effectRef idx="0">
-            <a:schemeClr val="accent1"/>
-          </a:effectRef>
-          <a:fontRef idx="minor">
-            <a:schemeClr val="tx1"/>
-          </a:fontRef>
-        </p:style>
-      </p:cxnSp>
-      <p:cxnSp>
-        <p:nvCxnSpPr>
-          <p:cNvPr id="66" name="Connecteur droit avec flèche 65"/>
-          <p:cNvCxnSpPr>
-            <a:stCxn id="59" idx="1"/>
-            <a:endCxn id="47" idx="3"/>
-          </p:cNvCxnSpPr>
-          <p:nvPr/>
-        </p:nvCxnSpPr>
-        <p:spPr bwMode="auto">
-          <a:xfrm flipH="1">
-            <a:off x="853722" y="2374776"/>
-            <a:ext cx="1982804" cy="1"/>
-          </a:xfrm>
-          <a:prstGeom prst="straightConnector1">
-            <a:avLst/>
-          </a:prstGeom>
-          <a:ln w="28575" cmpd="sng">
-            <a:headEnd type="none" w="med" len="med"/>
-            <a:tailEnd type="arrow"/>
-          </a:ln>
-        </p:spPr>
-        <p:style>
-          <a:lnRef idx="1">
-            <a:schemeClr val="accent1"/>
-          </a:lnRef>
-          <a:fillRef idx="0">
-            <a:schemeClr val="accent1"/>
-          </a:fillRef>
-          <a:effectRef idx="0">
-            <a:schemeClr val="accent1"/>
-          </a:effectRef>
-          <a:fontRef idx="minor">
-            <a:schemeClr val="tx1"/>
-          </a:fontRef>
-        </p:style>
-      </p:cxnSp>
-      <p:cxnSp>
-        <p:nvCxnSpPr>
-          <p:cNvPr id="67" name="Connecteur droit avec flèche 66"/>
-          <p:cNvCxnSpPr>
-            <a:stCxn id="57" idx="0"/>
-            <a:endCxn id="47" idx="2"/>
-          </p:cNvCxnSpPr>
-          <p:nvPr/>
-        </p:nvCxnSpPr>
-        <p:spPr bwMode="auto">
-          <a:xfrm flipH="1" flipV="1">
-            <a:off x="704513" y="2629934"/>
-            <a:ext cx="376055" cy="1108798"/>
-          </a:xfrm>
-          <a:prstGeom prst="straightConnector1">
-            <a:avLst/>
-          </a:prstGeom>
-          <a:ln w="28575" cmpd="sng">
-            <a:headEnd type="none" w="med" len="med"/>
-            <a:tailEnd type="arrow"/>
-          </a:ln>
-        </p:spPr>
-        <p:style>
-          <a:lnRef idx="1">
-            <a:schemeClr val="accent1"/>
-          </a:lnRef>
-          <a:fillRef idx="0">
-            <a:schemeClr val="accent1"/>
-          </a:fillRef>
-          <a:effectRef idx="0">
-            <a:schemeClr val="accent1"/>
-          </a:effectRef>
-          <a:fontRef idx="minor">
-            <a:schemeClr val="tx1"/>
-          </a:fontRef>
-        </p:style>
-      </p:cxnSp>
-      <p:cxnSp>
-        <p:nvCxnSpPr>
-          <p:cNvPr id="71" name="Connecteur droit avec flèche 70"/>
-          <p:cNvCxnSpPr>
-            <a:stCxn id="58" idx="0"/>
-          </p:cNvCxnSpPr>
-          <p:nvPr/>
-        </p:nvCxnSpPr>
-        <p:spPr bwMode="auto">
-          <a:xfrm flipH="1" flipV="1">
-            <a:off x="2103820" y="3520035"/>
-            <a:ext cx="446838" cy="375078"/>
-          </a:xfrm>
-          <a:prstGeom prst="straightConnector1">
-            <a:avLst/>
-          </a:prstGeom>
-          <a:ln w="28575" cmpd="sng">
-            <a:headEnd type="none" w="med" len="med"/>
-            <a:tailEnd type="arrow"/>
-          </a:ln>
-        </p:spPr>
-        <p:style>
-          <a:lnRef idx="1">
-            <a:schemeClr val="accent1"/>
-          </a:lnRef>
-          <a:fillRef idx="0">
-            <a:schemeClr val="accent1"/>
-          </a:fillRef>
-          <a:effectRef idx="0">
-            <a:schemeClr val="accent1"/>
-          </a:effectRef>
-          <a:fontRef idx="minor">
-            <a:schemeClr val="tx1"/>
-          </a:fontRef>
-        </p:style>
-      </p:cxnSp>
-      <p:cxnSp>
-        <p:nvCxnSpPr>
-          <p:cNvPr id="73" name="Connecteur droit avec flèche 72"/>
-          <p:cNvCxnSpPr/>
-          <p:nvPr/>
-        </p:nvCxnSpPr>
-        <p:spPr bwMode="auto">
-          <a:xfrm flipV="1">
-            <a:off x="2103820" y="2374778"/>
-            <a:ext cx="732706" cy="634942"/>
-          </a:xfrm>
-          <a:prstGeom prst="straightConnector1">
-            <a:avLst/>
-          </a:prstGeom>
-          <a:ln w="28575" cmpd="sng">
-            <a:headEnd type="none" w="med" len="med"/>
-            <a:tailEnd type="arrow"/>
-          </a:ln>
-        </p:spPr>
-        <p:style>
-          <a:lnRef idx="1">
-            <a:schemeClr val="accent1"/>
-          </a:lnRef>
-          <a:fillRef idx="0">
-            <a:schemeClr val="accent1"/>
-          </a:fillRef>
-          <a:effectRef idx="0">
-            <a:schemeClr val="accent1"/>
-          </a:effectRef>
-          <a:fontRef idx="minor">
-            <a:schemeClr val="tx1"/>
-          </a:fontRef>
-        </p:style>
-      </p:cxnSp>
-      <p:pic>
-        <p:nvPicPr>
-          <p:cNvPr id="121" name="Image 120" descr="UC-S2_Pos.png"/>
-          <p:cNvPicPr>
-            <a:picLocks noChangeAspect="1"/>
-          </p:cNvPicPr>
-          <p:nvPr/>
-        </p:nvPicPr>
-        <p:blipFill>
-          <a:blip r:embed="rId2">
-            <a:extLst>
-              <a:ext uri="{28A0092B-C50C-407E-A947-70E740481C1C}">
-                <a14:useLocalDpi xmlns:a14="http://schemas.microsoft.com/office/drawing/2010/main" val="0"/>
-              </a:ext>
-            </a:extLst>
-          </a:blip>
-          <a:stretch>
-            <a:fillRect/>
-          </a:stretch>
-        </p:blipFill>
-        <p:spPr>
-          <a:xfrm>
-            <a:off x="6093270" y="2174038"/>
-            <a:ext cx="298419" cy="510315"/>
-          </a:xfrm>
-          <a:prstGeom prst="rect">
-            <a:avLst/>
-          </a:prstGeom>
-        </p:spPr>
-      </p:pic>
-      <p:pic>
-        <p:nvPicPr>
-          <p:cNvPr id="122" name="Image 121" descr="UC-S2_Pos.png"/>
-          <p:cNvPicPr>
-            <a:picLocks noChangeAspect="1"/>
-          </p:cNvPicPr>
-          <p:nvPr/>
-        </p:nvPicPr>
-        <p:blipFill>
-          <a:blip r:embed="rId2">
-            <a:extLst>
-              <a:ext uri="{28A0092B-C50C-407E-A947-70E740481C1C}">
-                <a14:useLocalDpi xmlns:a14="http://schemas.microsoft.com/office/drawing/2010/main" val="0"/>
-              </a:ext>
-            </a:extLst>
-          </a:blip>
-          <a:stretch>
-            <a:fillRect/>
-          </a:stretch>
-        </p:blipFill>
-        <p:spPr>
-          <a:xfrm>
-            <a:off x="7492577" y="3064139"/>
-            <a:ext cx="298419" cy="510315"/>
-          </a:xfrm>
-          <a:prstGeom prst="rect">
-            <a:avLst/>
-          </a:prstGeom>
-        </p:spPr>
-      </p:pic>
-      <p:pic>
-        <p:nvPicPr>
-          <p:cNvPr id="123" name="Image 122" descr="UC-S2_Pos.png"/>
-          <p:cNvPicPr>
-            <a:picLocks noChangeAspect="1"/>
-          </p:cNvPicPr>
-          <p:nvPr/>
-        </p:nvPicPr>
-        <p:blipFill>
-          <a:blip r:embed="rId2">
-            <a:extLst>
-              <a:ext uri="{28A0092B-C50C-407E-A947-70E740481C1C}">
-                <a14:useLocalDpi xmlns:a14="http://schemas.microsoft.com/office/drawing/2010/main" val="0"/>
-              </a:ext>
-            </a:extLst>
-          </a:blip>
-          <a:stretch>
-            <a:fillRect/>
-          </a:stretch>
-        </p:blipFill>
-        <p:spPr>
-          <a:xfrm>
-            <a:off x="6469325" y="3793151"/>
-            <a:ext cx="298419" cy="510315"/>
-          </a:xfrm>
-          <a:prstGeom prst="rect">
-            <a:avLst/>
-          </a:prstGeom>
-        </p:spPr>
-      </p:pic>
-      <p:pic>
-        <p:nvPicPr>
-          <p:cNvPr id="124" name="Image 123" descr="UC-S2_Pos.png"/>
-          <p:cNvPicPr>
-            <a:picLocks noChangeAspect="1"/>
-          </p:cNvPicPr>
-          <p:nvPr/>
-        </p:nvPicPr>
-        <p:blipFill>
-          <a:blip r:embed="rId2">
-            <a:extLst>
-              <a:ext uri="{28A0092B-C50C-407E-A947-70E740481C1C}">
-                <a14:useLocalDpi xmlns:a14="http://schemas.microsoft.com/office/drawing/2010/main" val="0"/>
-              </a:ext>
-            </a:extLst>
-          </a:blip>
-          <a:stretch>
-            <a:fillRect/>
-          </a:stretch>
-        </p:blipFill>
-        <p:spPr>
-          <a:xfrm>
-            <a:off x="7939415" y="3949532"/>
-            <a:ext cx="298419" cy="510315"/>
-          </a:xfrm>
-          <a:prstGeom prst="rect">
-            <a:avLst/>
-          </a:prstGeom>
-        </p:spPr>
-      </p:pic>
-      <p:pic>
-        <p:nvPicPr>
-          <p:cNvPr id="125" name="Image 124" descr="UC-S2_Pos.png"/>
-          <p:cNvPicPr>
-            <a:picLocks noChangeAspect="1"/>
-          </p:cNvPicPr>
-          <p:nvPr/>
-        </p:nvPicPr>
-        <p:blipFill>
-          <a:blip r:embed="rId2">
-            <a:extLst>
-              <a:ext uri="{28A0092B-C50C-407E-A947-70E740481C1C}">
-                <a14:useLocalDpi xmlns:a14="http://schemas.microsoft.com/office/drawing/2010/main" val="0"/>
-              </a:ext>
-            </a:extLst>
-          </a:blip>
-          <a:stretch>
-            <a:fillRect/>
-          </a:stretch>
-        </p:blipFill>
-        <p:spPr>
-          <a:xfrm>
-            <a:off x="8374493" y="2174037"/>
-            <a:ext cx="298419" cy="510315"/>
-          </a:xfrm>
-          <a:prstGeom prst="rect">
-            <a:avLst/>
-          </a:prstGeom>
-        </p:spPr>
-      </p:pic>
-      <p:cxnSp>
-        <p:nvCxnSpPr>
-          <p:cNvPr id="126" name="Connecteur droit avec flèche 125"/>
-          <p:cNvCxnSpPr>
-            <a:stCxn id="122" idx="1"/>
-            <a:endCxn id="121" idx="2"/>
-          </p:cNvCxnSpPr>
-          <p:nvPr/>
-        </p:nvCxnSpPr>
-        <p:spPr bwMode="auto">
-          <a:xfrm flipH="1" flipV="1">
-            <a:off x="6242480" y="2684353"/>
-            <a:ext cx="1250097" cy="634944"/>
-          </a:xfrm>
-          <a:prstGeom prst="straightConnector1">
-            <a:avLst/>
-          </a:prstGeom>
-          <a:ln w="28575" cmpd="sng">
-            <a:headEnd type="none" w="med" len="med"/>
-            <a:tailEnd type="arrow"/>
-          </a:ln>
-        </p:spPr>
-        <p:style>
-          <a:lnRef idx="1">
-            <a:schemeClr val="accent1"/>
-          </a:lnRef>
-          <a:fillRef idx="0">
-            <a:schemeClr val="accent1"/>
-          </a:fillRef>
-          <a:effectRef idx="0">
-            <a:schemeClr val="accent1"/>
-          </a:effectRef>
-          <a:fontRef idx="minor">
-            <a:schemeClr val="tx1"/>
-          </a:fontRef>
-        </p:style>
-      </p:cxnSp>
-      <p:cxnSp>
-        <p:nvCxnSpPr>
-          <p:cNvPr id="127" name="Connecteur droit avec flèche 126"/>
-          <p:cNvCxnSpPr>
-            <a:stCxn id="122" idx="2"/>
-            <a:endCxn id="123" idx="3"/>
-          </p:cNvCxnSpPr>
-          <p:nvPr/>
-        </p:nvCxnSpPr>
-        <p:spPr bwMode="auto">
-          <a:xfrm flipH="1">
-            <a:off x="6767744" y="3574454"/>
-            <a:ext cx="874043" cy="473855"/>
-          </a:xfrm>
-          <a:prstGeom prst="straightConnector1">
-            <a:avLst/>
-          </a:prstGeom>
-          <a:ln w="28575" cmpd="sng">
-            <a:headEnd type="none" w="med" len="med"/>
-            <a:tailEnd type="arrow"/>
-          </a:ln>
-        </p:spPr>
-        <p:style>
-          <a:lnRef idx="1">
-            <a:schemeClr val="accent1"/>
-          </a:lnRef>
-          <a:fillRef idx="0">
-            <a:schemeClr val="accent1"/>
-          </a:fillRef>
-          <a:effectRef idx="0">
-            <a:schemeClr val="accent1"/>
-          </a:effectRef>
-          <a:fontRef idx="minor">
-            <a:schemeClr val="tx1"/>
-          </a:fontRef>
-        </p:style>
-      </p:cxnSp>
-      <p:cxnSp>
-        <p:nvCxnSpPr>
-          <p:cNvPr id="128" name="Connecteur droit avec flèche 127"/>
-          <p:cNvCxnSpPr>
-            <a:stCxn id="125" idx="1"/>
-            <a:endCxn id="121" idx="3"/>
-          </p:cNvCxnSpPr>
-          <p:nvPr/>
-        </p:nvCxnSpPr>
-        <p:spPr bwMode="auto">
-          <a:xfrm flipH="1">
-            <a:off x="6391689" y="2429195"/>
-            <a:ext cx="1982804" cy="1"/>
-          </a:xfrm>
-          <a:prstGeom prst="straightConnector1">
-            <a:avLst/>
-          </a:prstGeom>
-          <a:ln w="28575" cmpd="sng">
-            <a:headEnd type="none" w="med" len="med"/>
-            <a:tailEnd type="arrow"/>
-          </a:ln>
-        </p:spPr>
-        <p:style>
-          <a:lnRef idx="1">
-            <a:schemeClr val="accent1"/>
-          </a:lnRef>
-          <a:fillRef idx="0">
-            <a:schemeClr val="accent1"/>
-          </a:fillRef>
-          <a:effectRef idx="0">
-            <a:schemeClr val="accent1"/>
-          </a:effectRef>
-          <a:fontRef idx="minor">
-            <a:schemeClr val="tx1"/>
-          </a:fontRef>
-        </p:style>
-      </p:cxnSp>
-      <p:cxnSp>
-        <p:nvCxnSpPr>
-          <p:cNvPr id="129" name="Connecteur droit avec flèche 128"/>
-          <p:cNvCxnSpPr>
-            <a:stCxn id="123" idx="0"/>
-            <a:endCxn id="121" idx="2"/>
-          </p:cNvCxnSpPr>
-          <p:nvPr/>
-        </p:nvCxnSpPr>
-        <p:spPr bwMode="auto">
-          <a:xfrm flipH="1" flipV="1">
-            <a:off x="6242480" y="2684353"/>
-            <a:ext cx="376055" cy="1108798"/>
-          </a:xfrm>
-          <a:prstGeom prst="straightConnector1">
-            <a:avLst/>
-          </a:prstGeom>
-          <a:ln w="28575" cmpd="sng">
-            <a:headEnd type="none" w="med" len="med"/>
-            <a:tailEnd type="arrow"/>
-          </a:ln>
-        </p:spPr>
-        <p:style>
-          <a:lnRef idx="1">
-            <a:schemeClr val="accent1"/>
-          </a:lnRef>
-          <a:fillRef idx="0">
-            <a:schemeClr val="accent1"/>
-          </a:fillRef>
-          <a:effectRef idx="0">
-            <a:schemeClr val="accent1"/>
-          </a:effectRef>
-          <a:fontRef idx="minor">
-            <a:schemeClr val="tx1"/>
-          </a:fontRef>
-        </p:style>
-      </p:cxnSp>
-      <p:cxnSp>
-        <p:nvCxnSpPr>
-          <p:cNvPr id="130" name="Connecteur droit avec flèche 129"/>
-          <p:cNvCxnSpPr>
-            <a:stCxn id="124" idx="0"/>
-          </p:cNvCxnSpPr>
-          <p:nvPr/>
-        </p:nvCxnSpPr>
-        <p:spPr bwMode="auto">
-          <a:xfrm flipH="1" flipV="1">
-            <a:off x="7641787" y="3574454"/>
-            <a:ext cx="446838" cy="375078"/>
-          </a:xfrm>
-          <a:prstGeom prst="straightConnector1">
-            <a:avLst/>
-          </a:prstGeom>
-          <a:ln w="28575" cmpd="sng">
-            <a:headEnd type="none" w="med" len="med"/>
-            <a:tailEnd type="arrow"/>
-          </a:ln>
-        </p:spPr>
-        <p:style>
-          <a:lnRef idx="1">
-            <a:schemeClr val="accent1"/>
-          </a:lnRef>
-          <a:fillRef idx="0">
-            <a:schemeClr val="accent1"/>
-          </a:fillRef>
-          <a:effectRef idx="0">
-            <a:schemeClr val="accent1"/>
-          </a:effectRef>
-          <a:fontRef idx="minor">
-            <a:schemeClr val="tx1"/>
-          </a:fontRef>
-        </p:style>
-      </p:cxnSp>
-      <p:cxnSp>
-        <p:nvCxnSpPr>
-          <p:cNvPr id="131" name="Connecteur droit avec flèche 130"/>
-          <p:cNvCxnSpPr/>
-          <p:nvPr/>
-        </p:nvCxnSpPr>
-        <p:spPr bwMode="auto">
-          <a:xfrm flipV="1">
-            <a:off x="7641787" y="2429197"/>
-            <a:ext cx="732706" cy="634942"/>
-          </a:xfrm>
-          <a:prstGeom prst="straightConnector1">
-            <a:avLst/>
-          </a:prstGeom>
-          <a:ln w="28575" cmpd="sng">
-            <a:headEnd type="none" w="med" len="med"/>
-            <a:tailEnd type="arrow"/>
-          </a:ln>
-        </p:spPr>
-        <p:style>
-          <a:lnRef idx="1">
-            <a:schemeClr val="accent1"/>
-          </a:lnRef>
-          <a:fillRef idx="0">
-            <a:schemeClr val="accent1"/>
-          </a:fillRef>
-          <a:effectRef idx="0">
-            <a:schemeClr val="accent1"/>
-          </a:effectRef>
-          <a:fontRef idx="minor">
-            <a:schemeClr val="tx1"/>
-          </a:fontRef>
-        </p:style>
-      </p:cxnSp>
-      <p:cxnSp>
-        <p:nvCxnSpPr>
-          <p:cNvPr id="132" name="Connecteur droit avec flèche 131"/>
-          <p:cNvCxnSpPr>
-            <a:endCxn id="121" idx="1"/>
-          </p:cNvCxnSpPr>
-          <p:nvPr/>
-        </p:nvCxnSpPr>
-        <p:spPr bwMode="auto">
-          <a:xfrm>
-            <a:off x="3134946" y="2374776"/>
-            <a:ext cx="2958324" cy="54420"/>
-          </a:xfrm>
-          <a:prstGeom prst="straightConnector1">
-            <a:avLst/>
-          </a:prstGeom>
-          <a:ln w="28575" cmpd="sng">
-            <a:solidFill>
-              <a:schemeClr val="accent4"/>
-            </a:solidFill>
-            <a:headEnd type="none" w="med" len="med"/>
-            <a:tailEnd type="arrow"/>
-          </a:ln>
-        </p:spPr>
-        <p:style>
-          <a:lnRef idx="1">
-            <a:schemeClr val="accent1"/>
-          </a:lnRef>
-          <a:fillRef idx="0">
-            <a:schemeClr val="accent1"/>
-          </a:fillRef>
-          <a:effectRef idx="0">
-            <a:schemeClr val="accent1"/>
-          </a:effectRef>
-          <a:fontRef idx="minor">
-            <a:schemeClr val="tx1"/>
-          </a:fontRef>
-        </p:style>
-      </p:cxnSp>
-      <p:cxnSp>
-        <p:nvCxnSpPr>
-          <p:cNvPr id="133" name="Connecteur droit avec flèche 132"/>
-          <p:cNvCxnSpPr>
-            <a:stCxn id="123" idx="1"/>
-            <a:endCxn id="53" idx="3"/>
-          </p:cNvCxnSpPr>
-          <p:nvPr/>
-        </p:nvCxnSpPr>
-        <p:spPr bwMode="auto">
-          <a:xfrm flipH="1" flipV="1">
-            <a:off x="2253029" y="3264878"/>
-            <a:ext cx="4216296" cy="783431"/>
-          </a:xfrm>
-          <a:prstGeom prst="straightConnector1">
-            <a:avLst/>
-          </a:prstGeom>
-          <a:ln w="28575" cmpd="sng">
-            <a:solidFill>
-              <a:schemeClr val="accent4"/>
-            </a:solidFill>
-            <a:headEnd type="none" w="med" len="med"/>
-            <a:tailEnd type="arrow"/>
-          </a:ln>
-        </p:spPr>
-        <p:style>
-          <a:lnRef idx="1">
-            <a:schemeClr val="accent1"/>
-          </a:lnRef>
-          <a:fillRef idx="0">
-            <a:schemeClr val="accent1"/>
-          </a:fillRef>
-          <a:effectRef idx="0">
-            <a:schemeClr val="accent1"/>
-          </a:effectRef>
-          <a:fontRef idx="minor">
-            <a:schemeClr val="tx1"/>
-          </a:fontRef>
-        </p:style>
-      </p:cxnSp>
-    </p:spTree>
-    <p:extLst>
-      <p:ext uri="{BB962C8B-B14F-4D97-AF65-F5344CB8AC3E}">
-        <p14:creationId xmlns:p14="http://schemas.microsoft.com/office/powerpoint/2010/main" val="175507146"/>
-      </p:ext>
-    </p:extLst>
-  </p:cSld>
-  <p:clrMapOvr>
-    <a:masterClrMapping/>
-  </p:clrMapOvr>
-  <p:timing>
-    <p:tnLst>
-      <p:par>
-        <p:cTn xmlns:p14="http://schemas.microsoft.com/office/powerpoint/2010/main" id="1" dur="indefinite" restart="never" nodeType="tmRoot"/>
-      </p:par>
-    </p:tnLst>
-  </p:timing>
-</p:sld>
-</file>
-
-<file path=ppt/slides/slide5.xml><?xml version="1.0" encoding="utf-8"?>
-<p:sld xmlns:a="http://schemas.openxmlformats.org/drawingml/2006/main" xmlns:r="http://schemas.openxmlformats.org/officeDocument/2006/relationships" xmlns:p="http://schemas.openxmlformats.org/presentationml/2006/main">
-  <p:cSld>
-    <p:spTree>
-      <p:nvGrpSpPr>
-        <p:cNvPr id="1" name=""/>
-        <p:cNvGrpSpPr/>
-        <p:nvPr/>
-      </p:nvGrpSpPr>
-      <p:grpSpPr>
-        <a:xfrm>
-          <a:off x="0" y="0"/>
-          <a:ext cx="0" cy="0"/>
-          <a:chOff x="0" y="0"/>
-          <a:chExt cx="0" cy="0"/>
-        </a:xfrm>
-      </p:grpSpPr>
-      <p:sp>
-        <p:nvSpPr>
-          <p:cNvPr id="31" name="Rectangle à coins arrondis 30"/>
-          <p:cNvSpPr/>
-          <p:nvPr/>
-        </p:nvSpPr>
-        <p:spPr>
-          <a:xfrm>
-            <a:off x="2213726" y="1789840"/>
-            <a:ext cx="1440000" cy="2821032"/>
-          </a:xfrm>
-          <a:prstGeom prst="roundRect">
-            <a:avLst/>
-          </a:prstGeom>
-          <a:ln/>
-        </p:spPr>
-        <p:style>
-          <a:lnRef idx="2">
-            <a:schemeClr val="accent6"/>
-          </a:lnRef>
-          <a:fillRef idx="1">
-            <a:schemeClr val="lt1"/>
-          </a:fillRef>
-          <a:effectRef idx="0">
-            <a:schemeClr val="accent6"/>
-          </a:effectRef>
-          <a:fontRef idx="minor">
-            <a:schemeClr val="dk1"/>
-          </a:fontRef>
-        </p:style>
-        <p:txBody>
-          <a:bodyPr anchor="t" anchorCtr="0"/>
-          <a:lstStyle/>
-          <a:p>
-            <a:pPr algn="ctr"/>
-            <a:r>
-              <a:rPr lang="fr-FR" sz="1400" b="1" dirty="0">
-                <a:solidFill>
-                  <a:schemeClr val="accent6"/>
-                </a:solidFill>
-              </a:rPr>
-              <a:t>Application Cœur Métier</a:t>
-            </a:r>
-          </a:p>
-        </p:txBody>
-      </p:sp>
-      <p:sp>
-        <p:nvSpPr>
-          <p:cNvPr id="32" name="Rectangle à coins arrondis 31"/>
-          <p:cNvSpPr/>
-          <p:nvPr/>
-        </p:nvSpPr>
-        <p:spPr>
-          <a:xfrm>
-            <a:off x="3809412" y="1789840"/>
-            <a:ext cx="1440000" cy="2821032"/>
-          </a:xfrm>
-          <a:prstGeom prst="roundRect">
-            <a:avLst/>
-          </a:prstGeom>
-          <a:ln/>
-        </p:spPr>
-        <p:style>
-          <a:lnRef idx="2">
-            <a:schemeClr val="accent6"/>
-          </a:lnRef>
-          <a:fillRef idx="1">
-            <a:schemeClr val="lt1"/>
-          </a:fillRef>
-          <a:effectRef idx="0">
-            <a:schemeClr val="accent6"/>
-          </a:effectRef>
-          <a:fontRef idx="minor">
-            <a:schemeClr val="dk1"/>
-          </a:fontRef>
-        </p:style>
-        <p:txBody>
-          <a:bodyPr anchor="t" anchorCtr="0"/>
-          <a:lstStyle/>
-          <a:p>
-            <a:pPr algn="ctr"/>
-            <a:r>
-              <a:rPr lang="fr-FR" sz="1400" b="1" dirty="0">
-                <a:solidFill>
-                  <a:schemeClr val="accent6"/>
-                </a:solidFill>
-              </a:rPr>
-              <a:t>CRM</a:t>
-            </a:r>
-          </a:p>
-        </p:txBody>
-      </p:sp>
-      <p:sp>
-        <p:nvSpPr>
-          <p:cNvPr id="35" name="Rectangle à coins arrondis 34"/>
-          <p:cNvSpPr/>
-          <p:nvPr/>
-        </p:nvSpPr>
-        <p:spPr>
-          <a:xfrm>
-            <a:off x="2558255" y="2436543"/>
-            <a:ext cx="2415751" cy="720000"/>
-          </a:xfrm>
-          <a:prstGeom prst="roundRect">
-            <a:avLst/>
-          </a:prstGeom>
-          <a:ln>
-            <a:solidFill>
-              <a:schemeClr val="accent5"/>
-            </a:solidFill>
-            <a:prstDash val="dash"/>
-          </a:ln>
-        </p:spPr>
-        <p:style>
-          <a:lnRef idx="2">
-            <a:schemeClr val="accent6"/>
-          </a:lnRef>
-          <a:fillRef idx="1">
-            <a:schemeClr val="lt1"/>
-          </a:fillRef>
-          <a:effectRef idx="0">
-            <a:schemeClr val="accent6"/>
-          </a:effectRef>
-          <a:fontRef idx="minor">
-            <a:schemeClr val="dk1"/>
-          </a:fontRef>
-        </p:style>
-        <p:txBody>
-          <a:bodyPr anchor="ctr" anchorCtr="0"/>
-          <a:lstStyle/>
-          <a:p>
-            <a:pPr algn="ctr"/>
-            <a:r>
-              <a:rPr lang="fr-FR" sz="1400" b="1" dirty="0" smtClean="0">
-                <a:solidFill>
-                  <a:schemeClr val="bg1"/>
-                </a:solidFill>
-              </a:rPr>
-              <a:t>Client</a:t>
-            </a:r>
-            <a:endParaRPr lang="fr-FR" sz="1400" b="1" dirty="0">
-              <a:solidFill>
-                <a:schemeClr val="bg1"/>
-              </a:solidFill>
-            </a:endParaRPr>
-          </a:p>
-        </p:txBody>
-      </p:sp>
-      <p:sp>
-        <p:nvSpPr>
-          <p:cNvPr id="30" name="Rectangle à coins arrondis 29"/>
-          <p:cNvSpPr/>
-          <p:nvPr/>
-        </p:nvSpPr>
-        <p:spPr>
-          <a:xfrm>
-            <a:off x="2393726" y="2436543"/>
-            <a:ext cx="1080000" cy="720000"/>
-          </a:xfrm>
-          <a:prstGeom prst="roundRect">
-            <a:avLst/>
-          </a:prstGeom>
-          <a:ln/>
-        </p:spPr>
-        <p:style>
-          <a:lnRef idx="3">
-            <a:schemeClr val="lt1"/>
-          </a:lnRef>
-          <a:fillRef idx="1">
-            <a:schemeClr val="accent1"/>
-          </a:fillRef>
-          <a:effectRef idx="1">
-            <a:schemeClr val="accent1"/>
-          </a:effectRef>
-          <a:fontRef idx="minor">
-            <a:schemeClr val="lt1"/>
-          </a:fontRef>
-        </p:style>
-        <p:txBody>
-          <a:bodyPr anchor="ctr" anchorCtr="0"/>
-          <a:lstStyle/>
-          <a:p>
-            <a:pPr algn="ctr"/>
-            <a:r>
-              <a:rPr lang="fr-FR" sz="1400" b="1" dirty="0" smtClean="0">
-                <a:solidFill>
-                  <a:schemeClr val="bg1"/>
-                </a:solidFill>
-              </a:rPr>
-              <a:t>Client</a:t>
-            </a:r>
-            <a:endParaRPr lang="fr-FR" sz="1400" b="1" dirty="0">
-              <a:solidFill>
-                <a:schemeClr val="bg1"/>
-              </a:solidFill>
-            </a:endParaRPr>
-          </a:p>
-        </p:txBody>
-      </p:sp>
-      <p:sp>
-        <p:nvSpPr>
-          <p:cNvPr id="34" name="Rectangle à coins arrondis 33"/>
-          <p:cNvSpPr/>
-          <p:nvPr/>
-        </p:nvSpPr>
-        <p:spPr>
-          <a:xfrm>
-            <a:off x="618040" y="1789840"/>
-            <a:ext cx="1440000" cy="2821032"/>
-          </a:xfrm>
-          <a:prstGeom prst="roundRect">
-            <a:avLst/>
-          </a:prstGeom>
-          <a:ln/>
-        </p:spPr>
-        <p:style>
-          <a:lnRef idx="2">
-            <a:schemeClr val="accent6"/>
-          </a:lnRef>
-          <a:fillRef idx="1">
-            <a:schemeClr val="lt1"/>
-          </a:fillRef>
-          <a:effectRef idx="0">
-            <a:schemeClr val="accent6"/>
-          </a:effectRef>
-          <a:fontRef idx="minor">
-            <a:schemeClr val="dk1"/>
-          </a:fontRef>
-        </p:style>
-        <p:txBody>
-          <a:bodyPr anchor="t" anchorCtr="0"/>
-          <a:lstStyle/>
-          <a:p>
-            <a:pPr algn="ctr"/>
-            <a:r>
-              <a:rPr lang="fr-FR" sz="1400" b="1" dirty="0" smtClean="0">
-                <a:solidFill>
-                  <a:schemeClr val="accent6"/>
-                </a:solidFill>
-              </a:rPr>
-              <a:t>BI</a:t>
-            </a:r>
-            <a:endParaRPr lang="fr-FR" sz="1400" b="1" dirty="0">
-              <a:solidFill>
-                <a:schemeClr val="accent6"/>
-              </a:solidFill>
-            </a:endParaRPr>
-          </a:p>
-        </p:txBody>
-      </p:sp>
-      <p:sp>
-        <p:nvSpPr>
-          <p:cNvPr id="36" name="Rectangle à coins arrondis 35"/>
-          <p:cNvSpPr/>
-          <p:nvPr/>
-        </p:nvSpPr>
-        <p:spPr>
-          <a:xfrm>
-            <a:off x="3989412" y="2436543"/>
-            <a:ext cx="1080000" cy="720000"/>
-          </a:xfrm>
-          <a:prstGeom prst="roundRect">
-            <a:avLst/>
-          </a:prstGeom>
-          <a:ln/>
-        </p:spPr>
-        <p:style>
-          <a:lnRef idx="2">
-            <a:schemeClr val="accent1"/>
-          </a:lnRef>
-          <a:fillRef idx="1">
-            <a:schemeClr val="lt1"/>
-          </a:fillRef>
-          <a:effectRef idx="0">
-            <a:schemeClr val="accent1"/>
-          </a:effectRef>
-          <a:fontRef idx="minor">
-            <a:schemeClr val="dk1"/>
-          </a:fontRef>
-        </p:style>
-        <p:txBody>
-          <a:bodyPr anchor="ctr" anchorCtr="0"/>
-          <a:lstStyle/>
-          <a:p>
-            <a:pPr algn="ctr"/>
-            <a:r>
-              <a:rPr lang="fr-FR" sz="1400" b="1" dirty="0" smtClean="0">
-                <a:solidFill>
-                  <a:schemeClr val="accent1"/>
-                </a:solidFill>
-              </a:rPr>
-              <a:t>Client</a:t>
-            </a:r>
-            <a:endParaRPr lang="fr-FR" sz="1400" b="1" dirty="0">
-              <a:solidFill>
-                <a:schemeClr val="accent1"/>
-              </a:solidFill>
-            </a:endParaRPr>
-          </a:p>
-        </p:txBody>
-      </p:sp>
-      <p:sp>
-        <p:nvSpPr>
-          <p:cNvPr id="39" name="Rectangle à coins arrondis 38"/>
-          <p:cNvSpPr/>
-          <p:nvPr/>
-        </p:nvSpPr>
-        <p:spPr>
-          <a:xfrm>
-            <a:off x="898138" y="3584774"/>
-            <a:ext cx="2415751" cy="720000"/>
-          </a:xfrm>
-          <a:prstGeom prst="roundRect">
-            <a:avLst/>
-          </a:prstGeom>
-          <a:ln>
-            <a:solidFill>
-              <a:schemeClr val="accent1"/>
-            </a:solidFill>
-            <a:prstDash val="dash"/>
-          </a:ln>
-        </p:spPr>
-        <p:style>
-          <a:lnRef idx="2">
-            <a:schemeClr val="accent6"/>
-          </a:lnRef>
-          <a:fillRef idx="1">
-            <a:schemeClr val="lt1"/>
-          </a:fillRef>
-          <a:effectRef idx="0">
-            <a:schemeClr val="accent6"/>
-          </a:effectRef>
-          <a:fontRef idx="minor">
-            <a:schemeClr val="dk1"/>
-          </a:fontRef>
-        </p:style>
-        <p:txBody>
-          <a:bodyPr anchor="ctr" anchorCtr="0"/>
-          <a:lstStyle/>
-          <a:p>
-            <a:pPr algn="ctr"/>
-            <a:r>
-              <a:rPr lang="fr-FR" sz="1400" b="1" dirty="0" smtClean="0">
-                <a:solidFill>
-                  <a:schemeClr val="bg1"/>
-                </a:solidFill>
-              </a:rPr>
-              <a:t>Client</a:t>
-            </a:r>
-            <a:endParaRPr lang="fr-FR" sz="1400" b="1" dirty="0">
-              <a:solidFill>
-                <a:schemeClr val="bg1"/>
-              </a:solidFill>
-            </a:endParaRPr>
-          </a:p>
-        </p:txBody>
-      </p:sp>
-      <p:sp>
-        <p:nvSpPr>
-          <p:cNvPr id="37" name="Rectangle à coins arrondis 36"/>
-          <p:cNvSpPr/>
-          <p:nvPr/>
-        </p:nvSpPr>
-        <p:spPr>
-          <a:xfrm>
-            <a:off x="2393726" y="3588394"/>
-            <a:ext cx="1080000" cy="720000"/>
-          </a:xfrm>
-          <a:prstGeom prst="roundRect">
-            <a:avLst/>
-          </a:prstGeom>
-          <a:ln/>
-        </p:spPr>
-        <p:style>
-          <a:lnRef idx="3">
-            <a:schemeClr val="lt1"/>
-          </a:lnRef>
-          <a:fillRef idx="1">
-            <a:schemeClr val="accent1"/>
-          </a:fillRef>
-          <a:effectRef idx="1">
-            <a:schemeClr val="accent1"/>
-          </a:effectRef>
-          <a:fontRef idx="minor">
-            <a:schemeClr val="lt1"/>
-          </a:fontRef>
-        </p:style>
-        <p:txBody>
-          <a:bodyPr anchor="ctr" anchorCtr="0"/>
-          <a:lstStyle/>
-          <a:p>
-            <a:pPr algn="ctr"/>
-            <a:r>
-              <a:rPr lang="fr-FR" sz="1400" b="1" dirty="0">
-                <a:solidFill>
-                  <a:schemeClr val="bg1"/>
-                </a:solidFill>
-              </a:rPr>
-              <a:t>Produit</a:t>
-            </a:r>
-          </a:p>
-        </p:txBody>
-      </p:sp>
-      <p:sp>
-        <p:nvSpPr>
-          <p:cNvPr id="38" name="Rectangle à coins arrondis 37"/>
-          <p:cNvSpPr/>
-          <p:nvPr/>
-        </p:nvSpPr>
-        <p:spPr>
-          <a:xfrm>
-            <a:off x="802290" y="3588394"/>
-            <a:ext cx="1080000" cy="720000"/>
-          </a:xfrm>
-          <a:prstGeom prst="roundRect">
-            <a:avLst/>
-          </a:prstGeom>
-          <a:ln/>
-        </p:spPr>
-        <p:style>
-          <a:lnRef idx="2">
-            <a:schemeClr val="accent1"/>
-          </a:lnRef>
-          <a:fillRef idx="1">
-            <a:schemeClr val="lt1"/>
-          </a:fillRef>
-          <a:effectRef idx="0">
-            <a:schemeClr val="accent1"/>
-          </a:effectRef>
-          <a:fontRef idx="minor">
-            <a:schemeClr val="dk1"/>
-          </a:fontRef>
-        </p:style>
-        <p:txBody>
-          <a:bodyPr anchor="ctr" anchorCtr="0"/>
-          <a:lstStyle/>
-          <a:p>
-            <a:pPr algn="ctr"/>
-            <a:r>
-              <a:rPr lang="fr-FR" sz="1400" b="1" dirty="0">
-                <a:solidFill>
-                  <a:schemeClr val="accent1"/>
-                </a:solidFill>
-              </a:rPr>
-              <a:t>Produit</a:t>
-            </a:r>
-          </a:p>
-        </p:txBody>
-      </p:sp>
-    </p:spTree>
-    <p:extLst>
-      <p:ext uri="{BB962C8B-B14F-4D97-AF65-F5344CB8AC3E}">
-        <p14:creationId xmlns:p14="http://schemas.microsoft.com/office/powerpoint/2010/main" val="1753583596"/>
-      </p:ext>
-    </p:extLst>
-  </p:cSld>
-  <p:clrMapOvr>
-    <a:masterClrMapping/>
-  </p:clrMapOvr>
-  <p:timing>
-    <p:tnLst>
-      <p:par>
-        <p:cTn xmlns:p14="http://schemas.microsoft.com/office/powerpoint/2010/main" id="1" dur="indefinite" restart="never" nodeType="tmRoot"/>
-      </p:par>
-    </p:tnLst>
-  </p:timing>
-</p:sld>
-</file>
-
-<file path=ppt/slides/slide6.xml><?xml version="1.0" encoding="utf-8"?>
-<p:sld xmlns:a="http://schemas.openxmlformats.org/drawingml/2006/main" xmlns:r="http://schemas.openxmlformats.org/officeDocument/2006/relationships" xmlns:p="http://schemas.openxmlformats.org/presentationml/2006/main">
-  <p:cSld>
-    <p:spTree>
-      <p:nvGrpSpPr>
-        <p:cNvPr id="1" name=""/>
-        <p:cNvGrpSpPr/>
-        <p:nvPr/>
-      </p:nvGrpSpPr>
-      <p:grpSpPr>
-        <a:xfrm>
-          <a:off x="0" y="0"/>
-          <a:ext cx="0" cy="0"/>
-          <a:chOff x="0" y="0"/>
-          <a:chExt cx="0" cy="0"/>
-        </a:xfrm>
-      </p:grpSpPr>
-      <p:sp>
-        <p:nvSpPr>
-          <p:cNvPr id="54" name="Flèche vers la droite 53"/>
-          <p:cNvSpPr/>
-          <p:nvPr/>
-        </p:nvSpPr>
-        <p:spPr>
-          <a:xfrm>
-            <a:off x="2235765" y="2146188"/>
-            <a:ext cx="953349" cy="422909"/>
-          </a:xfrm>
-          <a:prstGeom prst="rightArrow">
-            <a:avLst>
-              <a:gd name="adj1" fmla="val 45381"/>
-              <a:gd name="adj2" fmla="val 67667"/>
-            </a:avLst>
-          </a:prstGeom>
-          <a:ln>
-            <a:solidFill>
-              <a:schemeClr val="accent1"/>
-            </a:solidFill>
-          </a:ln>
-          <a:effectLst/>
-        </p:spPr>
-        <p:style>
-          <a:lnRef idx="3">
-            <a:schemeClr val="lt1"/>
-          </a:lnRef>
-          <a:fillRef idx="1">
-            <a:schemeClr val="accent1"/>
-          </a:fillRef>
-          <a:effectRef idx="1">
-            <a:schemeClr val="accent1"/>
-          </a:effectRef>
-          <a:fontRef idx="minor">
-            <a:schemeClr val="lt1"/>
-          </a:fontRef>
-        </p:style>
-        <p:txBody>
-          <a:bodyPr vert="horz" wrap="square" lIns="91440" tIns="45720" rIns="91440" bIns="45720" numCol="1" rtlCol="0" anchor="ctr" anchorCtr="0" compatLnSpc="1">
-            <a:prstTxWarp prst="textNoShape">
-              <a:avLst/>
-            </a:prstTxWarp>
-          </a:bodyPr>
-          <a:lstStyle/>
-          <a:p>
-            <a:pPr marL="0" marR="0" indent="0" algn="ctr" defTabSz="914400" rtl="0" eaLnBrk="0" fontAlgn="base" latinLnBrk="0" hangingPunct="0">
-              <a:lnSpc>
-                <a:spcPct val="100000"/>
-              </a:lnSpc>
-              <a:spcBef>
-                <a:spcPct val="0"/>
-              </a:spcBef>
-              <a:spcAft>
-                <a:spcPct val="0"/>
-              </a:spcAft>
-              <a:buClrTx/>
-              <a:buSzTx/>
-              <a:buFontTx/>
-              <a:buNone/>
-              <a:tabLst/>
-            </a:pPr>
-            <a:endParaRPr kumimoji="0" lang="fr-FR" sz="1200" b="0" i="0" u="none" strike="noStrike" cap="none" normalizeH="0" baseline="0" dirty="0" smtClean="0">
-              <a:ln>
-                <a:noFill/>
-              </a:ln>
-              <a:solidFill>
-                <a:schemeClr val="bg1"/>
-              </a:solidFill>
-              <a:effectLst/>
-              <a:latin typeface="+mn-lt"/>
-            </a:endParaRPr>
-          </a:p>
-        </p:txBody>
-      </p:sp>
-      <p:sp>
-        <p:nvSpPr>
-          <p:cNvPr id="38" name="Flèche vers la droite 37"/>
-          <p:cNvSpPr/>
-          <p:nvPr/>
-        </p:nvSpPr>
-        <p:spPr>
-          <a:xfrm>
-            <a:off x="5253193" y="2146188"/>
-            <a:ext cx="1390851" cy="422909"/>
-          </a:xfrm>
-          <a:prstGeom prst="rightArrow">
-            <a:avLst>
-              <a:gd name="adj1" fmla="val 45381"/>
-              <a:gd name="adj2" fmla="val 67667"/>
-            </a:avLst>
-          </a:prstGeom>
-          <a:ln>
-            <a:solidFill>
-              <a:schemeClr val="accent1"/>
-            </a:solidFill>
-          </a:ln>
-          <a:effectLst/>
-        </p:spPr>
-        <p:style>
-          <a:lnRef idx="3">
-            <a:schemeClr val="lt1"/>
-          </a:lnRef>
-          <a:fillRef idx="1">
-            <a:schemeClr val="accent1"/>
-          </a:fillRef>
-          <a:effectRef idx="1">
-            <a:schemeClr val="accent1"/>
-          </a:effectRef>
-          <a:fontRef idx="minor">
-            <a:schemeClr val="lt1"/>
-          </a:fontRef>
-        </p:style>
-        <p:txBody>
-          <a:bodyPr vert="horz" wrap="square" lIns="91440" tIns="45720" rIns="91440" bIns="45720" numCol="1" rtlCol="0" anchor="ctr" anchorCtr="0" compatLnSpc="1">
-            <a:prstTxWarp prst="textNoShape">
-              <a:avLst/>
-            </a:prstTxWarp>
-          </a:bodyPr>
-          <a:lstStyle/>
-          <a:p>
-            <a:pPr marL="0" marR="0" indent="0" algn="ctr" defTabSz="914400" rtl="0" eaLnBrk="0" fontAlgn="base" latinLnBrk="0" hangingPunct="0">
-              <a:lnSpc>
-                <a:spcPct val="100000"/>
-              </a:lnSpc>
-              <a:spcBef>
-                <a:spcPct val="0"/>
-              </a:spcBef>
-              <a:spcAft>
-                <a:spcPct val="0"/>
-              </a:spcAft>
-              <a:buClrTx/>
-              <a:buSzTx/>
-              <a:buFontTx/>
-              <a:buNone/>
-              <a:tabLst/>
-            </a:pPr>
-            <a:r>
-              <a:rPr kumimoji="0" lang="fr-FR" sz="1200" b="0" i="0" u="none" strike="noStrike" cap="none" normalizeH="0" baseline="0" dirty="0" smtClean="0">
-                <a:ln>
-                  <a:noFill/>
-                </a:ln>
-                <a:solidFill>
-                  <a:schemeClr val="bg1"/>
-                </a:solidFill>
-                <a:effectLst/>
-                <a:latin typeface="+mn-lt"/>
-              </a:rPr>
-              <a:t>Préférable</a:t>
-            </a:r>
-          </a:p>
-        </p:txBody>
-      </p:sp>
-      <p:grpSp>
-        <p:nvGrpSpPr>
-          <p:cNvPr id="22" name="Grouper 21"/>
-          <p:cNvGrpSpPr/>
-          <p:nvPr/>
-        </p:nvGrpSpPr>
-        <p:grpSpPr>
-          <a:xfrm>
-            <a:off x="178554" y="1524048"/>
-            <a:ext cx="2520000" cy="1667188"/>
-            <a:chOff x="241524" y="2815171"/>
-            <a:chExt cx="2520000" cy="1667188"/>
-          </a:xfrm>
-        </p:grpSpPr>
-        <p:sp>
-          <p:nvSpPr>
-            <p:cNvPr id="13" name="Rectangle à coins arrondis 12"/>
-            <p:cNvSpPr/>
-            <p:nvPr/>
-          </p:nvSpPr>
-          <p:spPr>
-            <a:xfrm>
-              <a:off x="241524" y="2815171"/>
-              <a:ext cx="2520000" cy="1655993"/>
-            </a:xfrm>
-            <a:prstGeom prst="roundRect">
-              <a:avLst/>
-            </a:prstGeom>
-            <a:ln w="12700" cmpd="sng"/>
-          </p:spPr>
-          <p:style>
-            <a:lnRef idx="2">
-              <a:schemeClr val="accent6"/>
-            </a:lnRef>
-            <a:fillRef idx="1">
-              <a:schemeClr val="lt1"/>
-            </a:fillRef>
-            <a:effectRef idx="0">
-              <a:schemeClr val="accent6"/>
-            </a:effectRef>
-            <a:fontRef idx="minor">
-              <a:schemeClr val="dk1"/>
-            </a:fontRef>
-          </p:style>
-          <p:txBody>
-            <a:bodyPr anchor="t" anchorCtr="0"/>
-            <a:lstStyle/>
-            <a:p>
-              <a:pPr algn="ctr"/>
-              <a:r>
-                <a:rPr lang="fr-FR" sz="1400" b="1" dirty="0" smtClean="0">
-                  <a:solidFill>
-                    <a:schemeClr val="accent6"/>
-                  </a:solidFill>
-                </a:rPr>
-                <a:t>Un consommateur demande un nouveau service à une application</a:t>
-              </a:r>
-              <a:endParaRPr lang="fr-FR" sz="1400" b="1" dirty="0">
-                <a:solidFill>
-                  <a:schemeClr val="accent6"/>
-                </a:solidFill>
-              </a:endParaRPr>
-            </a:p>
-          </p:txBody>
-        </p:sp>
-        <p:pic>
-          <p:nvPicPr>
-            <p:cNvPr id="2" name="Image 1"/>
-            <p:cNvPicPr>
-              <a:picLocks noChangeAspect="1"/>
-            </p:cNvPicPr>
-            <p:nvPr/>
-          </p:nvPicPr>
-          <p:blipFill>
-            <a:blip r:embed="rId2"/>
-            <a:stretch>
-              <a:fillRect/>
-            </a:stretch>
-          </p:blipFill>
-          <p:spPr>
-            <a:xfrm>
-              <a:off x="1318850" y="3517682"/>
-              <a:ext cx="1068380" cy="964677"/>
-            </a:xfrm>
-            <a:prstGeom prst="rect">
-              <a:avLst/>
-            </a:prstGeom>
-          </p:spPr>
-        </p:pic>
-        <p:pic>
-          <p:nvPicPr>
-            <p:cNvPr id="3" name="Image 2"/>
-            <p:cNvPicPr>
-              <a:picLocks noChangeAspect="1"/>
-            </p:cNvPicPr>
-            <p:nvPr/>
-          </p:nvPicPr>
-          <p:blipFill>
-            <a:blip r:embed="rId3"/>
-            <a:stretch>
-              <a:fillRect/>
-            </a:stretch>
-          </p:blipFill>
-          <p:spPr>
-            <a:xfrm>
-              <a:off x="768564" y="3656553"/>
-              <a:ext cx="550286" cy="720000"/>
-            </a:xfrm>
-            <a:prstGeom prst="rect">
-              <a:avLst/>
-            </a:prstGeom>
-          </p:spPr>
-        </p:pic>
-      </p:grpSp>
-      <p:sp>
-        <p:nvSpPr>
-          <p:cNvPr id="14" name="Rectangle à coins arrondis 13"/>
-          <p:cNvSpPr/>
-          <p:nvPr/>
-        </p:nvSpPr>
-        <p:spPr>
-          <a:xfrm>
-            <a:off x="3210104" y="922310"/>
-            <a:ext cx="2232000" cy="2870665"/>
-          </a:xfrm>
-          <a:prstGeom prst="roundRect">
-            <a:avLst/>
-          </a:prstGeom>
-          <a:ln w="12700" cmpd="sng"/>
-        </p:spPr>
-        <p:style>
-          <a:lnRef idx="2">
-            <a:schemeClr val="accent6"/>
-          </a:lnRef>
-          <a:fillRef idx="1">
-            <a:schemeClr val="lt1"/>
-          </a:fillRef>
-          <a:effectRef idx="0">
-            <a:schemeClr val="accent6"/>
-          </a:effectRef>
-          <a:fontRef idx="minor">
-            <a:schemeClr val="dk1"/>
-          </a:fontRef>
-        </p:style>
-        <p:txBody>
-          <a:bodyPr anchor="t" anchorCtr="0"/>
-          <a:lstStyle/>
-          <a:p>
-            <a:pPr algn="ctr"/>
-            <a:r>
-              <a:rPr lang="fr-FR" sz="1400" b="1" dirty="0" smtClean="0">
-                <a:solidFill>
-                  <a:schemeClr val="accent6"/>
-                </a:solidFill>
-              </a:rPr>
-              <a:t>Échanges avec la communauté</a:t>
-            </a:r>
-            <a:endParaRPr lang="fr-FR" sz="1400" b="1" dirty="0">
-              <a:solidFill>
-                <a:schemeClr val="accent6"/>
-              </a:solidFill>
-            </a:endParaRPr>
-          </a:p>
-        </p:txBody>
-      </p:sp>
-      <p:grpSp>
-        <p:nvGrpSpPr>
-          <p:cNvPr id="39" name="Grouper 38"/>
-          <p:cNvGrpSpPr/>
-          <p:nvPr/>
-        </p:nvGrpSpPr>
-        <p:grpSpPr>
-          <a:xfrm>
-            <a:off x="3372463" y="1536411"/>
-            <a:ext cx="2201142" cy="1974729"/>
-            <a:chOff x="3190805" y="1536411"/>
-            <a:chExt cx="2201142" cy="1974729"/>
-          </a:xfrm>
-        </p:grpSpPr>
-        <p:sp>
-          <p:nvSpPr>
-            <p:cNvPr id="29" name="Bouée 28"/>
-            <p:cNvSpPr/>
-            <p:nvPr/>
-          </p:nvSpPr>
-          <p:spPr>
-            <a:xfrm>
-              <a:off x="3465948" y="1950367"/>
-              <a:ext cx="1331999" cy="1308161"/>
-            </a:xfrm>
-            <a:prstGeom prst="donut">
-              <a:avLst>
-                <a:gd name="adj" fmla="val 10160"/>
-              </a:avLst>
-            </a:prstGeom>
-            <a:ln>
-              <a:noFill/>
-            </a:ln>
-          </p:spPr>
-          <p:style>
-            <a:lnRef idx="2">
-              <a:schemeClr val="accent1">
-                <a:shade val="50000"/>
-              </a:schemeClr>
-            </a:lnRef>
-            <a:fillRef idx="1">
-              <a:schemeClr val="accent1"/>
-            </a:fillRef>
-            <a:effectRef idx="0">
-              <a:schemeClr val="accent1"/>
-            </a:effectRef>
-            <a:fontRef idx="minor">
-              <a:schemeClr val="lt1"/>
-            </a:fontRef>
-          </p:style>
-          <p:txBody>
-            <a:bodyPr/>
-            <a:lstStyle/>
-            <a:p>
-              <a:endParaRPr lang="fr-FR"/>
-            </a:p>
-          </p:txBody>
-        </p:sp>
-        <p:pic>
-          <p:nvPicPr>
-            <p:cNvPr id="15" name="Image 14"/>
-            <p:cNvPicPr>
-              <a:picLocks noChangeAspect="1"/>
-            </p:cNvPicPr>
-            <p:nvPr/>
-          </p:nvPicPr>
-          <p:blipFill>
-            <a:blip r:embed="rId2"/>
-            <a:stretch>
-              <a:fillRect/>
-            </a:stretch>
-          </p:blipFill>
-          <p:spPr>
-            <a:xfrm>
-              <a:off x="4323567" y="1536411"/>
-              <a:ext cx="1068380" cy="964677"/>
-            </a:xfrm>
-            <a:prstGeom prst="rect">
-              <a:avLst/>
-            </a:prstGeom>
-          </p:spPr>
-        </p:pic>
-        <p:pic>
-          <p:nvPicPr>
-            <p:cNvPr id="16" name="Image 15"/>
-            <p:cNvPicPr>
-              <a:picLocks noChangeAspect="1"/>
-            </p:cNvPicPr>
-            <p:nvPr/>
-          </p:nvPicPr>
-          <p:blipFill>
-            <a:blip r:embed="rId3"/>
-            <a:stretch>
-              <a:fillRect/>
-            </a:stretch>
-          </p:blipFill>
-          <p:spPr>
-            <a:xfrm>
-              <a:off x="3190805" y="2791140"/>
-              <a:ext cx="550286" cy="720000"/>
-            </a:xfrm>
-            <a:prstGeom prst="rect">
-              <a:avLst/>
-            </a:prstGeom>
-          </p:spPr>
-        </p:pic>
-        <p:pic>
-          <p:nvPicPr>
-            <p:cNvPr id="19" name="Image 18"/>
-            <p:cNvPicPr>
-              <a:picLocks noChangeAspect="1"/>
-            </p:cNvPicPr>
-            <p:nvPr/>
-          </p:nvPicPr>
-          <p:blipFill>
-            <a:blip r:embed="rId3"/>
-            <a:stretch>
-              <a:fillRect/>
-            </a:stretch>
-          </p:blipFill>
-          <p:spPr>
-            <a:xfrm>
-              <a:off x="3190805" y="1697755"/>
-              <a:ext cx="550286" cy="720000"/>
-            </a:xfrm>
-            <a:prstGeom prst="rect">
-              <a:avLst/>
-            </a:prstGeom>
-          </p:spPr>
-        </p:pic>
-        <p:pic>
-          <p:nvPicPr>
-            <p:cNvPr id="20" name="Image 19"/>
-            <p:cNvPicPr>
-              <a:picLocks noChangeAspect="1"/>
-            </p:cNvPicPr>
-            <p:nvPr/>
-          </p:nvPicPr>
-          <p:blipFill>
-            <a:blip r:embed="rId3"/>
-            <a:stretch>
-              <a:fillRect/>
-            </a:stretch>
-          </p:blipFill>
-          <p:spPr>
-            <a:xfrm>
-              <a:off x="4562438" y="2791140"/>
-              <a:ext cx="550286" cy="720000"/>
-            </a:xfrm>
-            <a:prstGeom prst="rect">
-              <a:avLst/>
-            </a:prstGeom>
-          </p:spPr>
-        </p:pic>
-      </p:grpSp>
-      <p:sp>
-        <p:nvSpPr>
-          <p:cNvPr id="40" name="Rectangle à coins arrondis 39"/>
-          <p:cNvSpPr/>
-          <p:nvPr/>
-        </p:nvSpPr>
-        <p:spPr>
-          <a:xfrm>
-            <a:off x="6644045" y="3896923"/>
-            <a:ext cx="2232000" cy="1439990"/>
-          </a:xfrm>
-          <a:prstGeom prst="roundRect">
-            <a:avLst/>
-          </a:prstGeom>
-          <a:ln w="12700" cmpd="sng"/>
-        </p:spPr>
-        <p:style>
-          <a:lnRef idx="2">
-            <a:schemeClr val="accent6"/>
-          </a:lnRef>
-          <a:fillRef idx="1">
-            <a:schemeClr val="lt1"/>
-          </a:fillRef>
-          <a:effectRef idx="0">
-            <a:schemeClr val="accent6"/>
-          </a:effectRef>
-          <a:fontRef idx="minor">
-            <a:schemeClr val="dk1"/>
-          </a:fontRef>
-        </p:style>
-        <p:txBody>
-          <a:bodyPr anchor="t" anchorCtr="0"/>
-          <a:lstStyle/>
-          <a:p>
-            <a:pPr algn="ctr"/>
-            <a:r>
-              <a:rPr lang="fr-FR" sz="1400" b="1" dirty="0" smtClean="0">
-                <a:solidFill>
-                  <a:schemeClr val="accent6"/>
-                </a:solidFill>
-              </a:rPr>
-              <a:t>Besoin spécifique =</a:t>
-            </a:r>
-          </a:p>
-          <a:p>
-            <a:pPr algn="ctr"/>
-            <a:r>
-              <a:rPr lang="fr-FR" sz="1400" b="1" dirty="0" smtClean="0">
-                <a:solidFill>
-                  <a:schemeClr val="accent6"/>
-                </a:solidFill>
-              </a:rPr>
-              <a:t>design custom</a:t>
-            </a:r>
-            <a:endParaRPr lang="fr-FR" sz="1400" b="1" dirty="0">
-              <a:solidFill>
-                <a:schemeClr val="accent6"/>
-              </a:solidFill>
-            </a:endParaRPr>
-          </a:p>
-        </p:txBody>
-      </p:sp>
-      <p:grpSp>
-        <p:nvGrpSpPr>
-          <p:cNvPr id="51" name="Grouper 50"/>
-          <p:cNvGrpSpPr/>
-          <p:nvPr/>
-        </p:nvGrpSpPr>
-        <p:grpSpPr>
-          <a:xfrm>
-            <a:off x="7149417" y="4372236"/>
-            <a:ext cx="1618666" cy="964677"/>
-            <a:chOff x="6876547" y="4372236"/>
-            <a:chExt cx="1618666" cy="964677"/>
-          </a:xfrm>
-        </p:grpSpPr>
-        <p:pic>
-          <p:nvPicPr>
-            <p:cNvPr id="41" name="Image 40"/>
-            <p:cNvPicPr>
-              <a:picLocks noChangeAspect="1"/>
-            </p:cNvPicPr>
-            <p:nvPr/>
-          </p:nvPicPr>
-          <p:blipFill>
-            <a:blip r:embed="rId2"/>
-            <a:stretch>
-              <a:fillRect/>
-            </a:stretch>
-          </p:blipFill>
-          <p:spPr>
-            <a:xfrm>
-              <a:off x="7426833" y="4372236"/>
-              <a:ext cx="1068380" cy="964677"/>
-            </a:xfrm>
-            <a:prstGeom prst="rect">
-              <a:avLst/>
-            </a:prstGeom>
-          </p:spPr>
-        </p:pic>
-        <p:pic>
-          <p:nvPicPr>
-            <p:cNvPr id="42" name="Image 41"/>
-            <p:cNvPicPr>
-              <a:picLocks noChangeAspect="1"/>
-            </p:cNvPicPr>
-            <p:nvPr/>
-          </p:nvPicPr>
-          <p:blipFill>
-            <a:blip r:embed="rId3"/>
-            <a:stretch>
-              <a:fillRect/>
-            </a:stretch>
-          </p:blipFill>
-          <p:spPr>
-            <a:xfrm>
-              <a:off x="6876547" y="4511107"/>
-              <a:ext cx="550286" cy="720000"/>
-            </a:xfrm>
-            <a:prstGeom prst="rect">
-              <a:avLst/>
-            </a:prstGeom>
-          </p:spPr>
-        </p:pic>
-      </p:grpSp>
-      <p:cxnSp>
-        <p:nvCxnSpPr>
-          <p:cNvPr id="43" name="Connecteur droit avec flèche 42"/>
-          <p:cNvCxnSpPr>
-            <a:endCxn id="40" idx="1"/>
-          </p:cNvCxnSpPr>
-          <p:nvPr/>
-        </p:nvCxnSpPr>
-        <p:spPr bwMode="auto">
-          <a:xfrm>
-            <a:off x="5442104" y="3180041"/>
-            <a:ext cx="1201941" cy="1436877"/>
-          </a:xfrm>
-          <a:prstGeom prst="straightConnector1">
-            <a:avLst/>
-          </a:prstGeom>
-          <a:solidFill>
-            <a:schemeClr val="accent1"/>
-          </a:solidFill>
-          <a:ln w="38100" cap="flat" cmpd="sng" algn="ctr">
-            <a:solidFill>
-              <a:srgbClr val="00A2D8"/>
-            </a:solidFill>
-            <a:prstDash val="solid"/>
-            <a:round/>
-            <a:headEnd type="none" w="med" len="med"/>
-            <a:tailEnd type="arrow"/>
-          </a:ln>
-          <a:effectLst/>
-        </p:spPr>
-      </p:cxnSp>
-      <p:sp>
-        <p:nvSpPr>
-          <p:cNvPr id="44" name="Rectangle à coins arrondis 43"/>
-          <p:cNvSpPr/>
-          <p:nvPr/>
-        </p:nvSpPr>
-        <p:spPr>
-          <a:xfrm>
-            <a:off x="6644045" y="922310"/>
-            <a:ext cx="2232000" cy="2870665"/>
-          </a:xfrm>
-          <a:prstGeom prst="roundRect">
-            <a:avLst/>
-          </a:prstGeom>
-          <a:ln w="12700" cmpd="sng"/>
-        </p:spPr>
-        <p:style>
-          <a:lnRef idx="2">
-            <a:schemeClr val="accent6"/>
-          </a:lnRef>
-          <a:fillRef idx="1">
-            <a:schemeClr val="lt1"/>
-          </a:fillRef>
-          <a:effectRef idx="0">
-            <a:schemeClr val="accent6"/>
-          </a:effectRef>
-          <a:fontRef idx="minor">
-            <a:schemeClr val="dk1"/>
-          </a:fontRef>
-        </p:style>
-        <p:txBody>
-          <a:bodyPr anchor="t" anchorCtr="0"/>
-          <a:lstStyle/>
-          <a:p>
-            <a:pPr algn="ctr"/>
-            <a:r>
-              <a:rPr lang="fr-FR" sz="1400" b="1" dirty="0">
-                <a:solidFill>
-                  <a:schemeClr val="accent6"/>
-                </a:solidFill>
-              </a:rPr>
-              <a:t>Service réutilisable = design collectif</a:t>
-            </a:r>
-          </a:p>
-        </p:txBody>
-      </p:sp>
-      <p:grpSp>
-        <p:nvGrpSpPr>
-          <p:cNvPr id="45" name="Grouper 44"/>
-          <p:cNvGrpSpPr/>
-          <p:nvPr/>
-        </p:nvGrpSpPr>
-        <p:grpSpPr>
-          <a:xfrm>
-            <a:off x="6806404" y="1530813"/>
-            <a:ext cx="2201142" cy="1974729"/>
-            <a:chOff x="3190805" y="1536411"/>
-            <a:chExt cx="2201142" cy="1974729"/>
-          </a:xfrm>
-        </p:grpSpPr>
-        <p:sp>
-          <p:nvSpPr>
-            <p:cNvPr id="46" name="Bouée 45"/>
-            <p:cNvSpPr/>
-            <p:nvPr/>
-          </p:nvSpPr>
-          <p:spPr>
-            <a:xfrm>
-              <a:off x="3465948" y="1950367"/>
-              <a:ext cx="1331999" cy="1308161"/>
-            </a:xfrm>
-            <a:prstGeom prst="donut">
-              <a:avLst>
-                <a:gd name="adj" fmla="val 10160"/>
-              </a:avLst>
-            </a:prstGeom>
-            <a:ln>
-              <a:noFill/>
-            </a:ln>
-          </p:spPr>
-          <p:style>
-            <a:lnRef idx="2">
-              <a:schemeClr val="accent1">
-                <a:shade val="50000"/>
-              </a:schemeClr>
-            </a:lnRef>
-            <a:fillRef idx="1">
-              <a:schemeClr val="accent1"/>
-            </a:fillRef>
-            <a:effectRef idx="0">
-              <a:schemeClr val="accent1"/>
-            </a:effectRef>
-            <a:fontRef idx="minor">
-              <a:schemeClr val="lt1"/>
-            </a:fontRef>
-          </p:style>
-          <p:txBody>
-            <a:bodyPr/>
-            <a:lstStyle/>
-            <a:p>
-              <a:endParaRPr lang="fr-FR"/>
-            </a:p>
-          </p:txBody>
-        </p:sp>
-        <p:pic>
-          <p:nvPicPr>
-            <p:cNvPr id="47" name="Image 46"/>
-            <p:cNvPicPr>
-              <a:picLocks noChangeAspect="1"/>
-            </p:cNvPicPr>
-            <p:nvPr/>
-          </p:nvPicPr>
-          <p:blipFill>
-            <a:blip r:embed="rId2"/>
-            <a:stretch>
-              <a:fillRect/>
-            </a:stretch>
-          </p:blipFill>
-          <p:spPr>
-            <a:xfrm>
-              <a:off x="4323567" y="1536411"/>
-              <a:ext cx="1068380" cy="964677"/>
-            </a:xfrm>
-            <a:prstGeom prst="rect">
-              <a:avLst/>
-            </a:prstGeom>
-          </p:spPr>
-        </p:pic>
-        <p:pic>
-          <p:nvPicPr>
-            <p:cNvPr id="48" name="Image 47"/>
-            <p:cNvPicPr>
-              <a:picLocks noChangeAspect="1"/>
-            </p:cNvPicPr>
-            <p:nvPr/>
-          </p:nvPicPr>
-          <p:blipFill>
-            <a:blip r:embed="rId3"/>
-            <a:stretch>
-              <a:fillRect/>
-            </a:stretch>
-          </p:blipFill>
-          <p:spPr>
-            <a:xfrm>
-              <a:off x="3190805" y="2791140"/>
-              <a:ext cx="550286" cy="720000"/>
-            </a:xfrm>
-            <a:prstGeom prst="rect">
-              <a:avLst/>
-            </a:prstGeom>
-          </p:spPr>
-        </p:pic>
-        <p:pic>
-          <p:nvPicPr>
-            <p:cNvPr id="49" name="Image 48"/>
-            <p:cNvPicPr>
-              <a:picLocks noChangeAspect="1"/>
-            </p:cNvPicPr>
-            <p:nvPr/>
-          </p:nvPicPr>
-          <p:blipFill>
-            <a:blip r:embed="rId3"/>
-            <a:stretch>
-              <a:fillRect/>
-            </a:stretch>
-          </p:blipFill>
-          <p:spPr>
-            <a:xfrm>
-              <a:off x="3190805" y="1697755"/>
-              <a:ext cx="550286" cy="720000"/>
-            </a:xfrm>
-            <a:prstGeom prst="rect">
-              <a:avLst/>
-            </a:prstGeom>
-          </p:spPr>
-        </p:pic>
-        <p:pic>
-          <p:nvPicPr>
-            <p:cNvPr id="50" name="Image 49"/>
-            <p:cNvPicPr>
-              <a:picLocks noChangeAspect="1"/>
-            </p:cNvPicPr>
-            <p:nvPr/>
-          </p:nvPicPr>
-          <p:blipFill>
-            <a:blip r:embed="rId3"/>
-            <a:stretch>
-              <a:fillRect/>
-            </a:stretch>
-          </p:blipFill>
-          <p:spPr>
-            <a:xfrm>
-              <a:off x="4562438" y="2791140"/>
-              <a:ext cx="550286" cy="720000"/>
-            </a:xfrm>
-            <a:prstGeom prst="rect">
-              <a:avLst/>
-            </a:prstGeom>
-          </p:spPr>
-        </p:pic>
-      </p:grpSp>
-    </p:spTree>
-    <p:extLst>
-      <p:ext uri="{BB962C8B-B14F-4D97-AF65-F5344CB8AC3E}">
-        <p14:creationId xmlns:p14="http://schemas.microsoft.com/office/powerpoint/2010/main" val="4281232050"/>
       </p:ext>
     </p:extLst>
   </p:cSld>

--- a/microservices/illus.pptx
+++ b/microservices/illus.pptx
@@ -12127,30 +12127,6 @@
           </a:p>
         </p:txBody>
       </p:sp>
-      <p:pic>
-        <p:nvPicPr>
-          <p:cNvPr id="110" name="Image 109"/>
-          <p:cNvPicPr>
-            <a:picLocks noChangeAspect="1"/>
-          </p:cNvPicPr>
-          <p:nvPr/>
-        </p:nvPicPr>
-        <p:blipFill>
-          <a:blip r:embed="rId2"/>
-          <a:stretch>
-            <a:fillRect/>
-          </a:stretch>
-        </p:blipFill>
-        <p:spPr>
-          <a:xfrm>
-            <a:off x="1197066" y="2345547"/>
-            <a:ext cx="227331" cy="240020"/>
-          </a:xfrm>
-          <a:prstGeom prst="rect">
-            <a:avLst/>
-          </a:prstGeom>
-        </p:spPr>
-      </p:pic>
       <p:sp>
         <p:nvSpPr>
           <p:cNvPr id="44" name="Rectangle à coins arrondis 43"/>
@@ -12223,7 +12199,7 @@
           <p:nvPr/>
         </p:nvPicPr>
         <p:blipFill>
-          <a:blip r:embed="rId3">
+          <a:blip r:embed="rId2">
             <a:extLst>
               <a:ext uri="{28A0092B-C50C-407E-A947-70E740481C1C}">
                 <a14:useLocalDpi xmlns:a14="http://schemas.microsoft.com/office/drawing/2010/main" val="0"/>
@@ -12236,7 +12212,7 @@
         </p:blipFill>
         <p:spPr>
           <a:xfrm>
-            <a:off x="1429469" y="2075252"/>
+            <a:off x="1524509" y="2075252"/>
             <a:ext cx="298419" cy="510315"/>
           </a:xfrm>
           <a:prstGeom prst="rect">
@@ -12253,7 +12229,7 @@
           <p:nvPr/>
         </p:nvPicPr>
         <p:blipFill>
-          <a:blip r:embed="rId3">
+          <a:blip r:embed="rId2">
             <a:extLst>
               <a:ext uri="{28A0092B-C50C-407E-A947-70E740481C1C}">
                 <a14:useLocalDpi xmlns:a14="http://schemas.microsoft.com/office/drawing/2010/main" val="0"/>
@@ -12283,7 +12259,7 @@
           <p:nvPr/>
         </p:nvPicPr>
         <p:blipFill>
-          <a:blip r:embed="rId3">
+          <a:blip r:embed="rId2">
             <a:extLst>
               <a:ext uri="{28A0092B-C50C-407E-A947-70E740481C1C}">
                 <a14:useLocalDpi xmlns:a14="http://schemas.microsoft.com/office/drawing/2010/main" val="0"/>
@@ -12313,7 +12289,7 @@
           <p:nvPr/>
         </p:nvPicPr>
         <p:blipFill>
-          <a:blip r:embed="rId3">
+          <a:blip r:embed="rId2">
             <a:extLst>
               <a:ext uri="{28A0092B-C50C-407E-A947-70E740481C1C}">
                 <a14:useLocalDpi xmlns:a14="http://schemas.microsoft.com/office/drawing/2010/main" val="0"/>
@@ -12326,7 +12302,7 @@
         </p:blipFill>
         <p:spPr>
           <a:xfrm>
-            <a:off x="3275614" y="3850231"/>
+            <a:off x="3275614" y="3871836"/>
             <a:ext cx="298419" cy="510315"/>
           </a:xfrm>
           <a:prstGeom prst="rect">
@@ -12343,7 +12319,7 @@
           <p:nvPr/>
         </p:nvPicPr>
         <p:blipFill>
-          <a:blip r:embed="rId3">
+          <a:blip r:embed="rId2">
             <a:extLst>
               <a:ext uri="{28A0092B-C50C-407E-A947-70E740481C1C}">
                 <a14:useLocalDpi xmlns:a14="http://schemas.microsoft.com/office/drawing/2010/main" val="0"/>
@@ -12356,7 +12332,7 @@
         </p:blipFill>
         <p:spPr>
           <a:xfrm>
-            <a:off x="3710692" y="2075689"/>
+            <a:off x="3658852" y="2075689"/>
             <a:ext cx="298419" cy="510315"/>
           </a:xfrm>
           <a:prstGeom prst="rect">
@@ -12375,8 +12351,8 @@
         </p:nvCxnSpPr>
         <p:spPr bwMode="auto">
           <a:xfrm flipH="1" flipV="1">
-            <a:off x="1578679" y="2585567"/>
-            <a:ext cx="1250097" cy="630893"/>
+            <a:off x="1673719" y="2585567"/>
+            <a:ext cx="1155057" cy="630893"/>
           </a:xfrm>
           <a:prstGeom prst="straightConnector1">
             <a:avLst/>
@@ -12449,8 +12425,8 @@
         </p:nvCxnSpPr>
         <p:spPr bwMode="auto">
           <a:xfrm flipH="1" flipV="1">
-            <a:off x="1727888" y="2330410"/>
-            <a:ext cx="1982804" cy="437"/>
+            <a:off x="1822928" y="2330410"/>
+            <a:ext cx="1835924" cy="437"/>
           </a:xfrm>
           <a:prstGeom prst="straightConnector1">
             <a:avLst/>
@@ -12486,8 +12462,8 @@
         </p:nvCxnSpPr>
         <p:spPr bwMode="auto">
           <a:xfrm flipH="1" flipV="1">
-            <a:off x="1578679" y="2585567"/>
-            <a:ext cx="376055" cy="1109698"/>
+            <a:off x="1673719" y="2585567"/>
+            <a:ext cx="281015" cy="1109698"/>
           </a:xfrm>
           <a:prstGeom prst="straightConnector1">
             <a:avLst/>
@@ -12523,7 +12499,7 @@
         <p:spPr bwMode="auto">
           <a:xfrm flipH="1" flipV="1">
             <a:off x="2977986" y="3471617"/>
-            <a:ext cx="446838" cy="378614"/>
+            <a:ext cx="446838" cy="400219"/>
           </a:xfrm>
           <a:prstGeom prst="straightConnector1">
             <a:avLst/>
@@ -12551,13 +12527,16 @@
       <p:cxnSp>
         <p:nvCxnSpPr>
           <p:cNvPr id="73" name="Connecteur droit avec flèche 72"/>
-          <p:cNvCxnSpPr/>
+          <p:cNvCxnSpPr>
+            <a:stCxn id="53" idx="0"/>
+            <a:endCxn id="59" idx="1"/>
+          </p:cNvCxnSpPr>
           <p:nvPr/>
         </p:nvCxnSpPr>
         <p:spPr bwMode="auto">
           <a:xfrm flipV="1">
-            <a:off x="2977986" y="2326360"/>
-            <a:ext cx="732706" cy="634942"/>
+            <a:off x="2977986" y="2330847"/>
+            <a:ext cx="680866" cy="630455"/>
           </a:xfrm>
           <a:prstGeom prst="straightConnector1">
             <a:avLst/>
@@ -12591,7 +12570,7 @@
           <p:nvPr/>
         </p:nvPicPr>
         <p:blipFill>
-          <a:blip r:embed="rId3">
+          <a:blip r:embed="rId2">
             <a:extLst>
               <a:ext uri="{28A0092B-C50C-407E-A947-70E740481C1C}">
                 <a14:useLocalDpi xmlns:a14="http://schemas.microsoft.com/office/drawing/2010/main" val="0"/>
@@ -12621,7 +12600,7 @@
           <p:nvPr/>
         </p:nvPicPr>
         <p:blipFill>
-          <a:blip r:embed="rId3">
+          <a:blip r:embed="rId2">
             <a:extLst>
               <a:ext uri="{28A0092B-C50C-407E-A947-70E740481C1C}">
                 <a14:useLocalDpi xmlns:a14="http://schemas.microsoft.com/office/drawing/2010/main" val="0"/>
@@ -12651,7 +12630,7 @@
           <p:nvPr/>
         </p:nvPicPr>
         <p:blipFill>
-          <a:blip r:embed="rId3">
+          <a:blip r:embed="rId2">
             <a:extLst>
               <a:ext uri="{28A0092B-C50C-407E-A947-70E740481C1C}">
                 <a14:useLocalDpi xmlns:a14="http://schemas.microsoft.com/office/drawing/2010/main" val="0"/>
@@ -12681,7 +12660,7 @@
           <p:nvPr/>
         </p:nvPicPr>
         <p:blipFill>
-          <a:blip r:embed="rId3">
+          <a:blip r:embed="rId2">
             <a:extLst>
               <a:ext uri="{28A0092B-C50C-407E-A947-70E740481C1C}">
                 <a14:useLocalDpi xmlns:a14="http://schemas.microsoft.com/office/drawing/2010/main" val="0"/>
@@ -12711,7 +12690,7 @@
           <p:nvPr/>
         </p:nvPicPr>
         <p:blipFill>
-          <a:blip r:embed="rId3">
+          <a:blip r:embed="rId2">
             <a:extLst>
               <a:ext uri="{28A0092B-C50C-407E-A947-70E740481C1C}">
                 <a14:useLocalDpi xmlns:a14="http://schemas.microsoft.com/office/drawing/2010/main" val="0"/>
@@ -12963,7 +12942,7 @@
           <p:nvPr/>
         </p:nvPicPr>
         <p:blipFill>
-          <a:blip r:embed="rId3">
+          <a:blip r:embed="rId2">
             <a:extLst>
               <a:ext uri="{28A0092B-C50C-407E-A947-70E740481C1C}">
                 <a14:useLocalDpi xmlns:a14="http://schemas.microsoft.com/office/drawing/2010/main" val="0"/>
@@ -12993,7 +12972,7 @@
           <p:nvPr/>
         </p:nvPicPr>
         <p:blipFill>
-          <a:blip r:embed="rId3">
+          <a:blip r:embed="rId2">
             <a:extLst>
               <a:ext uri="{28A0092B-C50C-407E-A947-70E740481C1C}">
                 <a14:useLocalDpi xmlns:a14="http://schemas.microsoft.com/office/drawing/2010/main" val="0"/>
@@ -13023,7 +13002,7 @@
           <p:nvPr/>
         </p:nvPicPr>
         <p:blipFill>
-          <a:blip r:embed="rId3">
+          <a:blip r:embed="rId2">
             <a:extLst>
               <a:ext uri="{28A0092B-C50C-407E-A947-70E740481C1C}">
                 <a14:useLocalDpi xmlns:a14="http://schemas.microsoft.com/office/drawing/2010/main" val="0"/>
@@ -13053,7 +13032,7 @@
           <p:nvPr/>
         </p:nvPicPr>
         <p:blipFill>
-          <a:blip r:embed="rId3">
+          <a:blip r:embed="rId2">
             <a:extLst>
               <a:ext uri="{28A0092B-C50C-407E-A947-70E740481C1C}">
                 <a14:useLocalDpi xmlns:a14="http://schemas.microsoft.com/office/drawing/2010/main" val="0"/>
@@ -13083,7 +13062,7 @@
           <p:nvPr/>
         </p:nvPicPr>
         <p:blipFill>
-          <a:blip r:embed="rId3">
+          <a:blip r:embed="rId2">
             <a:extLst>
               <a:ext uri="{28A0092B-C50C-407E-A947-70E740481C1C}">
                 <a14:useLocalDpi xmlns:a14="http://schemas.microsoft.com/office/drawing/2010/main" val="0"/>
@@ -13113,7 +13092,7 @@
           <p:nvPr/>
         </p:nvPicPr>
         <p:blipFill>
-          <a:blip r:embed="rId3">
+          <a:blip r:embed="rId2">
             <a:extLst>
               <a:ext uri="{28A0092B-C50C-407E-A947-70E740481C1C}">
                 <a14:useLocalDpi xmlns:a14="http://schemas.microsoft.com/office/drawing/2010/main" val="0"/>
@@ -13512,7 +13491,7 @@
           <p:nvPr/>
         </p:nvPicPr>
         <p:blipFill>
-          <a:blip r:embed="rId3">
+          <a:blip r:embed="rId2">
             <a:extLst>
               <a:ext uri="{28A0092B-C50C-407E-A947-70E740481C1C}">
                 <a14:useLocalDpi xmlns:a14="http://schemas.microsoft.com/office/drawing/2010/main" val="0"/>
@@ -13542,7 +13521,7 @@
           <p:nvPr/>
         </p:nvPicPr>
         <p:blipFill>
-          <a:blip r:embed="rId3">
+          <a:blip r:embed="rId2">
             <a:extLst>
               <a:ext uri="{28A0092B-C50C-407E-A947-70E740481C1C}">
                 <a14:useLocalDpi xmlns:a14="http://schemas.microsoft.com/office/drawing/2010/main" val="0"/>
@@ -13572,7 +13551,7 @@
           <p:nvPr/>
         </p:nvPicPr>
         <p:blipFill>
-          <a:blip r:embed="rId3">
+          <a:blip r:embed="rId2">
             <a:extLst>
               <a:ext uri="{28A0092B-C50C-407E-A947-70E740481C1C}">
                 <a14:useLocalDpi xmlns:a14="http://schemas.microsoft.com/office/drawing/2010/main" val="0"/>
@@ -13780,102 +13759,6 @@
       </p:cxnSp>
       <p:pic>
         <p:nvPicPr>
-          <p:cNvPr id="112" name="Image 111"/>
-          <p:cNvPicPr>
-            <a:picLocks noChangeAspect="1"/>
-          </p:cNvPicPr>
-          <p:nvPr/>
-        </p:nvPicPr>
-        <p:blipFill>
-          <a:blip r:embed="rId2"/>
-          <a:stretch>
-            <a:fillRect/>
-          </a:stretch>
-        </p:blipFill>
-        <p:spPr>
-          <a:xfrm>
-            <a:off x="1575791" y="3965560"/>
-            <a:ext cx="227331" cy="240020"/>
-          </a:xfrm>
-          <a:prstGeom prst="rect">
-            <a:avLst/>
-          </a:prstGeom>
-        </p:spPr>
-      </p:pic>
-      <p:pic>
-        <p:nvPicPr>
-          <p:cNvPr id="113" name="Image 112"/>
-          <p:cNvPicPr>
-            <a:picLocks noChangeAspect="1"/>
-          </p:cNvPicPr>
-          <p:nvPr/>
-        </p:nvPicPr>
-        <p:blipFill>
-          <a:blip r:embed="rId2"/>
-          <a:stretch>
-            <a:fillRect/>
-          </a:stretch>
-        </p:blipFill>
-        <p:spPr>
-          <a:xfrm>
-            <a:off x="4009111" y="2345984"/>
-            <a:ext cx="227331" cy="240020"/>
-          </a:xfrm>
-          <a:prstGeom prst="rect">
-            <a:avLst/>
-          </a:prstGeom>
-        </p:spPr>
-      </p:pic>
-      <p:pic>
-        <p:nvPicPr>
-          <p:cNvPr id="114" name="Image 113"/>
-          <p:cNvPicPr>
-            <a:picLocks noChangeAspect="1"/>
-          </p:cNvPicPr>
-          <p:nvPr/>
-        </p:nvPicPr>
-        <p:blipFill>
-          <a:blip r:embed="rId2"/>
-          <a:stretch>
-            <a:fillRect/>
-          </a:stretch>
-        </p:blipFill>
-        <p:spPr>
-          <a:xfrm>
-            <a:off x="3122123" y="3231597"/>
-            <a:ext cx="227331" cy="240020"/>
-          </a:xfrm>
-          <a:prstGeom prst="rect">
-            <a:avLst/>
-          </a:prstGeom>
-        </p:spPr>
-      </p:pic>
-      <p:pic>
-        <p:nvPicPr>
-          <p:cNvPr id="115" name="Image 114"/>
-          <p:cNvPicPr>
-            <a:picLocks noChangeAspect="1"/>
-          </p:cNvPicPr>
-          <p:nvPr/>
-        </p:nvPicPr>
-        <p:blipFill>
-          <a:blip r:embed="rId2"/>
-          <a:stretch>
-            <a:fillRect/>
-          </a:stretch>
-        </p:blipFill>
-        <p:spPr>
-          <a:xfrm>
-            <a:off x="3574033" y="4120526"/>
-            <a:ext cx="227331" cy="240020"/>
-          </a:xfrm>
-          <a:prstGeom prst="rect">
-            <a:avLst/>
-          </a:prstGeom>
-        </p:spPr>
-      </p:pic>
-      <p:pic>
-        <p:nvPicPr>
           <p:cNvPr id="117" name="Image 116"/>
           <p:cNvPicPr>
             <a:picLocks noChangeAspect="1"/>
@@ -13883,7 +13766,7 @@
           <p:nvPr/>
         </p:nvPicPr>
         <p:blipFill>
-          <a:blip r:embed="rId2"/>
+          <a:blip r:embed="rId3"/>
           <a:stretch>
             <a:fillRect/>
           </a:stretch>
@@ -13907,7 +13790,7 @@
           <p:nvPr/>
         </p:nvPicPr>
         <p:blipFill>
-          <a:blip r:embed="rId2"/>
+          <a:blip r:embed="rId3"/>
           <a:stretch>
             <a:fillRect/>
           </a:stretch>
@@ -13931,7 +13814,7 @@
           <p:nvPr/>
         </p:nvPicPr>
         <p:blipFill>
-          <a:blip r:embed="rId2"/>
+          <a:blip r:embed="rId3"/>
           <a:stretch>
             <a:fillRect/>
           </a:stretch>
@@ -13955,7 +13838,7 @@
           <p:nvPr/>
         </p:nvPicPr>
         <p:blipFill>
-          <a:blip r:embed="rId2"/>
+          <a:blip r:embed="rId3"/>
           <a:stretch>
             <a:fillRect/>
           </a:stretch>
@@ -13979,7 +13862,7 @@
           <p:nvPr/>
         </p:nvPicPr>
         <p:blipFill>
-          <a:blip r:embed="rId2"/>
+          <a:blip r:embed="rId3"/>
           <a:stretch>
             <a:fillRect/>
           </a:stretch>
@@ -14003,7 +13886,7 @@
           <p:nvPr/>
         </p:nvPicPr>
         <p:blipFill>
-          <a:blip r:embed="rId2"/>
+          <a:blip r:embed="rId3"/>
           <a:stretch>
             <a:fillRect/>
           </a:stretch>
@@ -14027,7 +13910,7 @@
           <p:nvPr/>
         </p:nvPicPr>
         <p:blipFill>
-          <a:blip r:embed="rId2"/>
+          <a:blip r:embed="rId3"/>
           <a:stretch>
             <a:fillRect/>
           </a:stretch>
@@ -14051,7 +13934,7 @@
           <p:nvPr/>
         </p:nvPicPr>
         <p:blipFill>
-          <a:blip r:embed="rId2"/>
+          <a:blip r:embed="rId3"/>
           <a:stretch>
             <a:fillRect/>
           </a:stretch>
@@ -14075,7 +13958,7 @@
           <p:nvPr/>
         </p:nvPicPr>
         <p:blipFill>
-          <a:blip r:embed="rId2"/>
+          <a:blip r:embed="rId3"/>
           <a:stretch>
             <a:fillRect/>
           </a:stretch>
@@ -14099,7 +13982,7 @@
           <p:nvPr/>
         </p:nvPicPr>
         <p:blipFill>
-          <a:blip r:embed="rId2"/>
+          <a:blip r:embed="rId3"/>
           <a:stretch>
             <a:fillRect/>
           </a:stretch>
@@ -14123,7 +14006,7 @@
           <p:nvPr/>
         </p:nvPicPr>
         <p:blipFill>
-          <a:blip r:embed="rId2"/>
+          <a:blip r:embed="rId3"/>
           <a:stretch>
             <a:fillRect/>
           </a:stretch>
@@ -14147,7 +14030,7 @@
           <p:nvPr/>
         </p:nvPicPr>
         <p:blipFill>
-          <a:blip r:embed="rId2"/>
+          <a:blip r:embed="rId3"/>
           <a:stretch>
             <a:fillRect/>
           </a:stretch>
@@ -14171,7 +14054,7 @@
           <p:nvPr/>
         </p:nvPicPr>
         <p:blipFill>
-          <a:blip r:embed="rId2"/>
+          <a:blip r:embed="rId3"/>
           <a:stretch>
             <a:fillRect/>
           </a:stretch>
@@ -14195,7 +14078,7 @@
           <p:nvPr/>
         </p:nvPicPr>
         <p:blipFill>
-          <a:blip r:embed="rId2"/>
+          <a:blip r:embed="rId3"/>
           <a:stretch>
             <a:fillRect/>
           </a:stretch>
@@ -14204,6 +14087,696 @@
           <a:xfrm>
             <a:off x="7375707" y="3502893"/>
             <a:ext cx="97202" cy="102628"/>
+          </a:xfrm>
+          <a:prstGeom prst="rect">
+            <a:avLst/>
+          </a:prstGeom>
+        </p:spPr>
+      </p:pic>
+      <p:pic>
+        <p:nvPicPr>
+          <p:cNvPr id="110" name="Image 109"/>
+          <p:cNvPicPr>
+            <a:picLocks noChangeAspect="1"/>
+          </p:cNvPicPr>
+          <p:nvPr/>
+        </p:nvPicPr>
+        <p:blipFill>
+          <a:blip r:embed="rId3"/>
+          <a:stretch>
+            <a:fillRect/>
+          </a:stretch>
+        </p:blipFill>
+        <p:spPr>
+          <a:xfrm>
+            <a:off x="1287695" y="2345547"/>
+            <a:ext cx="227331" cy="240020"/>
+          </a:xfrm>
+          <a:prstGeom prst="rect">
+            <a:avLst/>
+          </a:prstGeom>
+        </p:spPr>
+      </p:pic>
+      <p:pic>
+        <p:nvPicPr>
+          <p:cNvPr id="69" name="Image 68" descr="OctoMan_Pos.png"/>
+          <p:cNvPicPr>
+            <a:picLocks noChangeAspect="1"/>
+          </p:cNvPicPr>
+          <p:nvPr/>
+        </p:nvPicPr>
+        <p:blipFill>
+          <a:blip r:embed="rId4">
+            <a:extLst>
+              <a:ext uri="{28A0092B-C50C-407E-A947-70E740481C1C}">
+                <a14:useLocalDpi xmlns:a14="http://schemas.microsoft.com/office/drawing/2010/main" val="0"/>
+              </a:ext>
+            </a:extLst>
+          </a:blip>
+          <a:stretch>
+            <a:fillRect/>
+          </a:stretch>
+        </p:blipFill>
+        <p:spPr>
+          <a:xfrm>
+            <a:off x="1257546" y="1963408"/>
+            <a:ext cx="287629" cy="376337"/>
+          </a:xfrm>
+          <a:prstGeom prst="rect">
+            <a:avLst/>
+          </a:prstGeom>
+        </p:spPr>
+      </p:pic>
+      <p:pic>
+        <p:nvPicPr>
+          <p:cNvPr id="77" name="Image 76"/>
+          <p:cNvPicPr>
+            <a:picLocks noChangeAspect="1"/>
+          </p:cNvPicPr>
+          <p:nvPr/>
+        </p:nvPicPr>
+        <p:blipFill>
+          <a:blip r:embed="rId3"/>
+          <a:stretch>
+            <a:fillRect/>
+          </a:stretch>
+        </p:blipFill>
+        <p:spPr>
+          <a:xfrm>
+            <a:off x="3978780" y="2343594"/>
+            <a:ext cx="227331" cy="240020"/>
+          </a:xfrm>
+          <a:prstGeom prst="rect">
+            <a:avLst/>
+          </a:prstGeom>
+        </p:spPr>
+      </p:pic>
+      <p:pic>
+        <p:nvPicPr>
+          <p:cNvPr id="78" name="Image 77" descr="OctoMan_Pos.png"/>
+          <p:cNvPicPr>
+            <a:picLocks noChangeAspect="1"/>
+          </p:cNvPicPr>
+          <p:nvPr/>
+        </p:nvPicPr>
+        <p:blipFill>
+          <a:blip r:embed="rId4">
+            <a:extLst>
+              <a:ext uri="{28A0092B-C50C-407E-A947-70E740481C1C}">
+                <a14:useLocalDpi xmlns:a14="http://schemas.microsoft.com/office/drawing/2010/main" val="0"/>
+              </a:ext>
+            </a:extLst>
+          </a:blip>
+          <a:stretch>
+            <a:fillRect/>
+          </a:stretch>
+        </p:blipFill>
+        <p:spPr>
+          <a:xfrm>
+            <a:off x="3957271" y="1961455"/>
+            <a:ext cx="287629" cy="376337"/>
+          </a:xfrm>
+          <a:prstGeom prst="rect">
+            <a:avLst/>
+          </a:prstGeom>
+        </p:spPr>
+      </p:pic>
+      <p:pic>
+        <p:nvPicPr>
+          <p:cNvPr id="81" name="Image 80"/>
+          <p:cNvPicPr>
+            <a:picLocks noChangeAspect="1"/>
+          </p:cNvPicPr>
+          <p:nvPr/>
+        </p:nvPicPr>
+        <p:blipFill>
+          <a:blip r:embed="rId3"/>
+          <a:stretch>
+            <a:fillRect/>
+          </a:stretch>
+        </p:blipFill>
+        <p:spPr>
+          <a:xfrm>
+            <a:off x="3148704" y="3232584"/>
+            <a:ext cx="227331" cy="240020"/>
+          </a:xfrm>
+          <a:prstGeom prst="rect">
+            <a:avLst/>
+          </a:prstGeom>
+        </p:spPr>
+      </p:pic>
+      <p:pic>
+        <p:nvPicPr>
+          <p:cNvPr id="82" name="Image 81" descr="OctoMan_Pos.png"/>
+          <p:cNvPicPr>
+            <a:picLocks noChangeAspect="1"/>
+          </p:cNvPicPr>
+          <p:nvPr/>
+        </p:nvPicPr>
+        <p:blipFill>
+          <a:blip r:embed="rId4">
+            <a:extLst>
+              <a:ext uri="{28A0092B-C50C-407E-A947-70E740481C1C}">
+                <a14:useLocalDpi xmlns:a14="http://schemas.microsoft.com/office/drawing/2010/main" val="0"/>
+              </a:ext>
+            </a:extLst>
+          </a:blip>
+          <a:stretch>
+            <a:fillRect/>
+          </a:stretch>
+        </p:blipFill>
+        <p:spPr>
+          <a:xfrm>
+            <a:off x="3127195" y="2850445"/>
+            <a:ext cx="287629" cy="376337"/>
+          </a:xfrm>
+          <a:prstGeom prst="rect">
+            <a:avLst/>
+          </a:prstGeom>
+        </p:spPr>
+      </p:pic>
+      <p:pic>
+        <p:nvPicPr>
+          <p:cNvPr id="84" name="Image 83"/>
+          <p:cNvPicPr>
+            <a:picLocks noChangeAspect="1"/>
+          </p:cNvPicPr>
+          <p:nvPr/>
+        </p:nvPicPr>
+        <p:blipFill>
+          <a:blip r:embed="rId3"/>
+          <a:stretch>
+            <a:fillRect/>
+          </a:stretch>
+        </p:blipFill>
+        <p:spPr>
+          <a:xfrm>
+            <a:off x="3597026" y="4142131"/>
+            <a:ext cx="227331" cy="240020"/>
+          </a:xfrm>
+          <a:prstGeom prst="rect">
+            <a:avLst/>
+          </a:prstGeom>
+        </p:spPr>
+      </p:pic>
+      <p:pic>
+        <p:nvPicPr>
+          <p:cNvPr id="89" name="Image 88" descr="OctoMan_Pos.png"/>
+          <p:cNvPicPr>
+            <a:picLocks noChangeAspect="1"/>
+          </p:cNvPicPr>
+          <p:nvPr/>
+        </p:nvPicPr>
+        <p:blipFill>
+          <a:blip r:embed="rId4">
+            <a:extLst>
+              <a:ext uri="{28A0092B-C50C-407E-A947-70E740481C1C}">
+                <a14:useLocalDpi xmlns:a14="http://schemas.microsoft.com/office/drawing/2010/main" val="0"/>
+              </a:ext>
+            </a:extLst>
+          </a:blip>
+          <a:stretch>
+            <a:fillRect/>
+          </a:stretch>
+        </p:blipFill>
+        <p:spPr>
+          <a:xfrm>
+            <a:off x="3575517" y="3759992"/>
+            <a:ext cx="287629" cy="376337"/>
+          </a:xfrm>
+          <a:prstGeom prst="rect">
+            <a:avLst/>
+          </a:prstGeom>
+        </p:spPr>
+      </p:pic>
+      <p:pic>
+        <p:nvPicPr>
+          <p:cNvPr id="92" name="Image 91"/>
+          <p:cNvPicPr>
+            <a:picLocks noChangeAspect="1"/>
+          </p:cNvPicPr>
+          <p:nvPr/>
+        </p:nvPicPr>
+        <p:blipFill>
+          <a:blip r:embed="rId3"/>
+          <a:stretch>
+            <a:fillRect/>
+          </a:stretch>
+        </p:blipFill>
+        <p:spPr>
+          <a:xfrm>
+            <a:off x="1560609" y="3965560"/>
+            <a:ext cx="227331" cy="240020"/>
+          </a:xfrm>
+          <a:prstGeom prst="rect">
+            <a:avLst/>
+          </a:prstGeom>
+        </p:spPr>
+      </p:pic>
+      <p:pic>
+        <p:nvPicPr>
+          <p:cNvPr id="93" name="Image 92" descr="OctoMan_Pos.png"/>
+          <p:cNvPicPr>
+            <a:picLocks noChangeAspect="1"/>
+          </p:cNvPicPr>
+          <p:nvPr/>
+        </p:nvPicPr>
+        <p:blipFill>
+          <a:blip r:embed="rId4">
+            <a:extLst>
+              <a:ext uri="{28A0092B-C50C-407E-A947-70E740481C1C}">
+                <a14:useLocalDpi xmlns:a14="http://schemas.microsoft.com/office/drawing/2010/main" val="0"/>
+              </a:ext>
+            </a:extLst>
+          </a:blip>
+          <a:stretch>
+            <a:fillRect/>
+          </a:stretch>
+        </p:blipFill>
+        <p:spPr>
+          <a:xfrm>
+            <a:off x="1530460" y="3583421"/>
+            <a:ext cx="287629" cy="376337"/>
+          </a:xfrm>
+          <a:prstGeom prst="rect">
+            <a:avLst/>
+          </a:prstGeom>
+        </p:spPr>
+      </p:pic>
+      <p:pic>
+        <p:nvPicPr>
+          <p:cNvPr id="94" name="Image 93" descr="OctoMan_Pos.png"/>
+          <p:cNvPicPr>
+            <a:picLocks noChangeAspect="1"/>
+          </p:cNvPicPr>
+          <p:nvPr/>
+        </p:nvPicPr>
+        <p:blipFill>
+          <a:blip r:embed="rId4">
+            <a:extLst>
+              <a:ext uri="{28A0092B-C50C-407E-A947-70E740481C1C}">
+                <a14:useLocalDpi xmlns:a14="http://schemas.microsoft.com/office/drawing/2010/main" val="0"/>
+              </a:ext>
+            </a:extLst>
+          </a:blip>
+          <a:stretch>
+            <a:fillRect/>
+          </a:stretch>
+        </p:blipFill>
+        <p:spPr>
+          <a:xfrm>
+            <a:off x="5108744" y="2175028"/>
+            <a:ext cx="82543" cy="108000"/>
+          </a:xfrm>
+          <a:prstGeom prst="rect">
+            <a:avLst/>
+          </a:prstGeom>
+        </p:spPr>
+      </p:pic>
+      <p:pic>
+        <p:nvPicPr>
+          <p:cNvPr id="96" name="Image 95" descr="OctoMan_Pos.png"/>
+          <p:cNvPicPr>
+            <a:picLocks noChangeAspect="1"/>
+          </p:cNvPicPr>
+          <p:nvPr/>
+        </p:nvPicPr>
+        <p:blipFill>
+          <a:blip r:embed="rId4">
+            <a:extLst>
+              <a:ext uri="{28A0092B-C50C-407E-A947-70E740481C1C}">
+                <a14:useLocalDpi xmlns:a14="http://schemas.microsoft.com/office/drawing/2010/main" val="0"/>
+              </a:ext>
+            </a:extLst>
+          </a:blip>
+          <a:stretch>
+            <a:fillRect/>
+          </a:stretch>
+        </p:blipFill>
+        <p:spPr>
+          <a:xfrm>
+            <a:off x="6449925" y="2229792"/>
+            <a:ext cx="82543" cy="108000"/>
+          </a:xfrm>
+          <a:prstGeom prst="rect">
+            <a:avLst/>
+          </a:prstGeom>
+        </p:spPr>
+      </p:pic>
+      <p:pic>
+        <p:nvPicPr>
+          <p:cNvPr id="99" name="Image 98" descr="OctoMan_Pos.png"/>
+          <p:cNvPicPr>
+            <a:picLocks noChangeAspect="1"/>
+          </p:cNvPicPr>
+          <p:nvPr/>
+        </p:nvPicPr>
+        <p:blipFill>
+          <a:blip r:embed="rId4">
+            <a:extLst>
+              <a:ext uri="{28A0092B-C50C-407E-A947-70E740481C1C}">
+                <a14:useLocalDpi xmlns:a14="http://schemas.microsoft.com/office/drawing/2010/main" val="0"/>
+              </a:ext>
+            </a:extLst>
+          </a:blip>
+          <a:stretch>
+            <a:fillRect/>
+          </a:stretch>
+        </p:blipFill>
+        <p:spPr>
+          <a:xfrm>
+            <a:off x="4707529" y="3703156"/>
+            <a:ext cx="82543" cy="108000"/>
+          </a:xfrm>
+          <a:prstGeom prst="rect">
+            <a:avLst/>
+          </a:prstGeom>
+        </p:spPr>
+      </p:pic>
+      <p:pic>
+        <p:nvPicPr>
+          <p:cNvPr id="100" name="Image 99" descr="OctoMan_Pos.png"/>
+          <p:cNvPicPr>
+            <a:picLocks noChangeAspect="1"/>
+          </p:cNvPicPr>
+          <p:nvPr/>
+        </p:nvPicPr>
+        <p:blipFill>
+          <a:blip r:embed="rId4">
+            <a:extLst>
+              <a:ext uri="{28A0092B-C50C-407E-A947-70E740481C1C}">
+                <a14:useLocalDpi xmlns:a14="http://schemas.microsoft.com/office/drawing/2010/main" val="0"/>
+              </a:ext>
+            </a:extLst>
+          </a:blip>
+          <a:stretch>
+            <a:fillRect/>
+          </a:stretch>
+        </p:blipFill>
+        <p:spPr>
+          <a:xfrm>
+            <a:off x="4565549" y="3104924"/>
+            <a:ext cx="82543" cy="108000"/>
+          </a:xfrm>
+          <a:prstGeom prst="rect">
+            <a:avLst/>
+          </a:prstGeom>
+        </p:spPr>
+      </p:pic>
+      <p:pic>
+        <p:nvPicPr>
+          <p:cNvPr id="102" name="Image 101" descr="OctoMan_Pos.png"/>
+          <p:cNvPicPr>
+            <a:picLocks noChangeAspect="1"/>
+          </p:cNvPicPr>
+          <p:nvPr/>
+        </p:nvPicPr>
+        <p:blipFill>
+          <a:blip r:embed="rId4">
+            <a:extLst>
+              <a:ext uri="{28A0092B-C50C-407E-A947-70E740481C1C}">
+                <a14:useLocalDpi xmlns:a14="http://schemas.microsoft.com/office/drawing/2010/main" val="0"/>
+              </a:ext>
+            </a:extLst>
+          </a:blip>
+          <a:stretch>
+            <a:fillRect/>
+          </a:stretch>
+        </p:blipFill>
+        <p:spPr>
+          <a:xfrm>
+            <a:off x="7383037" y="3393280"/>
+            <a:ext cx="82543" cy="108000"/>
+          </a:xfrm>
+          <a:prstGeom prst="rect">
+            <a:avLst/>
+          </a:prstGeom>
+        </p:spPr>
+      </p:pic>
+      <p:pic>
+        <p:nvPicPr>
+          <p:cNvPr id="103" name="Image 102" descr="OctoMan_Pos.png"/>
+          <p:cNvPicPr>
+            <a:picLocks noChangeAspect="1"/>
+          </p:cNvPicPr>
+          <p:nvPr/>
+        </p:nvPicPr>
+        <p:blipFill>
+          <a:blip r:embed="rId4">
+            <a:extLst>
+              <a:ext uri="{28A0092B-C50C-407E-A947-70E740481C1C}">
+                <a14:useLocalDpi xmlns:a14="http://schemas.microsoft.com/office/drawing/2010/main" val="0"/>
+              </a:ext>
+            </a:extLst>
+          </a:blip>
+          <a:stretch>
+            <a:fillRect/>
+          </a:stretch>
+        </p:blipFill>
+        <p:spPr>
+          <a:xfrm>
+            <a:off x="5684528" y="2537253"/>
+            <a:ext cx="82543" cy="108000"/>
+          </a:xfrm>
+          <a:prstGeom prst="rect">
+            <a:avLst/>
+          </a:prstGeom>
+        </p:spPr>
+      </p:pic>
+      <p:pic>
+        <p:nvPicPr>
+          <p:cNvPr id="104" name="Image 103" descr="OctoMan_Pos.png"/>
+          <p:cNvPicPr>
+            <a:picLocks noChangeAspect="1"/>
+          </p:cNvPicPr>
+          <p:nvPr/>
+        </p:nvPicPr>
+        <p:blipFill>
+          <a:blip r:embed="rId4">
+            <a:extLst>
+              <a:ext uri="{28A0092B-C50C-407E-A947-70E740481C1C}">
+                <a14:useLocalDpi xmlns:a14="http://schemas.microsoft.com/office/drawing/2010/main" val="0"/>
+              </a:ext>
+            </a:extLst>
+          </a:blip>
+          <a:stretch>
+            <a:fillRect/>
+          </a:stretch>
+        </p:blipFill>
+        <p:spPr>
+          <a:xfrm>
+            <a:off x="6299502" y="2796445"/>
+            <a:ext cx="82543" cy="108000"/>
+          </a:xfrm>
+          <a:prstGeom prst="rect">
+            <a:avLst/>
+          </a:prstGeom>
+        </p:spPr>
+      </p:pic>
+      <p:pic>
+        <p:nvPicPr>
+          <p:cNvPr id="105" name="Image 104" descr="OctoMan_Pos.png"/>
+          <p:cNvPicPr>
+            <a:picLocks noChangeAspect="1"/>
+          </p:cNvPicPr>
+          <p:nvPr/>
+        </p:nvPicPr>
+        <p:blipFill>
+          <a:blip r:embed="rId4">
+            <a:extLst>
+              <a:ext uri="{28A0092B-C50C-407E-A947-70E740481C1C}">
+                <a14:useLocalDpi xmlns:a14="http://schemas.microsoft.com/office/drawing/2010/main" val="0"/>
+              </a:ext>
+            </a:extLst>
+          </a:blip>
+          <a:stretch>
+            <a:fillRect/>
+          </a:stretch>
+        </p:blipFill>
+        <p:spPr>
+          <a:xfrm>
+            <a:off x="5751379" y="2961302"/>
+            <a:ext cx="82543" cy="108000"/>
+          </a:xfrm>
+          <a:prstGeom prst="rect">
+            <a:avLst/>
+          </a:prstGeom>
+        </p:spPr>
+      </p:pic>
+      <p:pic>
+        <p:nvPicPr>
+          <p:cNvPr id="106" name="Image 105" descr="OctoMan_Pos.png"/>
+          <p:cNvPicPr>
+            <a:picLocks noChangeAspect="1"/>
+          </p:cNvPicPr>
+          <p:nvPr/>
+        </p:nvPicPr>
+        <p:blipFill>
+          <a:blip r:embed="rId4">
+            <a:extLst>
+              <a:ext uri="{28A0092B-C50C-407E-A947-70E740481C1C}">
+                <a14:useLocalDpi xmlns:a14="http://schemas.microsoft.com/office/drawing/2010/main" val="0"/>
+              </a:ext>
+            </a:extLst>
+          </a:blip>
+          <a:stretch>
+            <a:fillRect/>
+          </a:stretch>
+        </p:blipFill>
+        <p:spPr>
+          <a:xfrm>
+            <a:off x="5343687" y="3443523"/>
+            <a:ext cx="82543" cy="108000"/>
+          </a:xfrm>
+          <a:prstGeom prst="rect">
+            <a:avLst/>
+          </a:prstGeom>
+        </p:spPr>
+      </p:pic>
+      <p:pic>
+        <p:nvPicPr>
+          <p:cNvPr id="107" name="Image 106" descr="OctoMan_Pos.png"/>
+          <p:cNvPicPr>
+            <a:picLocks noChangeAspect="1"/>
+          </p:cNvPicPr>
+          <p:nvPr/>
+        </p:nvPicPr>
+        <p:blipFill>
+          <a:blip r:embed="rId4">
+            <a:extLst>
+              <a:ext uri="{28A0092B-C50C-407E-A947-70E740481C1C}">
+                <a14:useLocalDpi xmlns:a14="http://schemas.microsoft.com/office/drawing/2010/main" val="0"/>
+              </a:ext>
+            </a:extLst>
+          </a:blip>
+          <a:stretch>
+            <a:fillRect/>
+          </a:stretch>
+        </p:blipFill>
+        <p:spPr>
+          <a:xfrm>
+            <a:off x="5635928" y="3962606"/>
+            <a:ext cx="82543" cy="108000"/>
+          </a:xfrm>
+          <a:prstGeom prst="rect">
+            <a:avLst/>
+          </a:prstGeom>
+        </p:spPr>
+      </p:pic>
+      <p:pic>
+        <p:nvPicPr>
+          <p:cNvPr id="108" name="Image 107" descr="OctoMan_Pos.png"/>
+          <p:cNvPicPr>
+            <a:picLocks noChangeAspect="1"/>
+          </p:cNvPicPr>
+          <p:nvPr/>
+        </p:nvPicPr>
+        <p:blipFill>
+          <a:blip r:embed="rId4">
+            <a:extLst>
+              <a:ext uri="{28A0092B-C50C-407E-A947-70E740481C1C}">
+                <a14:useLocalDpi xmlns:a14="http://schemas.microsoft.com/office/drawing/2010/main" val="0"/>
+              </a:ext>
+            </a:extLst>
+          </a:blip>
+          <a:stretch>
+            <a:fillRect/>
+          </a:stretch>
+        </p:blipFill>
+        <p:spPr>
+          <a:xfrm>
+            <a:off x="6040386" y="3582393"/>
+            <a:ext cx="82543" cy="108000"/>
+          </a:xfrm>
+          <a:prstGeom prst="rect">
+            <a:avLst/>
+          </a:prstGeom>
+        </p:spPr>
+      </p:pic>
+      <p:pic>
+        <p:nvPicPr>
+          <p:cNvPr id="109" name="Image 108" descr="OctoMan_Pos.png"/>
+          <p:cNvPicPr>
+            <a:picLocks noChangeAspect="1"/>
+          </p:cNvPicPr>
+          <p:nvPr/>
+        </p:nvPicPr>
+        <p:blipFill>
+          <a:blip r:embed="rId4">
+            <a:extLst>
+              <a:ext uri="{28A0092B-C50C-407E-A947-70E740481C1C}">
+                <a14:useLocalDpi xmlns:a14="http://schemas.microsoft.com/office/drawing/2010/main" val="0"/>
+              </a:ext>
+            </a:extLst>
+          </a:blip>
+          <a:stretch>
+            <a:fillRect/>
+          </a:stretch>
+        </p:blipFill>
+        <p:spPr>
+          <a:xfrm>
+            <a:off x="7014081" y="3760079"/>
+            <a:ext cx="82543" cy="108000"/>
+          </a:xfrm>
+          <a:prstGeom prst="rect">
+            <a:avLst/>
+          </a:prstGeom>
+        </p:spPr>
+      </p:pic>
+      <p:pic>
+        <p:nvPicPr>
+          <p:cNvPr id="111" name="Image 110" descr="OctoMan_Pos.png"/>
+          <p:cNvPicPr>
+            <a:picLocks noChangeAspect="1"/>
+          </p:cNvPicPr>
+          <p:nvPr/>
+        </p:nvPicPr>
+        <p:blipFill>
+          <a:blip r:embed="rId4">
+            <a:extLst>
+              <a:ext uri="{28A0092B-C50C-407E-A947-70E740481C1C}">
+                <a14:useLocalDpi xmlns:a14="http://schemas.microsoft.com/office/drawing/2010/main" val="0"/>
+              </a:ext>
+            </a:extLst>
+          </a:blip>
+          <a:stretch>
+            <a:fillRect/>
+          </a:stretch>
+        </p:blipFill>
+        <p:spPr>
+          <a:xfrm>
+            <a:off x="6664377" y="3155167"/>
+            <a:ext cx="82543" cy="108000"/>
+          </a:xfrm>
+          <a:prstGeom prst="rect">
+            <a:avLst/>
+          </a:prstGeom>
+        </p:spPr>
+      </p:pic>
+      <p:pic>
+        <p:nvPicPr>
+          <p:cNvPr id="116" name="Image 115" descr="OctoMan_Pos.png"/>
+          <p:cNvPicPr>
+            <a:picLocks noChangeAspect="1"/>
+          </p:cNvPicPr>
+          <p:nvPr/>
+        </p:nvPicPr>
+        <p:blipFill>
+          <a:blip r:embed="rId4">
+            <a:extLst>
+              <a:ext uri="{28A0092B-C50C-407E-A947-70E740481C1C}">
+                <a14:useLocalDpi xmlns:a14="http://schemas.microsoft.com/office/drawing/2010/main" val="0"/>
+              </a:ext>
+            </a:extLst>
+          </a:blip>
+          <a:stretch>
+            <a:fillRect/>
+          </a:stretch>
+        </p:blipFill>
+        <p:spPr>
+          <a:xfrm>
+            <a:off x="6345499" y="3954809"/>
+            <a:ext cx="82543" cy="108000"/>
           </a:xfrm>
           <a:prstGeom prst="rect">
             <a:avLst/>

--- a/microservices/illus.pptx
+++ b/microservices/illus.pptx
@@ -15444,7 +15444,10 @@
           <a:prstGeom prst="straightConnector1">
             <a:avLst/>
           </a:prstGeom>
-          <a:ln w="12700" cmpd="sng">
+          <a:ln w="19050" cmpd="sng">
+            <a:solidFill>
+              <a:schemeClr val="tx2"/>
+            </a:solidFill>
             <a:headEnd type="none" w="med" len="med"/>
             <a:tailEnd type="arrow" w="sm" len="sm"/>
           </a:ln>
@@ -15481,7 +15484,10 @@
           <a:prstGeom prst="straightConnector1">
             <a:avLst/>
           </a:prstGeom>
-          <a:ln w="12700" cmpd="sng">
+          <a:ln w="19050" cmpd="sng">
+            <a:solidFill>
+              <a:schemeClr val="tx2"/>
+            </a:solidFill>
             <a:headEnd type="none" w="med" len="med"/>
             <a:tailEnd type="arrow" w="sm" len="sm"/>
           </a:ln>
@@ -15665,7 +15671,10 @@
           <a:prstGeom prst="straightConnector1">
             <a:avLst/>
           </a:prstGeom>
-          <a:ln w="12700" cmpd="sng">
+          <a:ln w="19050" cmpd="sng">
+            <a:solidFill>
+              <a:schemeClr val="tx2"/>
+            </a:solidFill>
             <a:headEnd type="none" w="med" len="med"/>
             <a:tailEnd type="arrow" w="sm" len="sm"/>
           </a:ln>
@@ -15702,7 +15711,10 @@
           <a:prstGeom prst="straightConnector1">
             <a:avLst/>
           </a:prstGeom>
-          <a:ln w="12700" cmpd="sng">
+          <a:ln w="19050" cmpd="sng">
+            <a:solidFill>
+              <a:schemeClr val="tx2"/>
+            </a:solidFill>
             <a:headEnd type="none" w="med" len="med"/>
             <a:tailEnd type="arrow" w="sm" len="sm"/>
           </a:ln>
@@ -15739,7 +15751,10 @@
           <a:prstGeom prst="straightConnector1">
             <a:avLst/>
           </a:prstGeom>
-          <a:ln w="12700" cmpd="sng">
+          <a:ln w="19050" cmpd="sng">
+            <a:solidFill>
+              <a:schemeClr val="tx2"/>
+            </a:solidFill>
             <a:headEnd type="none" w="med" len="med"/>
             <a:tailEnd type="arrow" w="sm" len="sm"/>
           </a:ln>

--- a/microservices/illus.pptx
+++ b/microservices/illus.pptx
@@ -17285,7 +17285,7 @@
         </p:blipFill>
         <p:spPr>
           <a:xfrm>
-            <a:off x="2488041" y="1716586"/>
+            <a:off x="2976496" y="1716586"/>
             <a:ext cx="1424652" cy="2436239"/>
           </a:xfrm>
           <a:prstGeom prst="rect">
@@ -17309,7 +17309,7 @@
         </p:blipFill>
         <p:spPr>
           <a:xfrm>
-            <a:off x="2699915" y="2155014"/>
+            <a:off x="3188370" y="2155014"/>
             <a:ext cx="252000" cy="252000"/>
           </a:xfrm>
           <a:prstGeom prst="rect">
@@ -17333,7 +17333,7 @@
         </p:blipFill>
         <p:spPr>
           <a:xfrm>
-            <a:off x="2747060" y="2748447"/>
+            <a:off x="3235515" y="2748447"/>
             <a:ext cx="252000" cy="252000"/>
           </a:xfrm>
           <a:prstGeom prst="rect">
@@ -17357,7 +17357,7 @@
         </p:blipFill>
         <p:spPr>
           <a:xfrm>
-            <a:off x="3353286" y="2719359"/>
+            <a:off x="3841741" y="2719359"/>
             <a:ext cx="252000" cy="252000"/>
           </a:xfrm>
           <a:prstGeom prst="rect">
@@ -17381,7 +17381,7 @@
         </p:blipFill>
         <p:spPr>
           <a:xfrm>
-            <a:off x="3546954" y="2453290"/>
+            <a:off x="4035409" y="2453290"/>
             <a:ext cx="252000" cy="252000"/>
           </a:xfrm>
           <a:prstGeom prst="rect">
@@ -17405,7 +17405,7 @@
         </p:blipFill>
         <p:spPr>
           <a:xfrm>
-            <a:off x="3227286" y="3170954"/>
+            <a:off x="3715741" y="3170954"/>
             <a:ext cx="252000" cy="252000"/>
           </a:xfrm>
           <a:prstGeom prst="rect">
@@ -17429,7 +17429,7 @@
         </p:blipFill>
         <p:spPr>
           <a:xfrm>
-            <a:off x="2830960" y="3279674"/>
+            <a:off x="3319415" y="3279674"/>
             <a:ext cx="252000" cy="252000"/>
           </a:xfrm>
           <a:prstGeom prst="rect">
@@ -17453,7 +17453,7 @@
         </p:blipFill>
         <p:spPr>
           <a:xfrm>
-            <a:off x="3227286" y="2029014"/>
+            <a:off x="3715741" y="2029014"/>
             <a:ext cx="252000" cy="252000"/>
           </a:xfrm>
           <a:prstGeom prst="rect">
@@ -17472,7 +17472,7 @@
         </p:nvCxnSpPr>
         <p:spPr bwMode="auto">
           <a:xfrm flipH="1" flipV="1">
-            <a:off x="2825915" y="2407014"/>
+            <a:off x="3314370" y="2407014"/>
             <a:ext cx="47145" cy="341433"/>
           </a:xfrm>
           <a:prstGeom prst="straightConnector1">
@@ -17512,7 +17512,7 @@
         </p:nvCxnSpPr>
         <p:spPr bwMode="auto">
           <a:xfrm flipV="1">
-            <a:off x="2951915" y="2155014"/>
+            <a:off x="3440370" y="2155014"/>
             <a:ext cx="275371" cy="126000"/>
           </a:xfrm>
           <a:prstGeom prst="straightConnector1">
@@ -17552,7 +17552,7 @@
         </p:nvCxnSpPr>
         <p:spPr bwMode="auto">
           <a:xfrm flipH="1" flipV="1">
-            <a:off x="2873060" y="3000447"/>
+            <a:off x="3361515" y="3000447"/>
             <a:ext cx="83900" cy="279227"/>
           </a:xfrm>
           <a:prstGeom prst="straightConnector1">
@@ -17592,7 +17592,7 @@
         </p:nvCxnSpPr>
         <p:spPr bwMode="auto">
           <a:xfrm flipH="1" flipV="1">
-            <a:off x="3353286" y="2281014"/>
+            <a:off x="3841741" y="2281014"/>
             <a:ext cx="126000" cy="438345"/>
           </a:xfrm>
           <a:prstGeom prst="straightConnector1">
@@ -17632,7 +17632,7 @@
         </p:nvCxnSpPr>
         <p:spPr bwMode="auto">
           <a:xfrm flipH="1" flipV="1">
-            <a:off x="3479286" y="2155014"/>
+            <a:off x="3967741" y="2155014"/>
             <a:ext cx="193668" cy="298276"/>
           </a:xfrm>
           <a:prstGeom prst="straightConnector1">
@@ -17672,7 +17672,7 @@
         </p:nvCxnSpPr>
         <p:spPr bwMode="auto">
           <a:xfrm flipH="1" flipV="1">
-            <a:off x="2999060" y="2874447"/>
+            <a:off x="3487515" y="2874447"/>
             <a:ext cx="228226" cy="422507"/>
           </a:xfrm>
           <a:prstGeom prst="straightConnector1">
@@ -17712,7 +17712,7 @@
         </p:nvCxnSpPr>
         <p:spPr bwMode="auto">
           <a:xfrm flipV="1">
-            <a:off x="3353286" y="2971359"/>
+            <a:off x="3841741" y="2971359"/>
             <a:ext cx="126000" cy="199595"/>
           </a:xfrm>
           <a:prstGeom prst="straightConnector1">
@@ -17763,7 +17763,7 @@
         </p:blipFill>
         <p:spPr>
           <a:xfrm>
-            <a:off x="5096771" y="1530328"/>
+            <a:off x="5523059" y="1530328"/>
             <a:ext cx="859690" cy="1470120"/>
           </a:xfrm>
           <a:prstGeom prst="rect">
@@ -17793,7 +17793,7 @@
         </p:blipFill>
         <p:spPr>
           <a:xfrm>
-            <a:off x="7146005" y="2489169"/>
+            <a:off x="6808527" y="2489169"/>
             <a:ext cx="597967" cy="1022558"/>
           </a:xfrm>
           <a:prstGeom prst="rect">
@@ -17817,7 +17817,7 @@
         </p:blipFill>
         <p:spPr>
           <a:xfrm>
-            <a:off x="3082960" y="3666639"/>
+            <a:off x="3571415" y="3666639"/>
             <a:ext cx="252000" cy="252000"/>
           </a:xfrm>
           <a:prstGeom prst="rect">
@@ -17836,7 +17836,7 @@
         </p:nvCxnSpPr>
         <p:spPr bwMode="auto">
           <a:xfrm flipH="1" flipV="1">
-            <a:off x="2956960" y="3531674"/>
+            <a:off x="3445415" y="3531674"/>
             <a:ext cx="126000" cy="260965"/>
           </a:xfrm>
           <a:prstGeom prst="straightConnector1">
@@ -17881,7 +17881,7 @@
         </p:blipFill>
         <p:spPr>
           <a:xfrm>
-            <a:off x="5212681" y="1853390"/>
+            <a:off x="5638969" y="1853390"/>
             <a:ext cx="252000" cy="252000"/>
           </a:xfrm>
           <a:prstGeom prst="rect">
@@ -17905,7 +17905,7 @@
         </p:blipFill>
         <p:spPr>
           <a:xfrm>
-            <a:off x="5365081" y="2338780"/>
+            <a:off x="5791369" y="2338780"/>
             <a:ext cx="252000" cy="252000"/>
           </a:xfrm>
           <a:prstGeom prst="rect">
@@ -17929,7 +17929,7 @@
         </p:blipFill>
         <p:spPr>
           <a:xfrm>
-            <a:off x="5617081" y="1903014"/>
+            <a:off x="6043369" y="1903014"/>
             <a:ext cx="252000" cy="252000"/>
           </a:xfrm>
           <a:prstGeom prst="rect">
@@ -17983,7 +17983,7 @@
         </p:blipFill>
         <p:spPr>
           <a:xfrm>
-            <a:off x="6536480" y="1518643"/>
+            <a:off x="6794029" y="1563048"/>
             <a:ext cx="372134" cy="636371"/>
           </a:xfrm>
           <a:prstGeom prst="rect">
@@ -18007,7 +18007,7 @@
         </p:blipFill>
         <p:spPr>
           <a:xfrm>
-            <a:off x="6596547" y="1823148"/>
+            <a:off x="6854096" y="1867553"/>
             <a:ext cx="252000" cy="252000"/>
           </a:xfrm>
           <a:prstGeom prst="rect">
@@ -18037,7 +18037,7 @@
         </p:blipFill>
         <p:spPr>
           <a:xfrm>
-            <a:off x="6350413" y="3282268"/>
+            <a:off x="6234960" y="3353316"/>
             <a:ext cx="372134" cy="636371"/>
           </a:xfrm>
           <a:prstGeom prst="rect">
@@ -18061,7 +18061,7 @@
         </p:blipFill>
         <p:spPr>
           <a:xfrm>
-            <a:off x="6410480" y="3586773"/>
+            <a:off x="6295027" y="3657821"/>
             <a:ext cx="252000" cy="252000"/>
           </a:xfrm>
           <a:prstGeom prst="rect">
@@ -18085,7 +18085,7 @@
         </p:blipFill>
         <p:spPr>
           <a:xfrm>
-            <a:off x="7444026" y="2874447"/>
+            <a:off x="7106548" y="2874447"/>
             <a:ext cx="252000" cy="252000"/>
           </a:xfrm>
           <a:prstGeom prst="rect">
@@ -18109,7 +18109,7 @@
         </p:blipFill>
         <p:spPr>
           <a:xfrm>
-            <a:off x="7218179" y="3153674"/>
+            <a:off x="6880701" y="3153674"/>
             <a:ext cx="252000" cy="252000"/>
           </a:xfrm>
           <a:prstGeom prst="rect">
@@ -18129,7 +18129,7 @@
         <p:spPr bwMode="auto">
           <a:xfrm flipH="1">
             <a:off x="5524748" y="3000448"/>
-            <a:ext cx="1868" cy="422507"/>
+            <a:ext cx="428156" cy="422507"/>
           </a:xfrm>
           <a:prstGeom prst="straightConnector1">
             <a:avLst/>
@@ -18165,7 +18165,7 @@
         </p:nvCxnSpPr>
         <p:spPr bwMode="auto">
           <a:xfrm flipH="1">
-            <a:off x="5617081" y="2155014"/>
+            <a:off x="6043369" y="2155014"/>
             <a:ext cx="126000" cy="309766"/>
           </a:xfrm>
           <a:prstGeom prst="straightConnector1">
@@ -18205,7 +18205,7 @@
         </p:nvCxnSpPr>
         <p:spPr bwMode="auto">
           <a:xfrm>
-            <a:off x="5338681" y="2105390"/>
+            <a:off x="5764969" y="2105390"/>
             <a:ext cx="152400" cy="233390"/>
           </a:xfrm>
           <a:prstGeom prst="straightConnector1">
@@ -18245,8 +18245,8 @@
         </p:nvCxnSpPr>
         <p:spPr bwMode="auto">
           <a:xfrm flipV="1">
-            <a:off x="5956461" y="1836829"/>
-            <a:ext cx="580019" cy="428559"/>
+            <a:off x="6382749" y="1881234"/>
+            <a:ext cx="411280" cy="384154"/>
           </a:xfrm>
           <a:prstGeom prst="straightConnector1">
             <a:avLst/>
@@ -18282,7 +18282,7 @@
         </p:nvCxnSpPr>
         <p:spPr bwMode="auto">
           <a:xfrm flipH="1">
-            <a:off x="7344179" y="3000447"/>
+            <a:off x="7006701" y="3000447"/>
             <a:ext cx="99847" cy="153227"/>
           </a:xfrm>
           <a:prstGeom prst="straightConnector1">
@@ -18322,8 +18322,8 @@
         </p:nvCxnSpPr>
         <p:spPr bwMode="auto">
           <a:xfrm flipH="1">
-            <a:off x="6722547" y="3511727"/>
-            <a:ext cx="722442" cy="88727"/>
+            <a:off x="6607094" y="3511727"/>
+            <a:ext cx="500417" cy="159775"/>
           </a:xfrm>
           <a:prstGeom prst="straightConnector1">
             <a:avLst/>
@@ -18352,14 +18352,15 @@
         <p:nvCxnSpPr>
           <p:cNvPr id="174" name="Connecteur droit avec flèche 173"/>
           <p:cNvCxnSpPr>
+            <a:stCxn id="107" idx="2"/>
             <a:endCxn id="160" idx="0"/>
           </p:cNvCxnSpPr>
           <p:nvPr/>
         </p:nvCxnSpPr>
         <p:spPr bwMode="auto">
           <a:xfrm>
-            <a:off x="5956461" y="2281014"/>
-            <a:ext cx="580019" cy="1001254"/>
+            <a:off x="5952904" y="3000448"/>
+            <a:ext cx="468123" cy="352868"/>
           </a:xfrm>
           <a:prstGeom prst="straightConnector1">
             <a:avLst/>
@@ -18389,13 +18390,14 @@
           <p:cNvPr id="175" name="Connecteur droit avec flèche 174"/>
           <p:cNvCxnSpPr>
             <a:stCxn id="107" idx="3"/>
+            <a:endCxn id="108" idx="1"/>
           </p:cNvCxnSpPr>
           <p:nvPr/>
         </p:nvCxnSpPr>
         <p:spPr bwMode="auto">
           <a:xfrm>
-            <a:off x="5956461" y="2265388"/>
-            <a:ext cx="1341944" cy="887460"/>
+            <a:off x="6382749" y="2265388"/>
+            <a:ext cx="425778" cy="735060"/>
           </a:xfrm>
           <a:prstGeom prst="straightConnector1">
             <a:avLst/>
@@ -18420,6 +18422,330 @@
           </a:fontRef>
         </p:style>
       </p:cxnSp>
+      <p:pic>
+        <p:nvPicPr>
+          <p:cNvPr id="43" name="Image 42"/>
+          <p:cNvPicPr>
+            <a:picLocks noChangeAspect="1"/>
+          </p:cNvPicPr>
+          <p:nvPr/>
+        </p:nvPicPr>
+        <p:blipFill>
+          <a:blip r:embed="rId4"/>
+          <a:stretch>
+            <a:fillRect/>
+          </a:stretch>
+        </p:blipFill>
+        <p:spPr>
+          <a:xfrm>
+            <a:off x="5055947" y="2430069"/>
+            <a:ext cx="420403" cy="443869"/>
+          </a:xfrm>
+          <a:prstGeom prst="rect">
+            <a:avLst/>
+          </a:prstGeom>
+        </p:spPr>
+      </p:pic>
+      <p:pic>
+        <p:nvPicPr>
+          <p:cNvPr id="45" name="Image 44" descr="OctoMan_Pos.png"/>
+          <p:cNvPicPr>
+            <a:picLocks noChangeAspect="1"/>
+          </p:cNvPicPr>
+          <p:nvPr/>
+        </p:nvPicPr>
+        <p:blipFill>
+          <a:blip r:embed="rId5">
+            <a:extLst>
+              <a:ext uri="{28A0092B-C50C-407E-A947-70E740481C1C}">
+                <a14:useLocalDpi xmlns:a14="http://schemas.microsoft.com/office/drawing/2010/main" val="0"/>
+              </a:ext>
+            </a:extLst>
+          </a:blip>
+          <a:stretch>
+            <a:fillRect/>
+          </a:stretch>
+        </p:blipFill>
+        <p:spPr>
+          <a:xfrm>
+            <a:off x="4991147" y="1642318"/>
+            <a:ext cx="531912" cy="695960"/>
+          </a:xfrm>
+          <a:prstGeom prst="rect">
+            <a:avLst/>
+          </a:prstGeom>
+        </p:spPr>
+      </p:pic>
+      <p:pic>
+        <p:nvPicPr>
+          <p:cNvPr id="46" name="Image 45"/>
+          <p:cNvPicPr>
+            <a:picLocks noChangeAspect="1"/>
+          </p:cNvPicPr>
+          <p:nvPr/>
+        </p:nvPicPr>
+        <p:blipFill>
+          <a:blip r:embed="rId4"/>
+          <a:stretch>
+            <a:fillRect/>
+          </a:stretch>
+        </p:blipFill>
+        <p:spPr>
+          <a:xfrm>
+            <a:off x="2031826" y="3243668"/>
+            <a:ext cx="766759" cy="809557"/>
+          </a:xfrm>
+          <a:prstGeom prst="rect">
+            <a:avLst/>
+          </a:prstGeom>
+        </p:spPr>
+      </p:pic>
+      <p:pic>
+        <p:nvPicPr>
+          <p:cNvPr id="47" name="Image 46" descr="OctoMan_Pos.png"/>
+          <p:cNvPicPr>
+            <a:picLocks noChangeAspect="1"/>
+          </p:cNvPicPr>
+          <p:nvPr/>
+        </p:nvPicPr>
+        <p:blipFill>
+          <a:blip r:embed="rId5">
+            <a:extLst>
+              <a:ext uri="{28A0092B-C50C-407E-A947-70E740481C1C}">
+                <a14:useLocalDpi xmlns:a14="http://schemas.microsoft.com/office/drawing/2010/main" val="0"/>
+              </a:ext>
+            </a:extLst>
+          </a:blip>
+          <a:stretch>
+            <a:fillRect/>
+          </a:stretch>
+        </p:blipFill>
+        <p:spPr>
+          <a:xfrm>
+            <a:off x="1935020" y="1873453"/>
+            <a:ext cx="970136" cy="1269337"/>
+          </a:xfrm>
+          <a:prstGeom prst="rect">
+            <a:avLst/>
+          </a:prstGeom>
+        </p:spPr>
+      </p:pic>
+      <p:pic>
+        <p:nvPicPr>
+          <p:cNvPr id="48" name="Image 47"/>
+          <p:cNvPicPr>
+            <a:picLocks noChangeAspect="1"/>
+          </p:cNvPicPr>
+          <p:nvPr/>
+        </p:nvPicPr>
+        <p:blipFill>
+          <a:blip r:embed="rId4"/>
+          <a:stretch>
+            <a:fillRect/>
+          </a:stretch>
+        </p:blipFill>
+        <p:spPr>
+          <a:xfrm>
+            <a:off x="7214640" y="1953409"/>
+            <a:ext cx="227331" cy="240020"/>
+          </a:xfrm>
+          <a:prstGeom prst="rect">
+            <a:avLst/>
+          </a:prstGeom>
+        </p:spPr>
+      </p:pic>
+      <p:pic>
+        <p:nvPicPr>
+          <p:cNvPr id="49" name="Image 48" descr="OctoMan_Pos.png"/>
+          <p:cNvPicPr>
+            <a:picLocks noChangeAspect="1"/>
+          </p:cNvPicPr>
+          <p:nvPr/>
+        </p:nvPicPr>
+        <p:blipFill>
+          <a:blip r:embed="rId5">
+            <a:extLst>
+              <a:ext uri="{28A0092B-C50C-407E-A947-70E740481C1C}">
+                <a14:useLocalDpi xmlns:a14="http://schemas.microsoft.com/office/drawing/2010/main" val="0"/>
+              </a:ext>
+            </a:extLst>
+          </a:blip>
+          <a:stretch>
+            <a:fillRect/>
+          </a:stretch>
+        </p:blipFill>
+        <p:spPr>
+          <a:xfrm>
+            <a:off x="7184491" y="1571270"/>
+            <a:ext cx="287629" cy="376337"/>
+          </a:xfrm>
+          <a:prstGeom prst="rect">
+            <a:avLst/>
+          </a:prstGeom>
+        </p:spPr>
+      </p:pic>
+      <p:pic>
+        <p:nvPicPr>
+          <p:cNvPr id="50" name="Image 49"/>
+          <p:cNvPicPr>
+            <a:picLocks noChangeAspect="1"/>
+          </p:cNvPicPr>
+          <p:nvPr/>
+        </p:nvPicPr>
+        <p:blipFill>
+          <a:blip r:embed="rId4"/>
+          <a:stretch>
+            <a:fillRect/>
+          </a:stretch>
+        </p:blipFill>
+        <p:spPr>
+          <a:xfrm>
+            <a:off x="5055947" y="3805094"/>
+            <a:ext cx="227331" cy="240020"/>
+          </a:xfrm>
+          <a:prstGeom prst="rect">
+            <a:avLst/>
+          </a:prstGeom>
+        </p:spPr>
+      </p:pic>
+      <p:pic>
+        <p:nvPicPr>
+          <p:cNvPr id="51" name="Image 50" descr="OctoMan_Pos.png"/>
+          <p:cNvPicPr>
+            <a:picLocks noChangeAspect="1"/>
+          </p:cNvPicPr>
+          <p:nvPr/>
+        </p:nvPicPr>
+        <p:blipFill>
+          <a:blip r:embed="rId5">
+            <a:extLst>
+              <a:ext uri="{28A0092B-C50C-407E-A947-70E740481C1C}">
+                <a14:useLocalDpi xmlns:a14="http://schemas.microsoft.com/office/drawing/2010/main" val="0"/>
+              </a:ext>
+            </a:extLst>
+          </a:blip>
+          <a:stretch>
+            <a:fillRect/>
+          </a:stretch>
+        </p:blipFill>
+        <p:spPr>
+          <a:xfrm>
+            <a:off x="5025798" y="3422955"/>
+            <a:ext cx="287629" cy="376337"/>
+          </a:xfrm>
+          <a:prstGeom prst="rect">
+            <a:avLst/>
+          </a:prstGeom>
+        </p:spPr>
+      </p:pic>
+      <p:pic>
+        <p:nvPicPr>
+          <p:cNvPr id="52" name="Image 51"/>
+          <p:cNvPicPr>
+            <a:picLocks noChangeAspect="1"/>
+          </p:cNvPicPr>
+          <p:nvPr/>
+        </p:nvPicPr>
+        <p:blipFill>
+          <a:blip r:embed="rId4"/>
+          <a:stretch>
+            <a:fillRect/>
+          </a:stretch>
+        </p:blipFill>
+        <p:spPr>
+          <a:xfrm>
+            <a:off x="5956461" y="3741071"/>
+            <a:ext cx="227331" cy="240020"/>
+          </a:xfrm>
+          <a:prstGeom prst="rect">
+            <a:avLst/>
+          </a:prstGeom>
+        </p:spPr>
+      </p:pic>
+      <p:pic>
+        <p:nvPicPr>
+          <p:cNvPr id="53" name="Image 52" descr="OctoMan_Pos.png"/>
+          <p:cNvPicPr>
+            <a:picLocks noChangeAspect="1"/>
+          </p:cNvPicPr>
+          <p:nvPr/>
+        </p:nvPicPr>
+        <p:blipFill>
+          <a:blip r:embed="rId5">
+            <a:extLst>
+              <a:ext uri="{28A0092B-C50C-407E-A947-70E740481C1C}">
+                <a14:useLocalDpi xmlns:a14="http://schemas.microsoft.com/office/drawing/2010/main" val="0"/>
+              </a:ext>
+            </a:extLst>
+          </a:blip>
+          <a:stretch>
+            <a:fillRect/>
+          </a:stretch>
+        </p:blipFill>
+        <p:spPr>
+          <a:xfrm>
+            <a:off x="5926312" y="3358932"/>
+            <a:ext cx="287629" cy="376337"/>
+          </a:xfrm>
+          <a:prstGeom prst="rect">
+            <a:avLst/>
+          </a:prstGeom>
+        </p:spPr>
+      </p:pic>
+      <p:pic>
+        <p:nvPicPr>
+          <p:cNvPr id="54" name="Image 53"/>
+          <p:cNvPicPr>
+            <a:picLocks noChangeAspect="1"/>
+          </p:cNvPicPr>
+          <p:nvPr/>
+        </p:nvPicPr>
+        <p:blipFill>
+          <a:blip r:embed="rId4"/>
+          <a:stretch>
+            <a:fillRect/>
+          </a:stretch>
+        </p:blipFill>
+        <p:spPr>
+          <a:xfrm>
+            <a:off x="7456580" y="3093203"/>
+            <a:ext cx="335974" cy="354727"/>
+          </a:xfrm>
+          <a:prstGeom prst="rect">
+            <a:avLst/>
+          </a:prstGeom>
+        </p:spPr>
+      </p:pic>
+      <p:pic>
+        <p:nvPicPr>
+          <p:cNvPr id="55" name="Image 54" descr="OctoMan_Pos.png"/>
+          <p:cNvPicPr>
+            <a:picLocks noChangeAspect="1"/>
+          </p:cNvPicPr>
+          <p:nvPr/>
+        </p:nvPicPr>
+        <p:blipFill>
+          <a:blip r:embed="rId5">
+            <a:extLst>
+              <a:ext uri="{28A0092B-C50C-407E-A947-70E740481C1C}">
+                <a14:useLocalDpi xmlns:a14="http://schemas.microsoft.com/office/drawing/2010/main" val="0"/>
+              </a:ext>
+            </a:extLst>
+          </a:blip>
+          <a:stretch>
+            <a:fillRect/>
+          </a:stretch>
+        </p:blipFill>
+        <p:spPr>
+          <a:xfrm>
+            <a:off x="7424256" y="2506802"/>
+            <a:ext cx="425089" cy="556191"/>
+          </a:xfrm>
+          <a:prstGeom prst="rect">
+            <a:avLst/>
+          </a:prstGeom>
+        </p:spPr>
+      </p:pic>
     </p:spTree>
     <p:extLst>
       <p:ext uri="{BB962C8B-B14F-4D97-AF65-F5344CB8AC3E}">

--- a/microservices/illus.pptx
+++ b/microservices/illus.pptx
@@ -6,8 +6,9 @@
   </p:sldMasterIdLst>
   <p:sldIdLst>
     <p:sldId id="266" r:id="rId2"/>
-    <p:sldId id="270" r:id="rId3"/>
-    <p:sldId id="271" r:id="rId4"/>
+    <p:sldId id="272" r:id="rId3"/>
+    <p:sldId id="270" r:id="rId4"/>
+    <p:sldId id="271" r:id="rId5"/>
   </p:sldIdLst>
   <p:sldSz cx="9144000" cy="6858000" type="screen4x3"/>
   <p:notesSz cx="6858000" cy="9144000"/>
@@ -14822,6 +14823,1111 @@
       </p:grpSpPr>
       <p:sp>
         <p:nvSpPr>
+          <p:cNvPr id="115" name="Rectangle à coins arrondis 114"/>
+          <p:cNvSpPr/>
+          <p:nvPr/>
+        </p:nvSpPr>
+        <p:spPr>
+          <a:xfrm>
+            <a:off x="1052108" y="1455228"/>
+            <a:ext cx="3349314" cy="3063195"/>
+          </a:xfrm>
+          <a:prstGeom prst="roundRect">
+            <a:avLst/>
+          </a:prstGeom>
+          <a:ln w="76200" cmpd="sng">
+            <a:solidFill>
+              <a:schemeClr val="accent4"/>
+            </a:solidFill>
+          </a:ln>
+        </p:spPr>
+        <p:style>
+          <a:lnRef idx="2">
+            <a:schemeClr val="accent6"/>
+          </a:lnRef>
+          <a:fillRef idx="1">
+            <a:schemeClr val="lt1"/>
+          </a:fillRef>
+          <a:effectRef idx="0">
+            <a:schemeClr val="accent6"/>
+          </a:effectRef>
+          <a:fontRef idx="minor">
+            <a:schemeClr val="dk1"/>
+          </a:fontRef>
+        </p:style>
+        <p:txBody>
+          <a:bodyPr anchor="t" anchorCtr="0"/>
+          <a:lstStyle/>
+          <a:p>
+            <a:pPr algn="ctr"/>
+            <a:endParaRPr lang="fr-FR" sz="1400" b="1" dirty="0">
+              <a:ln w="76200" cmpd="sng">
+                <a:solidFill>
+                  <a:schemeClr val="tx1"/>
+                </a:solidFill>
+              </a:ln>
+              <a:solidFill>
+                <a:schemeClr val="tx2"/>
+              </a:solidFill>
+            </a:endParaRPr>
+          </a:p>
+        </p:txBody>
+      </p:sp>
+      <p:sp>
+        <p:nvSpPr>
+          <p:cNvPr id="132" name="Rectangle à coins arrondis 131"/>
+          <p:cNvSpPr/>
+          <p:nvPr/>
+        </p:nvSpPr>
+        <p:spPr>
+          <a:xfrm>
+            <a:off x="1123156" y="3443523"/>
+            <a:ext cx="2384801" cy="997437"/>
+          </a:xfrm>
+          <a:prstGeom prst="roundRect">
+            <a:avLst/>
+          </a:prstGeom>
+          <a:ln>
+            <a:solidFill>
+              <a:schemeClr val="accent1"/>
+            </a:solidFill>
+          </a:ln>
+        </p:spPr>
+        <p:style>
+          <a:lnRef idx="2">
+            <a:schemeClr val="accent6"/>
+          </a:lnRef>
+          <a:fillRef idx="1">
+            <a:schemeClr val="lt1"/>
+          </a:fillRef>
+          <a:effectRef idx="0">
+            <a:schemeClr val="accent6"/>
+          </a:effectRef>
+          <a:fontRef idx="minor">
+            <a:schemeClr val="dk1"/>
+          </a:fontRef>
+        </p:style>
+        <p:txBody>
+          <a:bodyPr anchor="t" anchorCtr="0"/>
+          <a:lstStyle/>
+          <a:p>
+            <a:pPr algn="ctr"/>
+            <a:endParaRPr lang="fr-FR" sz="1400" b="1" dirty="0">
+              <a:solidFill>
+                <a:schemeClr val="tx2"/>
+              </a:solidFill>
+            </a:endParaRPr>
+          </a:p>
+        </p:txBody>
+      </p:sp>
+      <p:sp>
+        <p:nvSpPr>
+          <p:cNvPr id="43" name="Rectangle à coins arrondis 42"/>
+          <p:cNvSpPr/>
+          <p:nvPr/>
+        </p:nvSpPr>
+        <p:spPr>
+          <a:xfrm>
+            <a:off x="1123156" y="1521765"/>
+            <a:ext cx="3205314" cy="1871515"/>
+          </a:xfrm>
+          <a:prstGeom prst="roundRect">
+            <a:avLst/>
+          </a:prstGeom>
+          <a:ln>
+            <a:solidFill>
+              <a:schemeClr val="accent1"/>
+            </a:solidFill>
+          </a:ln>
+        </p:spPr>
+        <p:style>
+          <a:lnRef idx="2">
+            <a:schemeClr val="accent6"/>
+          </a:lnRef>
+          <a:fillRef idx="1">
+            <a:schemeClr val="lt1"/>
+          </a:fillRef>
+          <a:effectRef idx="0">
+            <a:schemeClr val="accent6"/>
+          </a:effectRef>
+          <a:fontRef idx="minor">
+            <a:schemeClr val="dk1"/>
+          </a:fontRef>
+        </p:style>
+        <p:txBody>
+          <a:bodyPr anchor="t" anchorCtr="0"/>
+          <a:lstStyle/>
+          <a:p>
+            <a:pPr algn="ctr"/>
+            <a:r>
+              <a:rPr lang="fr-FR" sz="1200" b="1" dirty="0" smtClean="0">
+                <a:solidFill>
+                  <a:schemeClr val="tx2"/>
+                </a:solidFill>
+              </a:rPr>
+              <a:t>Projet classique = de nombreuses personnes sur un gros domaine métier</a:t>
+            </a:r>
+          </a:p>
+          <a:p>
+            <a:pPr algn="ctr"/>
+            <a:endParaRPr lang="fr-FR" sz="1400" b="1" dirty="0">
+              <a:solidFill>
+                <a:schemeClr val="tx2"/>
+              </a:solidFill>
+            </a:endParaRPr>
+          </a:p>
+        </p:txBody>
+      </p:sp>
+      <p:sp>
+        <p:nvSpPr>
+          <p:cNvPr id="44" name="Rectangle à coins arrondis 43"/>
+          <p:cNvSpPr/>
+          <p:nvPr/>
+        </p:nvSpPr>
+        <p:spPr>
+          <a:xfrm>
+            <a:off x="4583339" y="1455228"/>
+            <a:ext cx="3347997" cy="3063195"/>
+          </a:xfrm>
+          <a:prstGeom prst="roundRect">
+            <a:avLst/>
+          </a:prstGeom>
+          <a:ln>
+            <a:noFill/>
+          </a:ln>
+        </p:spPr>
+        <p:style>
+          <a:lnRef idx="2">
+            <a:schemeClr val="accent6"/>
+          </a:lnRef>
+          <a:fillRef idx="1">
+            <a:schemeClr val="lt1"/>
+          </a:fillRef>
+          <a:effectRef idx="0">
+            <a:schemeClr val="accent6"/>
+          </a:effectRef>
+          <a:fontRef idx="minor">
+            <a:schemeClr val="dk1"/>
+          </a:fontRef>
+        </p:style>
+        <p:txBody>
+          <a:bodyPr anchor="t" anchorCtr="0"/>
+          <a:lstStyle/>
+          <a:p>
+            <a:pPr algn="ctr"/>
+            <a:r>
+              <a:rPr lang="fr-FR" sz="1200" b="1" dirty="0" err="1" smtClean="0">
+                <a:solidFill>
+                  <a:schemeClr val="tx2"/>
+                </a:solidFill>
+              </a:rPr>
+              <a:t>Microservices</a:t>
+            </a:r>
+            <a:r>
+              <a:rPr lang="fr-FR" sz="1200" b="1" dirty="0" smtClean="0">
+                <a:solidFill>
+                  <a:schemeClr val="tx2"/>
+                </a:solidFill>
+              </a:rPr>
+              <a:t> = domaines métiers plus petits avec équipes indépendantes </a:t>
+            </a:r>
+            <a:endParaRPr lang="fr-FR" sz="1200" b="1" dirty="0">
+              <a:solidFill>
+                <a:schemeClr val="tx2"/>
+              </a:solidFill>
+            </a:endParaRPr>
+          </a:p>
+        </p:txBody>
+      </p:sp>
+      <p:pic>
+        <p:nvPicPr>
+          <p:cNvPr id="100" name="Image 99" descr="OctoMan_Pos.png"/>
+          <p:cNvPicPr>
+            <a:picLocks noChangeAspect="1"/>
+          </p:cNvPicPr>
+          <p:nvPr/>
+        </p:nvPicPr>
+        <p:blipFill>
+          <a:blip r:embed="rId2">
+            <a:extLst>
+              <a:ext uri="{28A0092B-C50C-407E-A947-70E740481C1C}">
+                <a14:useLocalDpi xmlns:a14="http://schemas.microsoft.com/office/drawing/2010/main" val="0"/>
+              </a:ext>
+            </a:extLst>
+          </a:blip>
+          <a:stretch>
+            <a:fillRect/>
+          </a:stretch>
+        </p:blipFill>
+        <p:spPr>
+          <a:xfrm>
+            <a:off x="1475254" y="2452491"/>
+            <a:ext cx="434400" cy="568373"/>
+          </a:xfrm>
+          <a:prstGeom prst="rect">
+            <a:avLst/>
+          </a:prstGeom>
+        </p:spPr>
+      </p:pic>
+      <p:sp>
+        <p:nvSpPr>
+          <p:cNvPr id="90" name="Rectangle à coins arrondis 89"/>
+          <p:cNvSpPr/>
+          <p:nvPr/>
+        </p:nvSpPr>
+        <p:spPr>
+          <a:xfrm>
+            <a:off x="1525483" y="4769379"/>
+            <a:ext cx="2402564" cy="360000"/>
+          </a:xfrm>
+          <a:prstGeom prst="roundRect">
+            <a:avLst/>
+          </a:prstGeom>
+          <a:ln>
+            <a:solidFill>
+              <a:schemeClr val="accent1"/>
+            </a:solidFill>
+          </a:ln>
+        </p:spPr>
+        <p:style>
+          <a:lnRef idx="2">
+            <a:schemeClr val="accent6"/>
+          </a:lnRef>
+          <a:fillRef idx="1">
+            <a:schemeClr val="lt1"/>
+          </a:fillRef>
+          <a:effectRef idx="0">
+            <a:schemeClr val="accent6"/>
+          </a:effectRef>
+          <a:fontRef idx="minor">
+            <a:schemeClr val="dk1"/>
+          </a:fontRef>
+        </p:style>
+        <p:txBody>
+          <a:bodyPr anchor="t" anchorCtr="0"/>
+          <a:lstStyle/>
+          <a:p>
+            <a:pPr algn="ctr"/>
+            <a:r>
+              <a:rPr lang="fr-FR" sz="1400" b="1" dirty="0" smtClean="0">
+                <a:solidFill>
+                  <a:srgbClr val="00A2D8"/>
+                </a:solidFill>
+              </a:rPr>
+              <a:t>Unité de déploiement</a:t>
+            </a:r>
+            <a:endParaRPr lang="fr-FR" sz="1400" b="1" dirty="0">
+              <a:solidFill>
+                <a:srgbClr val="00A2D8"/>
+              </a:solidFill>
+            </a:endParaRPr>
+          </a:p>
+        </p:txBody>
+      </p:sp>
+      <p:sp>
+        <p:nvSpPr>
+          <p:cNvPr id="97" name="Rectangle à coins arrondis 96"/>
+          <p:cNvSpPr/>
+          <p:nvPr/>
+        </p:nvSpPr>
+        <p:spPr>
+          <a:xfrm>
+            <a:off x="5189867" y="4769379"/>
+            <a:ext cx="2134940" cy="360000"/>
+          </a:xfrm>
+          <a:prstGeom prst="roundRect">
+            <a:avLst/>
+          </a:prstGeom>
+          <a:ln>
+            <a:solidFill>
+              <a:srgbClr val="E63527"/>
+            </a:solidFill>
+          </a:ln>
+        </p:spPr>
+        <p:style>
+          <a:lnRef idx="2">
+            <a:schemeClr val="accent6"/>
+          </a:lnRef>
+          <a:fillRef idx="1">
+            <a:schemeClr val="lt1"/>
+          </a:fillRef>
+          <a:effectRef idx="0">
+            <a:schemeClr val="accent6"/>
+          </a:effectRef>
+          <a:fontRef idx="minor">
+            <a:schemeClr val="dk1"/>
+          </a:fontRef>
+        </p:style>
+        <p:txBody>
+          <a:bodyPr anchor="t" anchorCtr="0"/>
+          <a:lstStyle/>
+          <a:p>
+            <a:pPr algn="ctr"/>
+            <a:r>
+              <a:rPr lang="fr-FR" sz="1400" b="1" dirty="0" smtClean="0">
+                <a:solidFill>
+                  <a:schemeClr val="accent4"/>
+                </a:solidFill>
+              </a:rPr>
+              <a:t>Domaine métier</a:t>
+            </a:r>
+            <a:endParaRPr lang="fr-FR" sz="1400" b="1" dirty="0">
+              <a:solidFill>
+                <a:schemeClr val="accent4"/>
+              </a:solidFill>
+            </a:endParaRPr>
+          </a:p>
+        </p:txBody>
+      </p:sp>
+      <p:pic>
+        <p:nvPicPr>
+          <p:cNvPr id="112" name="Image 111" descr="OctoMan_Pos.png"/>
+          <p:cNvPicPr>
+            <a:picLocks noChangeAspect="1"/>
+          </p:cNvPicPr>
+          <p:nvPr/>
+        </p:nvPicPr>
+        <p:blipFill>
+          <a:blip r:embed="rId2">
+            <a:extLst>
+              <a:ext uri="{28A0092B-C50C-407E-A947-70E740481C1C}">
+                <a14:useLocalDpi xmlns:a14="http://schemas.microsoft.com/office/drawing/2010/main" val="0"/>
+              </a:ext>
+            </a:extLst>
+          </a:blip>
+          <a:stretch>
+            <a:fillRect/>
+          </a:stretch>
+        </p:blipFill>
+        <p:spPr>
+          <a:xfrm>
+            <a:off x="2797485" y="2283752"/>
+            <a:ext cx="434400" cy="568373"/>
+          </a:xfrm>
+          <a:prstGeom prst="rect">
+            <a:avLst/>
+          </a:prstGeom>
+        </p:spPr>
+      </p:pic>
+      <p:pic>
+        <p:nvPicPr>
+          <p:cNvPr id="113" name="Image 112" descr="OctoMan_Pos.png"/>
+          <p:cNvPicPr>
+            <a:picLocks noChangeAspect="1"/>
+          </p:cNvPicPr>
+          <p:nvPr/>
+        </p:nvPicPr>
+        <p:blipFill>
+          <a:blip r:embed="rId2">
+            <a:extLst>
+              <a:ext uri="{28A0092B-C50C-407E-A947-70E740481C1C}">
+                <a14:useLocalDpi xmlns:a14="http://schemas.microsoft.com/office/drawing/2010/main" val="0"/>
+              </a:ext>
+            </a:extLst>
+          </a:blip>
+          <a:stretch>
+            <a:fillRect/>
+          </a:stretch>
+        </p:blipFill>
+        <p:spPr>
+          <a:xfrm>
+            <a:off x="1758679" y="3620370"/>
+            <a:ext cx="434400" cy="568373"/>
+          </a:xfrm>
+          <a:prstGeom prst="rect">
+            <a:avLst/>
+          </a:prstGeom>
+        </p:spPr>
+      </p:pic>
+      <p:pic>
+        <p:nvPicPr>
+          <p:cNvPr id="114" name="Image 113" descr="OctoMan_Pos.png"/>
+          <p:cNvPicPr>
+            <a:picLocks noChangeAspect="1"/>
+          </p:cNvPicPr>
+          <p:nvPr/>
+        </p:nvPicPr>
+        <p:blipFill>
+          <a:blip r:embed="rId2">
+            <a:extLst>
+              <a:ext uri="{28A0092B-C50C-407E-A947-70E740481C1C}">
+                <a14:useLocalDpi xmlns:a14="http://schemas.microsoft.com/office/drawing/2010/main" val="0"/>
+              </a:ext>
+            </a:extLst>
+          </a:blip>
+          <a:stretch>
+            <a:fillRect/>
+          </a:stretch>
+        </p:blipFill>
+        <p:spPr>
+          <a:xfrm>
+            <a:off x="3444123" y="2736678"/>
+            <a:ext cx="434400" cy="568373"/>
+          </a:xfrm>
+          <a:prstGeom prst="rect">
+            <a:avLst/>
+          </a:prstGeom>
+        </p:spPr>
+      </p:pic>
+      <p:sp>
+        <p:nvSpPr>
+          <p:cNvPr id="133" name="Rectangle à coins arrondis 132"/>
+          <p:cNvSpPr/>
+          <p:nvPr/>
+        </p:nvSpPr>
+        <p:spPr>
+          <a:xfrm>
+            <a:off x="4756127" y="2168299"/>
+            <a:ext cx="1336173" cy="940789"/>
+          </a:xfrm>
+          <a:prstGeom prst="roundRect">
+            <a:avLst/>
+          </a:prstGeom>
+          <a:ln>
+            <a:solidFill>
+              <a:srgbClr val="E63527"/>
+            </a:solidFill>
+          </a:ln>
+        </p:spPr>
+        <p:style>
+          <a:lnRef idx="2">
+            <a:schemeClr val="accent6"/>
+          </a:lnRef>
+          <a:fillRef idx="1">
+            <a:schemeClr val="lt1"/>
+          </a:fillRef>
+          <a:effectRef idx="0">
+            <a:schemeClr val="accent6"/>
+          </a:effectRef>
+          <a:fontRef idx="minor">
+            <a:schemeClr val="dk1"/>
+          </a:fontRef>
+        </p:style>
+        <p:txBody>
+          <a:bodyPr anchor="t" anchorCtr="0"/>
+          <a:lstStyle/>
+          <a:p>
+            <a:pPr algn="ctr"/>
+            <a:endParaRPr lang="fr-FR" sz="1400" b="1" dirty="0">
+              <a:solidFill>
+                <a:schemeClr val="accent4"/>
+              </a:solidFill>
+            </a:endParaRPr>
+          </a:p>
+        </p:txBody>
+      </p:sp>
+      <p:pic>
+        <p:nvPicPr>
+          <p:cNvPr id="138" name="Image 137" descr="OctoMan_Pos.png"/>
+          <p:cNvPicPr>
+            <a:picLocks noChangeAspect="1"/>
+          </p:cNvPicPr>
+          <p:nvPr/>
+        </p:nvPicPr>
+        <p:blipFill>
+          <a:blip r:embed="rId2">
+            <a:extLst>
+              <a:ext uri="{28A0092B-C50C-407E-A947-70E740481C1C}">
+                <a14:useLocalDpi xmlns:a14="http://schemas.microsoft.com/office/drawing/2010/main" val="0"/>
+              </a:ext>
+            </a:extLst>
+          </a:blip>
+          <a:stretch>
+            <a:fillRect/>
+          </a:stretch>
+        </p:blipFill>
+        <p:spPr>
+          <a:xfrm>
+            <a:off x="4914819" y="2403499"/>
+            <a:ext cx="359512" cy="470389"/>
+          </a:xfrm>
+          <a:prstGeom prst="rect">
+            <a:avLst/>
+          </a:prstGeom>
+        </p:spPr>
+      </p:pic>
+      <p:sp>
+        <p:nvSpPr>
+          <p:cNvPr id="146" name="Rectangle à coins arrondis 145"/>
+          <p:cNvSpPr/>
+          <p:nvPr/>
+        </p:nvSpPr>
+        <p:spPr>
+          <a:xfrm>
+            <a:off x="5364066" y="2267886"/>
+            <a:ext cx="648304" cy="752972"/>
+          </a:xfrm>
+          <a:prstGeom prst="roundRect">
+            <a:avLst/>
+          </a:prstGeom>
+          <a:ln>
+            <a:solidFill>
+              <a:schemeClr val="accent1"/>
+            </a:solidFill>
+          </a:ln>
+        </p:spPr>
+        <p:style>
+          <a:lnRef idx="2">
+            <a:schemeClr val="accent6"/>
+          </a:lnRef>
+          <a:fillRef idx="1">
+            <a:schemeClr val="lt1"/>
+          </a:fillRef>
+          <a:effectRef idx="0">
+            <a:schemeClr val="accent6"/>
+          </a:effectRef>
+          <a:fontRef idx="minor">
+            <a:schemeClr val="dk1"/>
+          </a:fontRef>
+        </p:style>
+        <p:txBody>
+          <a:bodyPr anchor="t" anchorCtr="0"/>
+          <a:lstStyle/>
+          <a:p>
+            <a:pPr algn="ctr"/>
+            <a:endParaRPr lang="fr-FR" sz="1400" b="1" dirty="0">
+              <a:solidFill>
+                <a:schemeClr val="tx2"/>
+              </a:solidFill>
+            </a:endParaRPr>
+          </a:p>
+        </p:txBody>
+      </p:sp>
+      <p:sp>
+        <p:nvSpPr>
+          <p:cNvPr id="153" name="Rectangle à coins arrondis 152"/>
+          <p:cNvSpPr/>
+          <p:nvPr/>
+        </p:nvSpPr>
+        <p:spPr>
+          <a:xfrm>
+            <a:off x="6409399" y="2168299"/>
+            <a:ext cx="1336173" cy="1073100"/>
+          </a:xfrm>
+          <a:prstGeom prst="roundRect">
+            <a:avLst/>
+          </a:prstGeom>
+          <a:ln>
+            <a:solidFill>
+              <a:srgbClr val="E63527"/>
+            </a:solidFill>
+          </a:ln>
+        </p:spPr>
+        <p:style>
+          <a:lnRef idx="2">
+            <a:schemeClr val="accent6"/>
+          </a:lnRef>
+          <a:fillRef idx="1">
+            <a:schemeClr val="lt1"/>
+          </a:fillRef>
+          <a:effectRef idx="0">
+            <a:schemeClr val="accent6"/>
+          </a:effectRef>
+          <a:fontRef idx="minor">
+            <a:schemeClr val="dk1"/>
+          </a:fontRef>
+        </p:style>
+        <p:txBody>
+          <a:bodyPr anchor="t" anchorCtr="0"/>
+          <a:lstStyle/>
+          <a:p>
+            <a:pPr algn="ctr"/>
+            <a:endParaRPr lang="fr-FR" sz="1400" b="1" dirty="0">
+              <a:solidFill>
+                <a:schemeClr val="accent4"/>
+              </a:solidFill>
+            </a:endParaRPr>
+          </a:p>
+        </p:txBody>
+      </p:sp>
+      <p:pic>
+        <p:nvPicPr>
+          <p:cNvPr id="154" name="Image 153" descr="OctoMan_Pos.png"/>
+          <p:cNvPicPr>
+            <a:picLocks noChangeAspect="1"/>
+          </p:cNvPicPr>
+          <p:nvPr/>
+        </p:nvPicPr>
+        <p:blipFill>
+          <a:blip r:embed="rId2">
+            <a:extLst>
+              <a:ext uri="{28A0092B-C50C-407E-A947-70E740481C1C}">
+                <a14:useLocalDpi xmlns:a14="http://schemas.microsoft.com/office/drawing/2010/main" val="0"/>
+              </a:ext>
+            </a:extLst>
+          </a:blip>
+          <a:stretch>
+            <a:fillRect/>
+          </a:stretch>
+        </p:blipFill>
+        <p:spPr>
+          <a:xfrm>
+            <a:off x="6488162" y="2443317"/>
+            <a:ext cx="434400" cy="568373"/>
+          </a:xfrm>
+          <a:prstGeom prst="rect">
+            <a:avLst/>
+          </a:prstGeom>
+        </p:spPr>
+      </p:pic>
+      <p:sp>
+        <p:nvSpPr>
+          <p:cNvPr id="155" name="Rectangle à coins arrondis 154"/>
+          <p:cNvSpPr/>
+          <p:nvPr/>
+        </p:nvSpPr>
+        <p:spPr>
+          <a:xfrm>
+            <a:off x="7017338" y="2267886"/>
+            <a:ext cx="648304" cy="556127"/>
+          </a:xfrm>
+          <a:prstGeom prst="roundRect">
+            <a:avLst/>
+          </a:prstGeom>
+          <a:ln>
+            <a:solidFill>
+              <a:schemeClr val="accent1"/>
+            </a:solidFill>
+          </a:ln>
+        </p:spPr>
+        <p:style>
+          <a:lnRef idx="2">
+            <a:schemeClr val="accent6"/>
+          </a:lnRef>
+          <a:fillRef idx="1">
+            <a:schemeClr val="lt1"/>
+          </a:fillRef>
+          <a:effectRef idx="0">
+            <a:schemeClr val="accent6"/>
+          </a:effectRef>
+          <a:fontRef idx="minor">
+            <a:schemeClr val="dk1"/>
+          </a:fontRef>
+        </p:style>
+        <p:txBody>
+          <a:bodyPr anchor="t" anchorCtr="0"/>
+          <a:lstStyle/>
+          <a:p>
+            <a:pPr algn="ctr"/>
+            <a:endParaRPr lang="fr-FR" sz="1400" b="1" dirty="0">
+              <a:solidFill>
+                <a:schemeClr val="tx2"/>
+              </a:solidFill>
+            </a:endParaRPr>
+          </a:p>
+        </p:txBody>
+      </p:sp>
+      <p:sp>
+        <p:nvSpPr>
+          <p:cNvPr id="156" name="Rectangle à coins arrondis 155"/>
+          <p:cNvSpPr/>
+          <p:nvPr/>
+        </p:nvSpPr>
+        <p:spPr>
+          <a:xfrm>
+            <a:off x="4836056" y="3434162"/>
+            <a:ext cx="2166435" cy="940789"/>
+          </a:xfrm>
+          <a:prstGeom prst="roundRect">
+            <a:avLst/>
+          </a:prstGeom>
+          <a:ln>
+            <a:solidFill>
+              <a:srgbClr val="E63527"/>
+            </a:solidFill>
+          </a:ln>
+        </p:spPr>
+        <p:style>
+          <a:lnRef idx="2">
+            <a:schemeClr val="accent6"/>
+          </a:lnRef>
+          <a:fillRef idx="1">
+            <a:schemeClr val="lt1"/>
+          </a:fillRef>
+          <a:effectRef idx="0">
+            <a:schemeClr val="accent6"/>
+          </a:effectRef>
+          <a:fontRef idx="minor">
+            <a:schemeClr val="dk1"/>
+          </a:fontRef>
+        </p:style>
+        <p:txBody>
+          <a:bodyPr anchor="t" anchorCtr="0"/>
+          <a:lstStyle/>
+          <a:p>
+            <a:pPr algn="ctr"/>
+            <a:endParaRPr lang="fr-FR" sz="1400" b="1" dirty="0">
+              <a:solidFill>
+                <a:schemeClr val="accent4"/>
+              </a:solidFill>
+            </a:endParaRPr>
+          </a:p>
+        </p:txBody>
+      </p:sp>
+      <p:pic>
+        <p:nvPicPr>
+          <p:cNvPr id="157" name="Image 156" descr="OctoMan_Pos.png"/>
+          <p:cNvPicPr>
+            <a:picLocks noChangeAspect="1"/>
+          </p:cNvPicPr>
+          <p:nvPr/>
+        </p:nvPicPr>
+        <p:blipFill>
+          <a:blip r:embed="rId2">
+            <a:extLst>
+              <a:ext uri="{28A0092B-C50C-407E-A947-70E740481C1C}">
+                <a14:useLocalDpi xmlns:a14="http://schemas.microsoft.com/office/drawing/2010/main" val="0"/>
+              </a:ext>
+            </a:extLst>
+          </a:blip>
+          <a:stretch>
+            <a:fillRect/>
+          </a:stretch>
+        </p:blipFill>
+        <p:spPr>
+          <a:xfrm>
+            <a:off x="4914819" y="3558367"/>
+            <a:ext cx="529176" cy="692379"/>
+          </a:xfrm>
+          <a:prstGeom prst="rect">
+            <a:avLst/>
+          </a:prstGeom>
+        </p:spPr>
+      </p:pic>
+      <p:sp>
+        <p:nvSpPr>
+          <p:cNvPr id="158" name="Rectangle à coins arrondis 157"/>
+          <p:cNvSpPr/>
+          <p:nvPr/>
+        </p:nvSpPr>
+        <p:spPr>
+          <a:xfrm>
+            <a:off x="5506162" y="3533749"/>
+            <a:ext cx="648304" cy="752972"/>
+          </a:xfrm>
+          <a:prstGeom prst="roundRect">
+            <a:avLst/>
+          </a:prstGeom>
+          <a:ln>
+            <a:solidFill>
+              <a:schemeClr val="accent1"/>
+            </a:solidFill>
+          </a:ln>
+        </p:spPr>
+        <p:style>
+          <a:lnRef idx="2">
+            <a:schemeClr val="accent6"/>
+          </a:lnRef>
+          <a:fillRef idx="1">
+            <a:schemeClr val="lt1"/>
+          </a:fillRef>
+          <a:effectRef idx="0">
+            <a:schemeClr val="accent6"/>
+          </a:effectRef>
+          <a:fontRef idx="minor">
+            <a:schemeClr val="dk1"/>
+          </a:fontRef>
+        </p:style>
+        <p:txBody>
+          <a:bodyPr anchor="t" anchorCtr="0"/>
+          <a:lstStyle/>
+          <a:p>
+            <a:pPr algn="ctr"/>
+            <a:endParaRPr lang="fr-FR" sz="1400" b="1" dirty="0">
+              <a:solidFill>
+                <a:schemeClr val="tx2"/>
+              </a:solidFill>
+            </a:endParaRPr>
+          </a:p>
+        </p:txBody>
+      </p:sp>
+      <p:sp>
+        <p:nvSpPr>
+          <p:cNvPr id="159" name="Rectangle à coins arrondis 158"/>
+          <p:cNvSpPr/>
+          <p:nvPr/>
+        </p:nvSpPr>
+        <p:spPr>
+          <a:xfrm>
+            <a:off x="6228362" y="3533749"/>
+            <a:ext cx="648304" cy="311532"/>
+          </a:xfrm>
+          <a:prstGeom prst="roundRect">
+            <a:avLst/>
+          </a:prstGeom>
+          <a:ln>
+            <a:solidFill>
+              <a:schemeClr val="accent1"/>
+            </a:solidFill>
+          </a:ln>
+        </p:spPr>
+        <p:style>
+          <a:lnRef idx="2">
+            <a:schemeClr val="accent6"/>
+          </a:lnRef>
+          <a:fillRef idx="1">
+            <a:schemeClr val="lt1"/>
+          </a:fillRef>
+          <a:effectRef idx="0">
+            <a:schemeClr val="accent6"/>
+          </a:effectRef>
+          <a:fontRef idx="minor">
+            <a:schemeClr val="dk1"/>
+          </a:fontRef>
+        </p:style>
+        <p:txBody>
+          <a:bodyPr anchor="t" anchorCtr="0"/>
+          <a:lstStyle/>
+          <a:p>
+            <a:pPr algn="ctr"/>
+            <a:endParaRPr lang="fr-FR" sz="1400" b="1" dirty="0">
+              <a:solidFill>
+                <a:schemeClr val="tx2"/>
+              </a:solidFill>
+            </a:endParaRPr>
+          </a:p>
+        </p:txBody>
+      </p:sp>
+      <p:sp>
+        <p:nvSpPr>
+          <p:cNvPr id="160" name="Rectangle à coins arrondis 159"/>
+          <p:cNvSpPr/>
+          <p:nvPr/>
+        </p:nvSpPr>
+        <p:spPr>
+          <a:xfrm>
+            <a:off x="6228362" y="3975189"/>
+            <a:ext cx="648304" cy="311532"/>
+          </a:xfrm>
+          <a:prstGeom prst="roundRect">
+            <a:avLst/>
+          </a:prstGeom>
+          <a:ln>
+            <a:solidFill>
+              <a:schemeClr val="accent1"/>
+            </a:solidFill>
+          </a:ln>
+        </p:spPr>
+        <p:style>
+          <a:lnRef idx="2">
+            <a:schemeClr val="accent6"/>
+          </a:lnRef>
+          <a:fillRef idx="1">
+            <a:schemeClr val="lt1"/>
+          </a:fillRef>
+          <a:effectRef idx="0">
+            <a:schemeClr val="accent6"/>
+          </a:effectRef>
+          <a:fontRef idx="minor">
+            <a:schemeClr val="dk1"/>
+          </a:fontRef>
+        </p:style>
+        <p:txBody>
+          <a:bodyPr anchor="t" anchorCtr="0"/>
+          <a:lstStyle/>
+          <a:p>
+            <a:pPr algn="ctr"/>
+            <a:endParaRPr lang="fr-FR" sz="1400" b="1" dirty="0">
+              <a:solidFill>
+                <a:schemeClr val="tx2"/>
+              </a:solidFill>
+            </a:endParaRPr>
+          </a:p>
+        </p:txBody>
+      </p:sp>
+      <p:sp>
+        <p:nvSpPr>
+          <p:cNvPr id="161" name="Rectangle à coins arrondis 160"/>
+          <p:cNvSpPr/>
+          <p:nvPr/>
+        </p:nvSpPr>
+        <p:spPr>
+          <a:xfrm>
+            <a:off x="7017338" y="2865092"/>
+            <a:ext cx="648304" cy="311532"/>
+          </a:xfrm>
+          <a:prstGeom prst="roundRect">
+            <a:avLst/>
+          </a:prstGeom>
+          <a:ln>
+            <a:solidFill>
+              <a:schemeClr val="accent1"/>
+            </a:solidFill>
+          </a:ln>
+        </p:spPr>
+        <p:style>
+          <a:lnRef idx="2">
+            <a:schemeClr val="accent6"/>
+          </a:lnRef>
+          <a:fillRef idx="1">
+            <a:schemeClr val="lt1"/>
+          </a:fillRef>
+          <a:effectRef idx="0">
+            <a:schemeClr val="accent6"/>
+          </a:effectRef>
+          <a:fontRef idx="minor">
+            <a:schemeClr val="dk1"/>
+          </a:fontRef>
+        </p:style>
+        <p:txBody>
+          <a:bodyPr anchor="t" anchorCtr="0"/>
+          <a:lstStyle/>
+          <a:p>
+            <a:pPr algn="ctr"/>
+            <a:endParaRPr lang="fr-FR" sz="1400" b="1" dirty="0">
+              <a:solidFill>
+                <a:schemeClr val="tx2"/>
+              </a:solidFill>
+            </a:endParaRPr>
+          </a:p>
+        </p:txBody>
+      </p:sp>
+      <p:sp>
+        <p:nvSpPr>
+          <p:cNvPr id="162" name="Rectangle à coins arrondis 161"/>
+          <p:cNvSpPr/>
+          <p:nvPr/>
+        </p:nvSpPr>
+        <p:spPr>
+          <a:xfrm>
+            <a:off x="3561242" y="3443523"/>
+            <a:ext cx="740586" cy="997437"/>
+          </a:xfrm>
+          <a:prstGeom prst="roundRect">
+            <a:avLst/>
+          </a:prstGeom>
+          <a:ln>
+            <a:solidFill>
+              <a:schemeClr val="accent1"/>
+            </a:solidFill>
+          </a:ln>
+        </p:spPr>
+        <p:style>
+          <a:lnRef idx="2">
+            <a:schemeClr val="accent6"/>
+          </a:lnRef>
+          <a:fillRef idx="1">
+            <a:schemeClr val="lt1"/>
+          </a:fillRef>
+          <a:effectRef idx="0">
+            <a:schemeClr val="accent6"/>
+          </a:effectRef>
+          <a:fontRef idx="minor">
+            <a:schemeClr val="dk1"/>
+          </a:fontRef>
+        </p:style>
+        <p:txBody>
+          <a:bodyPr anchor="t" anchorCtr="0"/>
+          <a:lstStyle/>
+          <a:p>
+            <a:pPr algn="ctr"/>
+            <a:endParaRPr lang="fr-FR" sz="1400" b="1" dirty="0">
+              <a:solidFill>
+                <a:schemeClr val="tx2"/>
+              </a:solidFill>
+            </a:endParaRPr>
+          </a:p>
+        </p:txBody>
+      </p:sp>
+      <p:pic>
+        <p:nvPicPr>
+          <p:cNvPr id="164" name="Image 163" descr="OctoMan_Pos.png"/>
+          <p:cNvPicPr>
+            <a:picLocks noChangeAspect="1"/>
+          </p:cNvPicPr>
+          <p:nvPr/>
+        </p:nvPicPr>
+        <p:blipFill>
+          <a:blip r:embed="rId2">
+            <a:extLst>
+              <a:ext uri="{28A0092B-C50C-407E-A947-70E740481C1C}">
+                <a14:useLocalDpi xmlns:a14="http://schemas.microsoft.com/office/drawing/2010/main" val="0"/>
+              </a:ext>
+            </a:extLst>
+          </a:blip>
+          <a:stretch>
+            <a:fillRect/>
+          </a:stretch>
+        </p:blipFill>
+        <p:spPr>
+          <a:xfrm>
+            <a:off x="3344042" y="3620215"/>
+            <a:ext cx="434400" cy="568373"/>
+          </a:xfrm>
+          <a:prstGeom prst="rect">
+            <a:avLst/>
+          </a:prstGeom>
+        </p:spPr>
+      </p:pic>
+      <p:pic>
+        <p:nvPicPr>
+          <p:cNvPr id="165" name="Image 164" descr="OctoMan_Pos.png"/>
+          <p:cNvPicPr>
+            <a:picLocks noChangeAspect="1"/>
+          </p:cNvPicPr>
+          <p:nvPr/>
+        </p:nvPicPr>
+        <p:blipFill>
+          <a:blip r:embed="rId2">
+            <a:extLst>
+              <a:ext uri="{28A0092B-C50C-407E-A947-70E740481C1C}">
+                <a14:useLocalDpi xmlns:a14="http://schemas.microsoft.com/office/drawing/2010/main" val="0"/>
+              </a:ext>
+            </a:extLst>
+          </a:blip>
+          <a:stretch>
+            <a:fillRect/>
+          </a:stretch>
+        </p:blipFill>
+        <p:spPr>
+          <a:xfrm>
+            <a:off x="2515485" y="3092797"/>
+            <a:ext cx="434400" cy="568373"/>
+          </a:xfrm>
+          <a:prstGeom prst="rect">
+            <a:avLst/>
+          </a:prstGeom>
+        </p:spPr>
+      </p:pic>
+    </p:spTree>
+    <p:extLst>
+      <p:ext uri="{BB962C8B-B14F-4D97-AF65-F5344CB8AC3E}">
+        <p14:creationId xmlns:p14="http://schemas.microsoft.com/office/powerpoint/2010/main" val="1313790938"/>
+      </p:ext>
+    </p:extLst>
+  </p:cSld>
+  <p:clrMapOvr>
+    <a:masterClrMapping/>
+  </p:clrMapOvr>
+  <p:timing>
+    <p:tnLst>
+      <p:par>
+        <p:cTn xmlns:p14="http://schemas.microsoft.com/office/powerpoint/2010/main" id="1" dur="indefinite" restart="never" nodeType="tmRoot"/>
+      </p:par>
+    </p:tnLst>
+  </p:timing>
+</p:sld>
+</file>
+
+<file path=ppt/slides/slide3.xml><?xml version="1.0" encoding="utf-8"?>
+<p:sld xmlns:a="http://schemas.openxmlformats.org/drawingml/2006/main" xmlns:r="http://schemas.openxmlformats.org/officeDocument/2006/relationships" xmlns:p="http://schemas.openxmlformats.org/presentationml/2006/main">
+  <p:cSld>
+    <p:spTree>
+      <p:nvGrpSpPr>
+        <p:cNvPr id="1" name=""/>
+        <p:cNvGrpSpPr/>
+        <p:nvPr/>
+      </p:nvGrpSpPr>
+      <p:grpSpPr>
+        <a:xfrm>
+          <a:off x="0" y="0"/>
+          <a:ext cx="0" cy="0"/>
+          <a:chOff x="0" y="0"/>
+          <a:chExt cx="0" cy="0"/>
+        </a:xfrm>
+      </p:grpSpPr>
+      <p:sp>
+        <p:nvSpPr>
           <p:cNvPr id="44" name="Rectangle à coins arrondis 43"/>
           <p:cNvSpPr/>
           <p:nvPr/>
@@ -17106,7 +18212,7 @@
 </p:sld>
 </file>
 
-<file path=ppt/slides/slide3.xml><?xml version="1.0" encoding="utf-8"?>
+<file path=ppt/slides/slide4.xml><?xml version="1.0" encoding="utf-8"?>
 <p:sld xmlns:a="http://schemas.openxmlformats.org/drawingml/2006/main" xmlns:r="http://schemas.openxmlformats.org/officeDocument/2006/relationships" xmlns:p="http://schemas.openxmlformats.org/presentationml/2006/main">
   <p:cSld>
     <p:spTree>

--- a/microservices/illus.pptx
+++ b/microservices/illus.pptx
@@ -15077,8 +15077,8 @@
         </p:nvSpPr>
         <p:spPr>
           <a:xfrm>
-            <a:off x="1525483" y="4769379"/>
-            <a:ext cx="2402564" cy="360000"/>
+            <a:off x="1052108" y="4769379"/>
+            <a:ext cx="2160000" cy="360000"/>
           </a:xfrm>
           <a:prstGeom prst="roundRect">
             <a:avLst/>
@@ -15132,8 +15132,8 @@
         </p:nvSpPr>
         <p:spPr>
           <a:xfrm>
-            <a:off x="5189867" y="4769379"/>
-            <a:ext cx="2134940" cy="360000"/>
+            <a:off x="5586829" y="4769379"/>
+            <a:ext cx="2158743" cy="360000"/>
           </a:xfrm>
           <a:prstGeom prst="roundRect">
             <a:avLst/>
@@ -15883,6 +15883,89 @@
           <a:xfrm>
             <a:off x="2515485" y="3092797"/>
             <a:ext cx="434400" cy="568373"/>
+          </a:xfrm>
+          <a:prstGeom prst="rect">
+            <a:avLst/>
+          </a:prstGeom>
+        </p:spPr>
+      </p:pic>
+      <p:sp>
+        <p:nvSpPr>
+          <p:cNvPr id="27" name="Rectangle à coins arrondis 26"/>
+          <p:cNvSpPr/>
+          <p:nvPr/>
+        </p:nvSpPr>
+        <p:spPr>
+          <a:xfrm>
+            <a:off x="3916465" y="4769379"/>
+            <a:ext cx="1151830" cy="360000"/>
+          </a:xfrm>
+          <a:prstGeom prst="roundRect">
+            <a:avLst/>
+          </a:prstGeom>
+          <a:ln>
+            <a:noFill/>
+          </a:ln>
+        </p:spPr>
+        <p:style>
+          <a:lnRef idx="2">
+            <a:schemeClr val="accent6"/>
+          </a:lnRef>
+          <a:fillRef idx="1">
+            <a:schemeClr val="lt1"/>
+          </a:fillRef>
+          <a:effectRef idx="0">
+            <a:schemeClr val="accent6"/>
+          </a:effectRef>
+          <a:fontRef idx="minor">
+            <a:schemeClr val="dk1"/>
+          </a:fontRef>
+        </p:style>
+        <p:txBody>
+          <a:bodyPr anchor="t" anchorCtr="0"/>
+          <a:lstStyle/>
+          <a:p>
+            <a:pPr algn="ctr"/>
+            <a:r>
+              <a:rPr lang="fr-FR" sz="1400" b="1" dirty="0" smtClean="0">
+                <a:solidFill>
+                  <a:schemeClr val="accent6"/>
+                </a:solidFill>
+              </a:rPr>
+              <a:t>Équipe</a:t>
+            </a:r>
+            <a:endParaRPr lang="fr-FR" sz="1400" b="1" dirty="0">
+              <a:solidFill>
+                <a:schemeClr val="accent6"/>
+              </a:solidFill>
+            </a:endParaRPr>
+          </a:p>
+        </p:txBody>
+      </p:sp>
+      <p:pic>
+        <p:nvPicPr>
+          <p:cNvPr id="28" name="Image 27" descr="OctoMan_Pos.png"/>
+          <p:cNvPicPr>
+            <a:picLocks noChangeAspect="1"/>
+          </p:cNvPicPr>
+          <p:nvPr/>
+        </p:nvPicPr>
+        <p:blipFill>
+          <a:blip r:embed="rId2">
+            <a:extLst>
+              <a:ext uri="{28A0092B-C50C-407E-A947-70E740481C1C}">
+                <a14:useLocalDpi xmlns:a14="http://schemas.microsoft.com/office/drawing/2010/main" val="0"/>
+              </a:ext>
+            </a:extLst>
+          </a:blip>
+          <a:stretch>
+            <a:fillRect/>
+          </a:stretch>
+        </p:blipFill>
+        <p:spPr>
+          <a:xfrm>
+            <a:off x="3847057" y="4753042"/>
+            <a:ext cx="287629" cy="376337"/>
           </a:xfrm>
           <a:prstGeom prst="rect">
             <a:avLst/>
